--- a/Präsentation/09_Versionsmanagement_Git.pptx
+++ b/Präsentation/09_Versionsmanagement_Git.pptx
@@ -5,10 +5,10 @@
     <p:sldMasterId id="2147483648" r:id="rId1"/>
   </p:sldMasterIdLst>
   <p:notesMasterIdLst>
-    <p:notesMasterId r:id="rId33"/>
+    <p:notesMasterId r:id="rId34"/>
   </p:notesMasterIdLst>
   <p:handoutMasterIdLst>
-    <p:handoutMasterId r:id="rId34"/>
+    <p:handoutMasterId r:id="rId35"/>
   </p:handoutMasterIdLst>
   <p:sldIdLst>
     <p:sldId id="256" r:id="rId2"/>
@@ -38,24 +38,25 @@
     <p:sldId id="267" r:id="rId26"/>
     <p:sldId id="285" r:id="rId27"/>
     <p:sldId id="269" r:id="rId28"/>
-    <p:sldId id="280" r:id="rId29"/>
-    <p:sldId id="283" r:id="rId30"/>
-    <p:sldId id="281" r:id="rId31"/>
-    <p:sldId id="270" r:id="rId32"/>
+    <p:sldId id="293" r:id="rId29"/>
+    <p:sldId id="280" r:id="rId30"/>
+    <p:sldId id="283" r:id="rId31"/>
+    <p:sldId id="281" r:id="rId32"/>
+    <p:sldId id="270" r:id="rId33"/>
   </p:sldIdLst>
   <p:sldSz cx="9144000" cy="6858000" type="screen4x3"/>
   <p:notesSz cx="7102475" cy="10233025"/>
   <p:embeddedFontLst>
     <p:embeddedFont>
       <p:font typeface="Consolas" panose="020B0609020204030204" pitchFamily="49" charset="0"/>
-      <p:regular r:id="rId35"/>
-      <p:bold r:id="rId36"/>
-      <p:italic r:id="rId37"/>
-      <p:boldItalic r:id="rId38"/>
+      <p:regular r:id="rId36"/>
+      <p:bold r:id="rId37"/>
+      <p:italic r:id="rId38"/>
+      <p:boldItalic r:id="rId39"/>
     </p:embeddedFont>
     <p:embeddedFont>
       <p:font typeface="Webdings" panose="05030102010509060703" pitchFamily="18" charset="2"/>
-      <p:regular r:id="rId39"/>
+      <p:regular r:id="rId40"/>
     </p:embeddedFont>
   </p:embeddedFontLst>
   <p:defaultTextStyle>
@@ -215,6 +216,7 @@
             <p14:sldId id="267"/>
             <p14:sldId id="285"/>
             <p14:sldId id="269"/>
+            <p14:sldId id="293"/>
             <p14:sldId id="280"/>
             <p14:sldId id="283"/>
             <p14:sldId id="281"/>
@@ -966,7 +968,7 @@
             </a:extLst>
           </p:cNvPr>
           <p:cNvSpPr>
-            <a:spLocks noRot="1" noChangeArrowheads="1" noTextEdit="1"/>
+            <a:spLocks noGrp="1" noRot="1" noChangeAspect="1" noChangeArrowheads="1" noTextEdit="1"/>
           </p:cNvSpPr>
           <p:nvPr>
             <p:ph type="sldImg" idx="2"/>
@@ -3147,7 +3149,21 @@
           <a:bodyPr/>
           <a:lstStyle/>
           <a:p>
-            <a:endParaRPr lang="de-DE" altLang="de-DE"/>
+            <a:r>
+              <a:rPr lang="de-DE" altLang="de-DE" dirty="0"/>
+              <a:t>Damit Befehle überhaupt verfügbar sind muss zunächst das </a:t>
+            </a:r>
+            <a:r>
+              <a:rPr lang="de-DE" altLang="de-DE" dirty="0" err="1"/>
+              <a:t>Repo</a:t>
+            </a:r>
+            <a:r>
+              <a:rPr lang="de-DE" altLang="de-DE" dirty="0"/>
+              <a:t> hinzugefügt werden. Dies über File -&gt; Import durchführen</a:t>
+            </a:r>
+          </a:p>
+          <a:p>
+            <a:endParaRPr lang="de-DE" altLang="de-DE" dirty="0"/>
           </a:p>
         </p:txBody>
       </p:sp>
@@ -4152,7 +4168,7 @@
           <a:lstStyle/>
           <a:p>
             <a:r>
-              <a:rPr lang="de-DE" altLang="de-DE"/>
+              <a:rPr lang="de-DE" altLang="de-DE" dirty="0"/>
               <a:t>Wer von Euch kennt TortoiseGit bereits? </a:t>
             </a:r>
           </a:p>
@@ -4483,18 +4499,18 @@
           <a:lstStyle/>
           <a:p>
             <a:r>
-              <a:rPr lang="de-DE" altLang="de-DE"/>
+              <a:rPr lang="de-DE" altLang="de-DE" dirty="0"/>
               <a:t>Was ist TortoiseGit?</a:t>
             </a:r>
           </a:p>
           <a:p>
             <a:r>
-              <a:rPr lang="de-DE" altLang="de-DE"/>
+              <a:rPr lang="de-DE" altLang="de-DE" dirty="0"/>
               <a:t>Was macht es?</a:t>
             </a:r>
           </a:p>
           <a:p>
-            <a:endParaRPr lang="de-DE" altLang="de-DE"/>
+            <a:endParaRPr lang="de-DE" altLang="de-DE" dirty="0"/>
           </a:p>
         </p:txBody>
       </p:sp>
@@ -6915,7 +6931,7 @@
               <a:pPr>
                 <a:defRPr/>
               </a:pPr>
-              <a:t>10.05.2018</a:t>
+              <a:t>14.05.2018</a:t>
             </a:fld>
             <a:endParaRPr lang="de-DE" altLang="de-DE"/>
           </a:p>
@@ -7147,7 +7163,7 @@
               <a:pPr>
                 <a:defRPr/>
               </a:pPr>
-              <a:t>10.05.2018</a:t>
+              <a:t>14.05.2018</a:t>
             </a:fld>
             <a:endParaRPr lang="de-DE" altLang="de-DE"/>
           </a:p>
@@ -7369,7 +7385,7 @@
               <a:pPr>
                 <a:defRPr/>
               </a:pPr>
-              <a:t>10.05.2018</a:t>
+              <a:t>14.05.2018</a:t>
             </a:fld>
             <a:endParaRPr lang="de-DE" altLang="de-DE"/>
           </a:p>
@@ -7614,7 +7630,7 @@
               <a:pPr>
                 <a:defRPr/>
               </a:pPr>
-              <a:t>10.05.2018</a:t>
+              <a:t>14.05.2018</a:t>
             </a:fld>
             <a:endParaRPr lang="de-DE" altLang="de-DE"/>
           </a:p>
@@ -7897,7 +7913,7 @@
               <a:pPr>
                 <a:defRPr/>
               </a:pPr>
-              <a:t>10.05.2018</a:t>
+              <a:t>14.05.2018</a:t>
             </a:fld>
             <a:endParaRPr lang="de-DE" altLang="de-DE"/>
           </a:p>
@@ -8315,7 +8331,7 @@
               <a:pPr>
                 <a:defRPr/>
               </a:pPr>
-              <a:t>10.05.2018</a:t>
+              <a:t>14.05.2018</a:t>
             </a:fld>
             <a:endParaRPr lang="de-DE" altLang="de-DE"/>
           </a:p>
@@ -8486,7 +8502,7 @@
               <a:pPr>
                 <a:defRPr/>
               </a:pPr>
-              <a:t>10.05.2018</a:t>
+              <a:t>14.05.2018</a:t>
             </a:fld>
             <a:endParaRPr lang="de-DE" altLang="de-DE"/>
           </a:p>
@@ -8635,7 +8651,7 @@
               <a:pPr>
                 <a:defRPr/>
               </a:pPr>
-              <a:t>10.05.2018</a:t>
+              <a:t>14.05.2018</a:t>
             </a:fld>
             <a:endParaRPr lang="de-DE" altLang="de-DE"/>
           </a:p>
@@ -8964,7 +8980,7 @@
               <a:pPr>
                 <a:defRPr/>
               </a:pPr>
-              <a:t>10.05.2018</a:t>
+              <a:t>14.05.2018</a:t>
             </a:fld>
             <a:endParaRPr lang="de-DE" altLang="de-DE"/>
           </a:p>
@@ -9271,7 +9287,7 @@
               <a:pPr>
                 <a:defRPr/>
               </a:pPr>
-              <a:t>10.05.2018</a:t>
+              <a:t>14.05.2018</a:t>
             </a:fld>
             <a:endParaRPr lang="de-DE" altLang="de-DE"/>
           </a:p>
@@ -9796,7 +9812,7 @@
               <a:pPr>
                 <a:defRPr/>
               </a:pPr>
-              <a:t>10.05.2018</a:t>
+              <a:t>14.05.2018</a:t>
             </a:fld>
             <a:endParaRPr lang="de-DE" altLang="de-DE"/>
           </a:p>
@@ -12578,7 +12594,7 @@
               <a:buNone/>
             </a:pPr>
             <a:r>
-              <a:rPr lang="de-DE" altLang="de-DE" sz="900"/>
+              <a:rPr lang="de-DE" altLang="de-DE" sz="900" dirty="0"/>
               <a:t>Denis Westerheide &amp; Simon Müller: Git &amp; TortoiseGit - Grundlagen und Anwendungsrezepte</a:t>
             </a:r>
           </a:p>
@@ -12968,7 +12984,7 @@
                 <a:buFontTx/>
                 <a:buNone/>
               </a:pPr>
-              <a:t>10.05.2018</a:t>
+              <a:t>14.05.2018</a:t>
             </a:fld>
             <a:endParaRPr lang="de-DE" altLang="de-DE" sz="900"/>
           </a:p>
@@ -13886,7 +13902,7 @@
               <a:buNone/>
             </a:pPr>
             <a:r>
-              <a:rPr lang="de-DE" altLang="de-DE" sz="900"/>
+              <a:rPr lang="de-DE" altLang="de-DE" sz="900" dirty="0"/>
               <a:t>Denis Westerheide &amp; Simon Müller: Git &amp; TortoiseGit - Grundlagen und Anwendungsrezepte</a:t>
             </a:r>
           </a:p>
@@ -14276,7 +14292,7 @@
                 <a:buFontTx/>
                 <a:buNone/>
               </a:pPr>
-              <a:t>10.05.2018</a:t>
+              <a:t>14.05.2018</a:t>
             </a:fld>
             <a:endParaRPr lang="de-DE" altLang="de-DE" sz="900"/>
           </a:p>
@@ -15502,7 +15518,7 @@
                 <a:buFontTx/>
                 <a:buNone/>
               </a:pPr>
-              <a:t>10.05.2018</a:t>
+              <a:t>14.05.2018</a:t>
             </a:fld>
             <a:endParaRPr lang="de-DE" altLang="de-DE" sz="900"/>
           </a:p>
@@ -15688,7 +15704,7 @@
               <a:buNone/>
             </a:pPr>
             <a:r>
-              <a:rPr lang="de-DE" altLang="de-DE" sz="900"/>
+              <a:rPr lang="de-DE" altLang="de-DE" sz="900" dirty="0"/>
               <a:t>Denis Westerheide &amp; Simon Müller: Git &amp; TortoiseGit - Grundlagen und Anwendungsrezepte</a:t>
             </a:r>
           </a:p>
@@ -16321,7 +16337,7 @@
               <a:buNone/>
             </a:pPr>
             <a:r>
-              <a:rPr lang="de-DE" altLang="de-DE" sz="900"/>
+              <a:rPr lang="de-DE" altLang="de-DE" sz="900" dirty="0"/>
               <a:t>Denis Westerheide &amp; Simon Müller: Git &amp; TortoiseGit - Grundlagen und Anwendungsrezepte</a:t>
             </a:r>
           </a:p>
@@ -16711,7 +16727,7 @@
                 <a:buFontTx/>
                 <a:buNone/>
               </a:pPr>
-              <a:t>10.05.2018</a:t>
+              <a:t>14.05.2018</a:t>
             </a:fld>
             <a:endParaRPr lang="de-DE" altLang="de-DE" sz="900"/>
           </a:p>
@@ -17770,7 +17786,7 @@
                 <a:buFontTx/>
                 <a:buNone/>
               </a:pPr>
-              <a:t>10.05.2018</a:t>
+              <a:t>14.05.2018</a:t>
             </a:fld>
             <a:endParaRPr lang="de-DE" altLang="de-DE" sz="900"/>
           </a:p>
@@ -18431,7 +18447,7 @@
                 <a:buFontTx/>
                 <a:buNone/>
               </a:pPr>
-              <a:t>10.05.2018</a:t>
+              <a:t>14.05.2018</a:t>
             </a:fld>
             <a:endParaRPr lang="de-DE" altLang="de-DE" sz="900"/>
           </a:p>
@@ -18460,17 +18476,17 @@
           <a:p>
             <a:pPr eaLnBrk="1" hangingPunct="1"/>
             <a:r>
-              <a:rPr lang="de-DE" altLang="de-DE" sz="2000"/>
+              <a:rPr lang="de-DE" altLang="de-DE" sz="2000" dirty="0"/>
               <a:t>TortoiseGit</a:t>
             </a:r>
             <a:br>
-              <a:rPr lang="de-DE" altLang="de-DE" sz="2000"/>
+              <a:rPr lang="de-DE" altLang="de-DE" sz="2000" dirty="0"/>
             </a:br>
             <a:r>
-              <a:rPr lang="de-DE" altLang="de-DE" sz="2000"/>
+              <a:rPr lang="de-DE" altLang="de-DE" sz="2000" dirty="0"/>
               <a:t>Vorstellung</a:t>
             </a:r>
-            <a:endParaRPr lang="de-DE" altLang="de-DE" sz="2000" i="1"/>
+            <a:endParaRPr lang="de-DE" altLang="de-DE" sz="2000" i="1" dirty="0"/>
           </a:p>
         </p:txBody>
       </p:sp>
@@ -18945,12 +18961,9 @@
               <p:cTn id="2" dur="indefinite" nodeType="mainSeq">
                 <p:childTnLst>
                   <p:par>
-                    <p:cTn id="3" fill="hold" nodeType="clickPar">
+                    <p:cTn id="3" fill="hold">
                       <p:stCondLst>
                         <p:cond delay="indefinite"/>
-                        <p:cond evt="onBegin" delay="0">
-                          <p:tn val="2"/>
-                        </p:cond>
                       </p:stCondLst>
                       <p:childTnLst>
                         <p:par>
@@ -18960,54 +18973,14 @@
                             </p:stCondLst>
                             <p:childTnLst>
                               <p:par>
-                                <p:cTn id="5" presetID="42" presetClass="path" presetSubtype="0" accel="50000" decel="50000" fill="hold" nodeType="withEffect">
-                                  <p:stCondLst>
-                                    <p:cond delay="0"/>
-                                  </p:stCondLst>
-                                  <p:childTnLst>
-                                    <p:animMotion origin="layout" path="M -3.61111E-6 -2.22222E-6 L 0.43177 -0.00046 " pathEditMode="relative" rAng="0" ptsTypes="AA">
-                                      <p:cBhvr>
-                                        <p:cTn id="6" dur="59000" fill="hold"/>
-                                        <p:tgtEl>
-                                          <p:spTgt spid="12"/>
-                                        </p:tgtEl>
-                                        <p:attrNameLst>
-                                          <p:attrName>ppt_x</p:attrName>
-                                          <p:attrName>ppt_y</p:attrName>
-                                        </p:attrNameLst>
-                                      </p:cBhvr>
-                                      <p:rCtr x="21580" y="-23"/>
-                                    </p:animMotion>
-                                  </p:childTnLst>
-                                </p:cTn>
-                              </p:par>
-                            </p:childTnLst>
-                          </p:cTn>
-                        </p:par>
-                      </p:childTnLst>
-                    </p:cTn>
-                  </p:par>
-                  <p:par>
-                    <p:cTn id="7" fill="hold" nodeType="clickPar">
-                      <p:stCondLst>
-                        <p:cond delay="indefinite"/>
-                      </p:stCondLst>
-                      <p:childTnLst>
-                        <p:par>
-                          <p:cTn id="8" fill="hold" nodeType="withGroup">
-                            <p:stCondLst>
-                              <p:cond delay="0"/>
-                            </p:stCondLst>
-                            <p:childTnLst>
-                              <p:par>
-                                <p:cTn id="9" presetID="1" presetClass="entr" presetSubtype="0" fill="hold" grpId="0" nodeType="clickEffect">
+                                <p:cTn id="5" presetID="1" presetClass="entr" presetSubtype="0" fill="hold" grpId="0" nodeType="clickEffect">
                                   <p:stCondLst>
                                     <p:cond delay="0"/>
                                   </p:stCondLst>
                                   <p:childTnLst>
                                     <p:set>
                                       <p:cBhvr>
-                                        <p:cTn id="10" dur="1" fill="hold">
+                                        <p:cTn id="6" dur="1" fill="hold">
                                           <p:stCondLst>
                                             <p:cond delay="0"/>
                                           </p:stCondLst>
@@ -19037,26 +19010,26 @@
                     </p:cTn>
                   </p:par>
                   <p:par>
-                    <p:cTn id="11" fill="hold" nodeType="clickPar">
+                    <p:cTn id="7" fill="hold">
                       <p:stCondLst>
                         <p:cond delay="indefinite"/>
                       </p:stCondLst>
                       <p:childTnLst>
                         <p:par>
-                          <p:cTn id="12" fill="hold" nodeType="withGroup">
+                          <p:cTn id="8" fill="hold" nodeType="withGroup">
                             <p:stCondLst>
                               <p:cond delay="0"/>
                             </p:stCondLst>
                             <p:childTnLst>
                               <p:par>
-                                <p:cTn id="13" presetID="1" presetClass="entr" presetSubtype="0" fill="hold" grpId="0" nodeType="clickEffect">
+                                <p:cTn id="9" presetID="1" presetClass="entr" presetSubtype="0" fill="hold" grpId="0" nodeType="clickEffect">
                                   <p:stCondLst>
                                     <p:cond delay="0"/>
                                   </p:stCondLst>
                                   <p:childTnLst>
                                     <p:set>
                                       <p:cBhvr>
-                                        <p:cTn id="14" dur="1" fill="hold">
+                                        <p:cTn id="10" dur="1" fill="hold">
                                           <p:stCondLst>
                                             <p:cond delay="0"/>
                                           </p:stCondLst>
@@ -19080,14 +19053,14 @@
                                 </p:cTn>
                               </p:par>
                               <p:par>
-                                <p:cTn id="15" presetID="1" presetClass="entr" presetSubtype="0" fill="hold" grpId="0" nodeType="withEffect">
+                                <p:cTn id="11" presetID="1" presetClass="entr" presetSubtype="0" fill="hold" grpId="0" nodeType="withEffect">
                                   <p:stCondLst>
                                     <p:cond delay="0"/>
                                   </p:stCondLst>
                                   <p:childTnLst>
                                     <p:set>
                                       <p:cBhvr>
-                                        <p:cTn id="16" dur="1" fill="hold">
+                                        <p:cTn id="12" dur="1" fill="hold">
                                           <p:stCondLst>
                                             <p:cond delay="0"/>
                                           </p:stCondLst>
@@ -19111,14 +19084,14 @@
                                 </p:cTn>
                               </p:par>
                               <p:par>
-                                <p:cTn id="17" presetID="10" presetClass="entr" presetSubtype="0" fill="hold" nodeType="withEffect">
+                                <p:cTn id="13" presetID="10" presetClass="entr" presetSubtype="0" fill="hold" nodeType="withEffect">
                                   <p:stCondLst>
                                     <p:cond delay="0"/>
                                   </p:stCondLst>
                                   <p:childTnLst>
                                     <p:set>
                                       <p:cBhvr>
-                                        <p:cTn id="18" dur="1" fill="hold">
+                                        <p:cTn id="14" dur="1" fill="hold">
                                           <p:stCondLst>
                                             <p:cond delay="0"/>
                                           </p:stCondLst>
@@ -19136,7 +19109,7 @@
                                     </p:set>
                                     <p:animEffect transition="in" filter="fade">
                                       <p:cBhvr>
-                                        <p:cTn id="19" dur="500"/>
+                                        <p:cTn id="15" dur="500"/>
                                         <p:tgtEl>
                                           <p:spTgt spid="2"/>
                                         </p:tgtEl>
@@ -19152,26 +19125,26 @@
                     </p:cTn>
                   </p:par>
                   <p:par>
-                    <p:cTn id="20" fill="hold" nodeType="clickPar">
+                    <p:cTn id="16" fill="hold">
                       <p:stCondLst>
                         <p:cond delay="indefinite"/>
                       </p:stCondLst>
                       <p:childTnLst>
                         <p:par>
-                          <p:cTn id="21" fill="hold" nodeType="withGroup">
+                          <p:cTn id="17" fill="hold" nodeType="withGroup">
                             <p:stCondLst>
                               <p:cond delay="0"/>
                             </p:stCondLst>
                             <p:childTnLst>
                               <p:par>
-                                <p:cTn id="22" presetID="1" presetClass="entr" presetSubtype="0" fill="hold" grpId="0" nodeType="clickEffect">
+                                <p:cTn id="18" presetID="1" presetClass="entr" presetSubtype="0" fill="hold" grpId="0" nodeType="clickEffect">
                                   <p:stCondLst>
                                     <p:cond delay="0"/>
                                   </p:stCondLst>
                                   <p:childTnLst>
                                     <p:set>
                                       <p:cBhvr>
-                                        <p:cTn id="23" dur="1" fill="hold">
+                                        <p:cTn id="19" dur="1" fill="hold">
                                           <p:stCondLst>
                                             <p:cond delay="0"/>
                                           </p:stCondLst>
@@ -19201,26 +19174,26 @@
                     </p:cTn>
                   </p:par>
                   <p:par>
-                    <p:cTn id="24" fill="hold" nodeType="clickPar">
+                    <p:cTn id="20" fill="hold">
                       <p:stCondLst>
                         <p:cond delay="indefinite"/>
                       </p:stCondLst>
                       <p:childTnLst>
                         <p:par>
-                          <p:cTn id="25" fill="hold" nodeType="withGroup">
+                          <p:cTn id="21" fill="hold" nodeType="withGroup">
                             <p:stCondLst>
                               <p:cond delay="0"/>
                             </p:stCondLst>
                             <p:childTnLst>
                               <p:par>
-                                <p:cTn id="26" presetID="1" presetClass="entr" presetSubtype="0" fill="hold" grpId="0" nodeType="clickEffect">
+                                <p:cTn id="22" presetID="1" presetClass="entr" presetSubtype="0" fill="hold" grpId="0" nodeType="clickEffect">
                                   <p:stCondLst>
                                     <p:cond delay="0"/>
                                   </p:stCondLst>
                                   <p:childTnLst>
                                     <p:set>
                                       <p:cBhvr>
-                                        <p:cTn id="27" dur="1" fill="hold">
+                                        <p:cTn id="23" dur="1" fill="hold">
                                           <p:stCondLst>
                                             <p:cond delay="0"/>
                                           </p:stCondLst>
@@ -19250,26 +19223,26 @@
                     </p:cTn>
                   </p:par>
                   <p:par>
-                    <p:cTn id="28" fill="hold" nodeType="clickPar">
+                    <p:cTn id="24" fill="hold">
                       <p:stCondLst>
                         <p:cond delay="indefinite"/>
                       </p:stCondLst>
                       <p:childTnLst>
                         <p:par>
-                          <p:cTn id="29" fill="hold" nodeType="withGroup">
+                          <p:cTn id="25" fill="hold" nodeType="withGroup">
                             <p:stCondLst>
                               <p:cond delay="0"/>
                             </p:stCondLst>
                             <p:childTnLst>
                               <p:par>
-                                <p:cTn id="30" presetID="1" presetClass="entr" presetSubtype="0" fill="hold" grpId="0" nodeType="clickEffect">
+                                <p:cTn id="26" presetID="1" presetClass="entr" presetSubtype="0" fill="hold" grpId="0" nodeType="clickEffect">
                                   <p:stCondLst>
                                     <p:cond delay="0"/>
                                   </p:stCondLst>
                                   <p:childTnLst>
                                     <p:set>
                                       <p:cBhvr>
-                                        <p:cTn id="31" dur="1" fill="hold">
+                                        <p:cTn id="27" dur="1" fill="hold">
                                           <p:stCondLst>
                                             <p:cond delay="0"/>
                                           </p:stCondLst>
@@ -19299,26 +19272,26 @@
                     </p:cTn>
                   </p:par>
                   <p:par>
-                    <p:cTn id="32" fill="hold" nodeType="clickPar">
+                    <p:cTn id="28" fill="hold">
                       <p:stCondLst>
                         <p:cond delay="indefinite"/>
                       </p:stCondLst>
                       <p:childTnLst>
                         <p:par>
-                          <p:cTn id="33" fill="hold" nodeType="withGroup">
+                          <p:cTn id="29" fill="hold" nodeType="withGroup">
                             <p:stCondLst>
                               <p:cond delay="0"/>
                             </p:stCondLst>
                             <p:childTnLst>
                               <p:par>
-                                <p:cTn id="34" presetID="1" presetClass="entr" presetSubtype="0" fill="hold" grpId="0" nodeType="clickEffect">
+                                <p:cTn id="30" presetID="1" presetClass="entr" presetSubtype="0" fill="hold" grpId="0" nodeType="clickEffect">
                                   <p:stCondLst>
                                     <p:cond delay="0"/>
                                   </p:stCondLst>
                                   <p:childTnLst>
                                     <p:set>
                                       <p:cBhvr>
-                                        <p:cTn id="35" dur="1" fill="hold">
+                                        <p:cTn id="31" dur="1" fill="hold">
                                           <p:stCondLst>
                                             <p:cond delay="0"/>
                                           </p:stCondLst>
@@ -19962,7 +19935,7 @@
                 <a:buFontTx/>
                 <a:buNone/>
               </a:pPr>
-              <a:t>10.05.2018</a:t>
+              <a:t>14.05.2018</a:t>
             </a:fld>
             <a:endParaRPr lang="de-DE" altLang="de-DE" sz="900"/>
           </a:p>
@@ -19991,17 +19964,17 @@
           <a:p>
             <a:pPr eaLnBrk="1" hangingPunct="1"/>
             <a:r>
-              <a:rPr lang="de-DE" altLang="de-DE" sz="2000"/>
+              <a:rPr lang="de-DE" altLang="de-DE" sz="2000" dirty="0"/>
               <a:t>TortoiseGit</a:t>
             </a:r>
             <a:br>
-              <a:rPr lang="de-DE" altLang="de-DE" sz="2000"/>
+              <a:rPr lang="de-DE" altLang="de-DE" sz="2000" dirty="0"/>
             </a:br>
             <a:r>
-              <a:rPr lang="de-DE" altLang="de-DE" sz="2000"/>
+              <a:rPr lang="de-DE" altLang="de-DE" sz="2000" dirty="0"/>
               <a:t>Nutzung</a:t>
             </a:r>
-            <a:endParaRPr lang="de-DE" altLang="de-DE" sz="2000" i="1"/>
+            <a:endParaRPr lang="de-DE" altLang="de-DE" sz="2000" i="1" dirty="0"/>
           </a:p>
         </p:txBody>
       </p:sp>
@@ -20055,7 +20028,7 @@
             </a:pPr>
             <a:r>
               <a:rPr lang="de-DE" altLang="de-DE" dirty="0"/>
-              <a:t>Clone </a:t>
+              <a:t>Clone / Create</a:t>
             </a:r>
           </a:p>
           <a:p>
@@ -20375,15 +20348,33 @@
                                   </p:childTnLst>
                                 </p:cTn>
                               </p:par>
+                            </p:childTnLst>
+                          </p:cTn>
+                        </p:par>
+                      </p:childTnLst>
+                    </p:cTn>
+                  </p:par>
+                  <p:par>
+                    <p:cTn id="11" fill="hold">
+                      <p:stCondLst>
+                        <p:cond delay="indefinite"/>
+                      </p:stCondLst>
+                      <p:childTnLst>
+                        <p:par>
+                          <p:cTn id="12" fill="hold">
+                            <p:stCondLst>
+                              <p:cond delay="0"/>
+                            </p:stCondLst>
+                            <p:childTnLst>
                               <p:par>
-                                <p:cTn id="11" presetID="1" presetClass="entr" presetSubtype="0" fill="hold" grpId="0" nodeType="withEffect">
+                                <p:cTn id="13" presetID="1" presetClass="entr" presetSubtype="0" fill="hold" grpId="0" nodeType="clickEffect">
                                   <p:stCondLst>
                                     <p:cond delay="0"/>
                                   </p:stCondLst>
                                   <p:childTnLst>
                                     <p:set>
                                       <p:cBhvr>
-                                        <p:cTn id="12" dur="1" fill="hold">
+                                        <p:cTn id="14" dur="1" fill="hold">
                                           <p:stCondLst>
                                             <p:cond delay="0"/>
                                           </p:stCondLst>
@@ -20413,26 +20404,26 @@
                     </p:cTn>
                   </p:par>
                   <p:par>
-                    <p:cTn id="13" fill="hold" nodeType="clickPar">
+                    <p:cTn id="15" fill="hold" nodeType="clickPar">
                       <p:stCondLst>
                         <p:cond delay="indefinite"/>
                       </p:stCondLst>
                       <p:childTnLst>
                         <p:par>
-                          <p:cTn id="14" fill="hold" nodeType="withGroup">
+                          <p:cTn id="16" fill="hold" nodeType="withGroup">
                             <p:stCondLst>
                               <p:cond delay="0"/>
                             </p:stCondLst>
                             <p:childTnLst>
                               <p:par>
-                                <p:cTn id="15" presetID="1" presetClass="entr" presetSubtype="0" fill="hold" grpId="0" nodeType="clickEffect">
+                                <p:cTn id="17" presetID="1" presetClass="entr" presetSubtype="0" fill="hold" grpId="0" nodeType="clickEffect">
                                   <p:stCondLst>
                                     <p:cond delay="0"/>
                                   </p:stCondLst>
                                   <p:childTnLst>
                                     <p:set>
                                       <p:cBhvr>
-                                        <p:cTn id="16" dur="1" fill="hold">
+                                        <p:cTn id="18" dur="1" fill="hold">
                                           <p:stCondLst>
                                             <p:cond delay="0"/>
                                           </p:stCondLst>
@@ -20455,26 +20446,8 @@
                                   </p:childTnLst>
                                 </p:cTn>
                               </p:par>
-                            </p:childTnLst>
-                          </p:cTn>
-                        </p:par>
-                      </p:childTnLst>
-                    </p:cTn>
-                  </p:par>
-                  <p:par>
-                    <p:cTn id="17" fill="hold" nodeType="clickPar">
-                      <p:stCondLst>
-                        <p:cond delay="indefinite"/>
-                      </p:stCondLst>
-                      <p:childTnLst>
-                        <p:par>
-                          <p:cTn id="18" fill="hold" nodeType="withGroup">
-                            <p:stCondLst>
-                              <p:cond delay="0"/>
-                            </p:stCondLst>
-                            <p:childTnLst>
                               <p:par>
-                                <p:cTn id="19" presetID="1" presetClass="entr" presetSubtype="0" fill="hold" grpId="0" nodeType="clickEffect">
+                                <p:cTn id="19" presetID="1" presetClass="entr" presetSubtype="0" fill="hold" grpId="0" nodeType="withEffect">
                                   <p:stCondLst>
                                     <p:cond delay="0"/>
                                   </p:stCondLst>
@@ -20504,15 +20477,33 @@
                                   </p:childTnLst>
                                 </p:cTn>
                               </p:par>
+                            </p:childTnLst>
+                          </p:cTn>
+                        </p:par>
+                      </p:childTnLst>
+                    </p:cTn>
+                  </p:par>
+                  <p:par>
+                    <p:cTn id="21" fill="hold">
+                      <p:stCondLst>
+                        <p:cond delay="indefinite"/>
+                      </p:stCondLst>
+                      <p:childTnLst>
+                        <p:par>
+                          <p:cTn id="22" fill="hold">
+                            <p:stCondLst>
+                              <p:cond delay="0"/>
+                            </p:stCondLst>
+                            <p:childTnLst>
                               <p:par>
-                                <p:cTn id="21" presetID="1" presetClass="entr" presetSubtype="0" fill="hold" grpId="0" nodeType="withEffect">
+                                <p:cTn id="23" presetID="1" presetClass="entr" presetSubtype="0" fill="hold" grpId="0" nodeType="clickEffect">
                                   <p:stCondLst>
                                     <p:cond delay="0"/>
                                   </p:stCondLst>
                                   <p:childTnLst>
                                     <p:set>
                                       <p:cBhvr>
-                                        <p:cTn id="22" dur="1" fill="hold">
+                                        <p:cTn id="24" dur="1" fill="hold">
                                           <p:stCondLst>
                                             <p:cond delay="0"/>
                                           </p:stCondLst>
@@ -20535,15 +20526,33 @@
                                   </p:childTnLst>
                                 </p:cTn>
                               </p:par>
+                            </p:childTnLst>
+                          </p:cTn>
+                        </p:par>
+                      </p:childTnLst>
+                    </p:cTn>
+                  </p:par>
+                  <p:par>
+                    <p:cTn id="25" fill="hold">
+                      <p:stCondLst>
+                        <p:cond delay="indefinite"/>
+                      </p:stCondLst>
+                      <p:childTnLst>
+                        <p:par>
+                          <p:cTn id="26" fill="hold">
+                            <p:stCondLst>
+                              <p:cond delay="0"/>
+                            </p:stCondLst>
+                            <p:childTnLst>
                               <p:par>
-                                <p:cTn id="23" presetID="1" presetClass="entr" presetSubtype="0" fill="hold" grpId="0" nodeType="withEffect">
+                                <p:cTn id="27" presetID="1" presetClass="entr" presetSubtype="0" fill="hold" grpId="0" nodeType="clickEffect">
                                   <p:stCondLst>
                                     <p:cond delay="0"/>
                                   </p:stCondLst>
                                   <p:childTnLst>
                                     <p:set>
                                       <p:cBhvr>
-                                        <p:cTn id="24" dur="1" fill="hold">
+                                        <p:cTn id="28" dur="1" fill="hold">
                                           <p:stCondLst>
                                             <p:cond delay="0"/>
                                           </p:stCondLst>
@@ -20566,15 +20575,33 @@
                                   </p:childTnLst>
                                 </p:cTn>
                               </p:par>
+                            </p:childTnLst>
+                          </p:cTn>
+                        </p:par>
+                      </p:childTnLst>
+                    </p:cTn>
+                  </p:par>
+                  <p:par>
+                    <p:cTn id="29" fill="hold">
+                      <p:stCondLst>
+                        <p:cond delay="indefinite"/>
+                      </p:stCondLst>
+                      <p:childTnLst>
+                        <p:par>
+                          <p:cTn id="30" fill="hold">
+                            <p:stCondLst>
+                              <p:cond delay="0"/>
+                            </p:stCondLst>
+                            <p:childTnLst>
                               <p:par>
-                                <p:cTn id="25" presetID="1" presetClass="entr" presetSubtype="0" fill="hold" grpId="0" nodeType="withEffect">
+                                <p:cTn id="31" presetID="1" presetClass="entr" presetSubtype="0" fill="hold" grpId="0" nodeType="clickEffect">
                                   <p:stCondLst>
                                     <p:cond delay="0"/>
                                   </p:stCondLst>
                                   <p:childTnLst>
                                     <p:set>
                                       <p:cBhvr>
-                                        <p:cTn id="26" dur="1" fill="hold">
+                                        <p:cTn id="32" dur="1" fill="hold">
                                           <p:stCondLst>
                                             <p:cond delay="0"/>
                                           </p:stCondLst>
@@ -20625,7 +20652,7 @@
       </p:par>
     </p:tnLst>
     <p:bldLst>
-      <p:bldP spid="6150" grpId="0" build="p"/>
+      <p:bldP spid="6150" grpId="0" uiExpand="1" build="p"/>
     </p:bldLst>
   </p:timing>
 </p:sld>
@@ -20734,8 +20761,8 @@
         </p:nvSpPr>
         <p:spPr>
           <a:xfrm>
-            <a:off x="392113" y="1198563"/>
-            <a:ext cx="7924800" cy="4894262"/>
+            <a:off x="392112" y="1198563"/>
+            <a:ext cx="8359775" cy="4894262"/>
           </a:xfrm>
         </p:spPr>
         <p:txBody>
@@ -20743,34 +20770,35 @@
           <a:lstStyle/>
           <a:p>
             <a:r>
-              <a:rPr lang="de-DE" altLang="de-DE"/>
-              <a:t>erstmalig für lokale Kopie des Repos</a:t>
+              <a:rPr lang="de-DE" altLang="de-DE" dirty="0"/>
+              <a:t>erstmalig für lokale Kopie eines </a:t>
             </a:r>
+            <a:r>
+              <a:rPr lang="de-DE" altLang="de-DE" dirty="0" err="1"/>
+              <a:t>Repos</a:t>
+            </a:r>
+            <a:endParaRPr lang="de-DE" altLang="de-DE" dirty="0"/>
           </a:p>
           <a:p>
             <a:pPr lvl="1"/>
             <a:r>
-              <a:rPr lang="de-DE" altLang="de-DE"/>
+              <a:rPr lang="de-DE" altLang="de-DE" dirty="0"/>
               <a:t>rechtsklick an gewünschter Stelle</a:t>
             </a:r>
           </a:p>
           <a:p>
             <a:pPr lvl="1"/>
             <a:r>
-              <a:rPr lang="de-DE" altLang="de-DE"/>
+              <a:rPr lang="de-DE" altLang="de-DE" dirty="0"/>
               <a:t>wähle TortoiseGit</a:t>
             </a:r>
           </a:p>
           <a:p>
             <a:pPr lvl="1"/>
             <a:r>
-              <a:rPr lang="de-DE" altLang="de-DE"/>
-              <a:t>„clone…“</a:t>
+              <a:rPr lang="de-DE" altLang="de-DE" dirty="0"/>
+              <a:t>„clone…“ </a:t>
             </a:r>
-          </a:p>
-          <a:p>
-            <a:pPr lvl="1"/>
-            <a:endParaRPr lang="de-DE" altLang="de-DE"/>
           </a:p>
         </p:txBody>
       </p:sp>
@@ -21344,7 +21372,7 @@
                 <a:buFontTx/>
                 <a:buNone/>
               </a:pPr>
-              <a:t>10.05.2018</a:t>
+              <a:t>14.05.2018</a:t>
             </a:fld>
             <a:endParaRPr lang="de-DE" altLang="de-DE" sz="900"/>
           </a:p>
@@ -22412,7 +22440,7 @@
                 <a:buFontTx/>
                 <a:buNone/>
               </a:pPr>
-              <a:t>10.05.2018</a:t>
+              <a:t>14.05.2018</a:t>
             </a:fld>
             <a:endParaRPr lang="de-DE" altLang="de-DE" sz="900"/>
           </a:p>
@@ -23515,7 +23543,7 @@
                 <a:buFontTx/>
                 <a:buNone/>
               </a:pPr>
-              <a:t>10.05.2018</a:t>
+              <a:t>14.05.2018</a:t>
             </a:fld>
             <a:endParaRPr lang="de-DE" altLang="de-DE" sz="900"/>
           </a:p>
@@ -23863,7 +23891,7 @@
         </p:blipFill>
         <p:spPr bwMode="auto">
           <a:xfrm>
-            <a:off x="2051050" y="4926013"/>
+            <a:off x="1403648" y="4912396"/>
             <a:ext cx="2160588" cy="1268412"/>
           </a:xfrm>
           <a:prstGeom prst="rect">
@@ -23954,6 +23982,54 @@
           </a:extLst>
         </p:spPr>
       </p:pic>
+      <p:sp>
+        <p:nvSpPr>
+          <p:cNvPr id="9" name="Pfeil: nach rechts 8">
+            <a:extLst>
+              <a:ext uri="{FF2B5EF4-FFF2-40B4-BE49-F238E27FC236}">
+                <a16:creationId xmlns:a16="http://schemas.microsoft.com/office/drawing/2014/main" id="{EAA0DE32-295D-4058-B489-6B423256FD34}"/>
+              </a:ext>
+            </a:extLst>
+          </p:cNvPr>
+          <p:cNvSpPr/>
+          <p:nvPr/>
+        </p:nvSpPr>
+        <p:spPr>
+          <a:xfrm>
+            <a:off x="3727599" y="5365627"/>
+            <a:ext cx="406400" cy="361950"/>
+          </a:xfrm>
+          <a:prstGeom prst="rightArrow">
+            <a:avLst/>
+          </a:prstGeom>
+        </p:spPr>
+        <p:style>
+          <a:lnRef idx="2">
+            <a:schemeClr val="accent1">
+              <a:shade val="50000"/>
+            </a:schemeClr>
+          </a:lnRef>
+          <a:fillRef idx="1">
+            <a:schemeClr val="accent1"/>
+          </a:fillRef>
+          <a:effectRef idx="0">
+            <a:schemeClr val="accent1"/>
+          </a:effectRef>
+          <a:fontRef idx="minor">
+            <a:schemeClr val="lt1"/>
+          </a:fontRef>
+        </p:style>
+        <p:txBody>
+          <a:bodyPr anchor="ctr"/>
+          <a:lstStyle/>
+          <a:p>
+            <a:pPr algn="ctr">
+              <a:defRPr/>
+            </a:pPr>
+            <a:endParaRPr lang="de-DE"/>
+          </a:p>
+        </p:txBody>
+      </p:sp>
     </p:spTree>
   </p:cSld>
   <p:clrMapOvr>
@@ -24064,7 +24140,7 @@
                             </p:stCondLst>
                             <p:childTnLst>
                               <p:par>
-                                <p:cTn id="12" presetID="10" presetClass="entr" presetSubtype="0" fill="hold" nodeType="afterEffect">
+                                <p:cTn id="12" presetID="10" presetClass="entr" presetSubtype="0" fill="hold" grpId="0" nodeType="afterEffect">
                                   <p:stCondLst>
                                     <p:cond delay="0"/>
                                   </p:stCondLst>
@@ -24072,6 +24148,50 @@
                                     <p:set>
                                       <p:cBhvr>
                                         <p:cTn id="13" dur="1" fill="hold">
+                                          <p:stCondLst>
+                                            <p:cond delay="0"/>
+                                          </p:stCondLst>
+                                        </p:cTn>
+                                        <p:tgtEl>
+                                          <p:spTgt spid="9"/>
+                                        </p:tgtEl>
+                                        <p:attrNameLst>
+                                          <p:attrName>style.visibility</p:attrName>
+                                        </p:attrNameLst>
+                                      </p:cBhvr>
+                                      <p:to>
+                                        <p:strVal val="visible"/>
+                                      </p:to>
+                                    </p:set>
+                                    <p:animEffect transition="in" filter="fade">
+                                      <p:cBhvr>
+                                        <p:cTn id="14" dur="500"/>
+                                        <p:tgtEl>
+                                          <p:spTgt spid="9"/>
+                                        </p:tgtEl>
+                                      </p:cBhvr>
+                                    </p:animEffect>
+                                  </p:childTnLst>
+                                </p:cTn>
+                              </p:par>
+                            </p:childTnLst>
+                          </p:cTn>
+                        </p:par>
+                        <p:par>
+                          <p:cTn id="15" fill="hold">
+                            <p:stCondLst>
+                              <p:cond delay="2000"/>
+                            </p:stCondLst>
+                            <p:childTnLst>
+                              <p:par>
+                                <p:cTn id="16" presetID="10" presetClass="entr" presetSubtype="0" fill="hold" nodeType="afterEffect">
+                                  <p:stCondLst>
+                                    <p:cond delay="0"/>
+                                  </p:stCondLst>
+                                  <p:childTnLst>
+                                    <p:set>
+                                      <p:cBhvr>
+                                        <p:cTn id="17" dur="1" fill="hold">
                                           <p:stCondLst>
                                             <p:cond delay="0"/>
                                           </p:stCondLst>
@@ -24089,7 +24209,7 @@
                                     </p:set>
                                     <p:animEffect transition="in" filter="fade">
                                       <p:cBhvr>
-                                        <p:cTn id="14" dur="1000"/>
+                                        <p:cTn id="18" dur="1000"/>
                                         <p:tgtEl>
                                           <p:spTgt spid="16392"/>
                                         </p:tgtEl>
@@ -24102,20 +24222,20 @@
                           </p:cTn>
                         </p:par>
                         <p:par>
-                          <p:cTn id="15" fill="hold">
+                          <p:cTn id="19" fill="hold">
                             <p:stCondLst>
-                              <p:cond delay="2500"/>
+                              <p:cond delay="3000"/>
                             </p:stCondLst>
                             <p:childTnLst>
                               <p:par>
-                                <p:cTn id="16" presetID="1" presetClass="entr" presetSubtype="0" fill="hold" grpId="0" nodeType="afterEffect">
+                                <p:cTn id="20" presetID="1" presetClass="entr" presetSubtype="0" fill="hold" grpId="0" nodeType="afterEffect">
                                   <p:stCondLst>
                                     <p:cond delay="1000"/>
                                   </p:stCondLst>
                                   <p:childTnLst>
                                     <p:set>
                                       <p:cBhvr>
-                                        <p:cTn id="17" dur="1" fill="hold">
+                                        <p:cTn id="21" dur="1" fill="hold">
                                           <p:stCondLst>
                                             <p:cond delay="0"/>
                                           </p:stCondLst>
@@ -24142,20 +24262,20 @@
                           </p:cTn>
                         </p:par>
                         <p:par>
-                          <p:cTn id="18" fill="hold">
+                          <p:cTn id="22" fill="hold">
                             <p:stCondLst>
-                              <p:cond delay="3500"/>
+                              <p:cond delay="4000"/>
                             </p:stCondLst>
                             <p:childTnLst>
                               <p:par>
-                                <p:cTn id="19" presetID="1" presetClass="entr" presetSubtype="0" fill="hold" grpId="0" nodeType="afterEffect">
+                                <p:cTn id="23" presetID="1" presetClass="entr" presetSubtype="0" fill="hold" grpId="0" nodeType="afterEffect">
                                   <p:stCondLst>
                                     <p:cond delay="1000"/>
                                   </p:stCondLst>
                                   <p:childTnLst>
                                     <p:set>
                                       <p:cBhvr>
-                                        <p:cTn id="20" dur="1" fill="hold">
+                                        <p:cTn id="24" dur="1" fill="hold">
                                           <p:stCondLst>
                                             <p:cond delay="0"/>
                                           </p:stCondLst>
@@ -24182,20 +24302,20 @@
                           </p:cTn>
                         </p:par>
                         <p:par>
-                          <p:cTn id="21" fill="hold">
+                          <p:cTn id="25" fill="hold">
                             <p:stCondLst>
-                              <p:cond delay="4500"/>
+                              <p:cond delay="5000"/>
                             </p:stCondLst>
                             <p:childTnLst>
                               <p:par>
-                                <p:cTn id="22" presetID="1" presetClass="entr" presetSubtype="0" fill="hold" grpId="0" nodeType="afterEffect">
+                                <p:cTn id="26" presetID="1" presetClass="entr" presetSubtype="0" fill="hold" grpId="0" nodeType="afterEffect">
                                   <p:stCondLst>
                                     <p:cond delay="1000"/>
                                   </p:stCondLst>
                                   <p:childTnLst>
                                     <p:set>
                                       <p:cBhvr>
-                                        <p:cTn id="23" dur="1" fill="hold">
+                                        <p:cTn id="27" dur="1" fill="hold">
                                           <p:stCondLst>
                                             <p:cond delay="0"/>
                                           </p:stCondLst>
@@ -24219,14 +24339,14 @@
                                 </p:cTn>
                               </p:par>
                               <p:par>
-                                <p:cTn id="24" presetID="1" presetClass="entr" presetSubtype="0" fill="hold" grpId="0" nodeType="withEffect">
+                                <p:cTn id="28" presetID="1" presetClass="entr" presetSubtype="0" fill="hold" grpId="0" nodeType="withEffect">
                                   <p:stCondLst>
                                     <p:cond delay="1000"/>
                                   </p:stCondLst>
                                   <p:childTnLst>
                                     <p:set>
                                       <p:cBhvr>
-                                        <p:cTn id="25" dur="1" fill="hold">
+                                        <p:cTn id="29" dur="1" fill="hold">
                                           <p:stCondLst>
                                             <p:cond delay="0"/>
                                           </p:stCondLst>
@@ -24250,14 +24370,14 @@
                                 </p:cTn>
                               </p:par>
                               <p:par>
-                                <p:cTn id="26" presetID="1" presetClass="entr" presetSubtype="0" fill="hold" grpId="0" nodeType="withEffect">
+                                <p:cTn id="30" presetID="1" presetClass="entr" presetSubtype="0" fill="hold" grpId="0" nodeType="withEffect">
                                   <p:stCondLst>
                                     <p:cond delay="1000"/>
                                   </p:stCondLst>
                                   <p:childTnLst>
                                     <p:set>
                                       <p:cBhvr>
-                                        <p:cTn id="27" dur="1" fill="hold">
+                                        <p:cTn id="31" dur="1" fill="hold">
                                           <p:stCondLst>
                                             <p:cond delay="0"/>
                                           </p:stCondLst>
@@ -24281,14 +24401,14 @@
                                 </p:cTn>
                               </p:par>
                               <p:par>
-                                <p:cTn id="28" presetID="1" presetClass="entr" presetSubtype="0" fill="hold" grpId="0" nodeType="withEffect">
+                                <p:cTn id="32" presetID="1" presetClass="entr" presetSubtype="0" fill="hold" grpId="0" nodeType="withEffect">
                                   <p:stCondLst>
                                     <p:cond delay="1000"/>
                                   </p:stCondLst>
                                   <p:childTnLst>
                                     <p:set>
                                       <p:cBhvr>
-                                        <p:cTn id="29" dur="1" fill="hold">
+                                        <p:cTn id="33" dur="1" fill="hold">
                                           <p:stCondLst>
                                             <p:cond delay="0"/>
                                           </p:stCondLst>
@@ -24340,6 +24460,7 @@
     </p:tnLst>
     <p:bldLst>
       <p:bldP spid="26" grpId="0" uiExpand="1" build="p"/>
+      <p:bldP spid="9" grpId="0" animBg="1"/>
     </p:bldLst>
   </p:timing>
 </p:sld>
@@ -24453,13 +24574,8 @@
           <a:p>
             <a:r>
               <a:rPr lang="de-DE" altLang="de-DE" dirty="0"/>
-              <a:t>Tool </a:t>
+              <a:t>Tool TortoiseGit</a:t>
             </a:r>
-            <a:r>
-              <a:rPr lang="de-DE" altLang="de-DE" dirty="0" err="1"/>
-              <a:t>TortoiseGit</a:t>
-            </a:r>
-            <a:endParaRPr lang="de-DE" altLang="de-DE" dirty="0"/>
           </a:p>
           <a:p>
             <a:pPr lvl="1"/>
@@ -24477,13 +24593,8 @@
           <a:p>
             <a:r>
               <a:rPr lang="de-DE" altLang="de-DE" dirty="0"/>
-              <a:t>Tool </a:t>
+              <a:t>Tool EclipseGit</a:t>
             </a:r>
-            <a:r>
-              <a:rPr lang="de-DE" altLang="de-DE" dirty="0" err="1"/>
-              <a:t>EclipseGit</a:t>
-            </a:r>
-            <a:endParaRPr lang="de-DE" altLang="de-DE" dirty="0"/>
           </a:p>
           <a:p>
             <a:pPr lvl="1"/>
@@ -24507,21 +24618,8 @@
             <a:pPr algn="r"/>
             <a:r>
               <a:rPr lang="de-DE" altLang="de-DE" sz="1800" i="1" dirty="0"/>
-              <a:t>Optional: Live-Demo </a:t>
+              <a:t>Optional: Live-Demo TortoiseGit &amp; EclipseGit</a:t>
             </a:r>
-            <a:r>
-              <a:rPr lang="de-DE" altLang="de-DE" sz="1800" i="1" dirty="0" err="1"/>
-              <a:t>TortoiseGit</a:t>
-            </a:r>
-            <a:r>
-              <a:rPr lang="de-DE" altLang="de-DE" sz="1800" i="1" dirty="0"/>
-              <a:t> &amp; </a:t>
-            </a:r>
-            <a:r>
-              <a:rPr lang="de-DE" altLang="de-DE" sz="1800" i="1" dirty="0" err="1"/>
-              <a:t>EclipseGit</a:t>
-            </a:r>
-            <a:endParaRPr lang="de-DE" altLang="de-DE" sz="1800" i="1" dirty="0"/>
           </a:p>
         </p:txBody>
       </p:sp>
@@ -25095,7 +25193,7 @@
                 <a:buFontTx/>
                 <a:buNone/>
               </a:pPr>
-              <a:t>10.05.2018</a:t>
+              <a:t>14.05.2018</a:t>
             </a:fld>
             <a:endParaRPr lang="de-DE" altLang="de-DE" sz="900"/>
           </a:p>
@@ -26318,7 +26416,7 @@
                 <a:buFontTx/>
                 <a:buNone/>
               </a:pPr>
-              <a:t>10.05.2018</a:t>
+              <a:t>14.05.2018</a:t>
             </a:fld>
             <a:endParaRPr lang="de-DE" altLang="de-DE" sz="900"/>
           </a:p>
@@ -26353,7 +26451,7 @@
         </p:blipFill>
         <p:spPr bwMode="auto">
           <a:xfrm>
-            <a:off x="323850" y="4581525"/>
+            <a:off x="298450" y="4581525"/>
             <a:ext cx="1919288" cy="1511300"/>
           </a:xfrm>
           <a:prstGeom prst="rect">
@@ -26444,6 +26542,54 @@
           </a:extLst>
         </p:spPr>
       </p:pic>
+      <p:sp>
+        <p:nvSpPr>
+          <p:cNvPr id="9" name="Pfeil: nach rechts 8">
+            <a:extLst>
+              <a:ext uri="{FF2B5EF4-FFF2-40B4-BE49-F238E27FC236}">
+                <a16:creationId xmlns:a16="http://schemas.microsoft.com/office/drawing/2014/main" id="{C2444040-EAF3-45A2-825F-EF2B5F9DDFAB}"/>
+              </a:ext>
+            </a:extLst>
+          </p:cNvPr>
+          <p:cNvSpPr/>
+          <p:nvPr/>
+        </p:nvSpPr>
+        <p:spPr>
+          <a:xfrm>
+            <a:off x="2255838" y="5156200"/>
+            <a:ext cx="406400" cy="361950"/>
+          </a:xfrm>
+          <a:prstGeom prst="rightArrow">
+            <a:avLst/>
+          </a:prstGeom>
+        </p:spPr>
+        <p:style>
+          <a:lnRef idx="2">
+            <a:schemeClr val="accent1">
+              <a:shade val="50000"/>
+            </a:schemeClr>
+          </a:lnRef>
+          <a:fillRef idx="1">
+            <a:schemeClr val="accent1"/>
+          </a:fillRef>
+          <a:effectRef idx="0">
+            <a:schemeClr val="accent1"/>
+          </a:effectRef>
+          <a:fontRef idx="minor">
+            <a:schemeClr val="lt1"/>
+          </a:fontRef>
+        </p:style>
+        <p:txBody>
+          <a:bodyPr anchor="ctr"/>
+          <a:lstStyle/>
+          <a:p>
+            <a:pPr algn="ctr">
+              <a:defRPr/>
+            </a:pPr>
+            <a:endParaRPr lang="de-DE"/>
+          </a:p>
+        </p:txBody>
+      </p:sp>
     </p:spTree>
   </p:cSld>
   <p:clrMapOvr>
@@ -26554,14 +26700,58 @@
                             </p:stCondLst>
                             <p:childTnLst>
                               <p:par>
-                                <p:cTn id="12" presetID="10" presetClass="entr" presetSubtype="0" fill="hold" nodeType="afterEffect">
+                                <p:cTn id="12" presetID="10" presetClass="entr" presetSubtype="0" fill="hold" grpId="0" nodeType="afterEffect">
+                                  <p:stCondLst>
+                                    <p:cond delay="0"/>
+                                  </p:stCondLst>
+                                  <p:childTnLst>
+                                    <p:set>
+                                      <p:cBhvr>
+                                        <p:cTn id="13" dur="1" fill="hold">
+                                          <p:stCondLst>
+                                            <p:cond delay="0"/>
+                                          </p:stCondLst>
+                                        </p:cTn>
+                                        <p:tgtEl>
+                                          <p:spTgt spid="9"/>
+                                        </p:tgtEl>
+                                        <p:attrNameLst>
+                                          <p:attrName>style.visibility</p:attrName>
+                                        </p:attrNameLst>
+                                      </p:cBhvr>
+                                      <p:to>
+                                        <p:strVal val="visible"/>
+                                      </p:to>
+                                    </p:set>
+                                    <p:animEffect transition="in" filter="fade">
+                                      <p:cBhvr>
+                                        <p:cTn id="14" dur="500"/>
+                                        <p:tgtEl>
+                                          <p:spTgt spid="9"/>
+                                        </p:tgtEl>
+                                      </p:cBhvr>
+                                    </p:animEffect>
+                                  </p:childTnLst>
+                                </p:cTn>
+                              </p:par>
+                            </p:childTnLst>
+                          </p:cTn>
+                        </p:par>
+                        <p:par>
+                          <p:cTn id="15" fill="hold">
+                            <p:stCondLst>
+                              <p:cond delay="2000"/>
+                            </p:stCondLst>
+                            <p:childTnLst>
+                              <p:par>
+                                <p:cTn id="16" presetID="10" presetClass="entr" presetSubtype="0" fill="hold" nodeType="afterEffect">
                                   <p:stCondLst>
                                     <p:cond delay="1000"/>
                                   </p:stCondLst>
                                   <p:childTnLst>
                                     <p:set>
                                       <p:cBhvr>
-                                        <p:cTn id="13" dur="1" fill="hold">
+                                        <p:cTn id="17" dur="1" fill="hold">
                                           <p:stCondLst>
                                             <p:cond delay="0"/>
                                           </p:stCondLst>
@@ -26579,7 +26769,7 @@
                                     </p:set>
                                     <p:animEffect transition="in" filter="fade">
                                       <p:cBhvr>
-                                        <p:cTn id="14" dur="500"/>
+                                        <p:cTn id="18" dur="500"/>
                                         <p:tgtEl>
                                           <p:spTgt spid="18440"/>
                                         </p:tgtEl>
@@ -26617,6 +26807,7 @@
     </p:tnLst>
     <p:bldLst>
       <p:bldP spid="7" grpId="0" build="p"/>
+      <p:bldP spid="9" grpId="0" animBg="1"/>
     </p:bldLst>
   </p:timing>
 </p:sld>
@@ -27376,7 +27567,7 @@
                 <a:buFontTx/>
                 <a:buNone/>
               </a:pPr>
-              <a:t>10.05.2018</a:t>
+              <a:t>14.05.2018</a:t>
             </a:fld>
             <a:endParaRPr lang="de-DE" altLang="de-DE" sz="900"/>
           </a:p>
@@ -27502,6 +27693,54 @@
           </a:extLst>
         </p:spPr>
       </p:pic>
+      <p:sp>
+        <p:nvSpPr>
+          <p:cNvPr id="9" name="Pfeil: nach rechts 8">
+            <a:extLst>
+              <a:ext uri="{FF2B5EF4-FFF2-40B4-BE49-F238E27FC236}">
+                <a16:creationId xmlns:a16="http://schemas.microsoft.com/office/drawing/2014/main" id="{B92C0465-D345-4D0E-B497-005C53DCA304}"/>
+              </a:ext>
+            </a:extLst>
+          </p:cNvPr>
+          <p:cNvSpPr/>
+          <p:nvPr/>
+        </p:nvSpPr>
+        <p:spPr>
+          <a:xfrm>
+            <a:off x="2939135" y="4869160"/>
+            <a:ext cx="406400" cy="361950"/>
+          </a:xfrm>
+          <a:prstGeom prst="rightArrow">
+            <a:avLst/>
+          </a:prstGeom>
+        </p:spPr>
+        <p:style>
+          <a:lnRef idx="2">
+            <a:schemeClr val="accent1">
+              <a:shade val="50000"/>
+            </a:schemeClr>
+          </a:lnRef>
+          <a:fillRef idx="1">
+            <a:schemeClr val="accent1"/>
+          </a:fillRef>
+          <a:effectRef idx="0">
+            <a:schemeClr val="accent1"/>
+          </a:effectRef>
+          <a:fontRef idx="minor">
+            <a:schemeClr val="lt1"/>
+          </a:fontRef>
+        </p:style>
+        <p:txBody>
+          <a:bodyPr anchor="ctr"/>
+          <a:lstStyle/>
+          <a:p>
+            <a:pPr algn="ctr">
+              <a:defRPr/>
+            </a:pPr>
+            <a:endParaRPr lang="de-DE"/>
+          </a:p>
+        </p:txBody>
+      </p:sp>
     </p:spTree>
   </p:cSld>
   <p:clrMapOvr>
@@ -27612,14 +27851,58 @@
                             </p:stCondLst>
                             <p:childTnLst>
                               <p:par>
-                                <p:cTn id="12" presetID="10" presetClass="entr" presetSubtype="0" fill="hold" nodeType="afterEffect">
+                                <p:cTn id="12" presetID="10" presetClass="entr" presetSubtype="0" fill="hold" grpId="0" nodeType="afterEffect">
+                                  <p:stCondLst>
+                                    <p:cond delay="0"/>
+                                  </p:stCondLst>
+                                  <p:childTnLst>
+                                    <p:set>
+                                      <p:cBhvr>
+                                        <p:cTn id="13" dur="1" fill="hold">
+                                          <p:stCondLst>
+                                            <p:cond delay="0"/>
+                                          </p:stCondLst>
+                                        </p:cTn>
+                                        <p:tgtEl>
+                                          <p:spTgt spid="9"/>
+                                        </p:tgtEl>
+                                        <p:attrNameLst>
+                                          <p:attrName>style.visibility</p:attrName>
+                                        </p:attrNameLst>
+                                      </p:cBhvr>
+                                      <p:to>
+                                        <p:strVal val="visible"/>
+                                      </p:to>
+                                    </p:set>
+                                    <p:animEffect transition="in" filter="fade">
+                                      <p:cBhvr>
+                                        <p:cTn id="14" dur="500"/>
+                                        <p:tgtEl>
+                                          <p:spTgt spid="9"/>
+                                        </p:tgtEl>
+                                      </p:cBhvr>
+                                    </p:animEffect>
+                                  </p:childTnLst>
+                                </p:cTn>
+                              </p:par>
+                            </p:childTnLst>
+                          </p:cTn>
+                        </p:par>
+                        <p:par>
+                          <p:cTn id="15" fill="hold">
+                            <p:stCondLst>
+                              <p:cond delay="2000"/>
+                            </p:stCondLst>
+                            <p:childTnLst>
+                              <p:par>
+                                <p:cTn id="16" presetID="10" presetClass="entr" presetSubtype="0" fill="hold" nodeType="afterEffect">
                                   <p:stCondLst>
                                     <p:cond delay="1000"/>
                                   </p:stCondLst>
                                   <p:childTnLst>
                                     <p:set>
                                       <p:cBhvr>
-                                        <p:cTn id="13" dur="1" fill="hold">
+                                        <p:cTn id="17" dur="1" fill="hold">
                                           <p:stCondLst>
                                             <p:cond delay="0"/>
                                           </p:stCondLst>
@@ -27637,7 +27920,7 @@
                                     </p:set>
                                     <p:animEffect transition="in" filter="fade">
                                       <p:cBhvr>
-                                        <p:cTn id="14" dur="500"/>
+                                        <p:cTn id="18" dur="500"/>
                                         <p:tgtEl>
                                           <p:spTgt spid="20488"/>
                                         </p:tgtEl>
@@ -27675,6 +27958,7 @@
     </p:tnLst>
     <p:bldLst>
       <p:bldP spid="7" grpId="0" build="p"/>
+      <p:bldP spid="9" grpId="0" animBg="1"/>
     </p:bldLst>
   </p:timing>
 </p:sld>
@@ -28420,7 +28704,7 @@
                 <a:buFontTx/>
                 <a:buNone/>
               </a:pPr>
-              <a:t>10.05.2018</a:t>
+              <a:t>14.05.2018</a:t>
             </a:fld>
             <a:endParaRPr lang="de-DE" altLang="de-DE" sz="900"/>
           </a:p>
@@ -30363,7 +30647,7 @@
                 <a:buFontTx/>
                 <a:buNone/>
               </a:pPr>
-              <a:t>10.05.2018</a:t>
+              <a:t>14.05.2018</a:t>
             </a:fld>
             <a:endParaRPr lang="de-DE" altLang="de-DE" sz="900"/>
           </a:p>
@@ -30398,7 +30682,7 @@
         </p:blipFill>
         <p:spPr bwMode="auto">
           <a:xfrm>
-            <a:off x="1728788" y="5186363"/>
+            <a:off x="1259632" y="5186363"/>
             <a:ext cx="2700337" cy="1079500"/>
           </a:xfrm>
           <a:prstGeom prst="rect">
@@ -30489,6 +30773,54 @@
           </a:extLst>
         </p:spPr>
       </p:pic>
+      <p:sp>
+        <p:nvSpPr>
+          <p:cNvPr id="9" name="Pfeil: nach rechts 8">
+            <a:extLst>
+              <a:ext uri="{FF2B5EF4-FFF2-40B4-BE49-F238E27FC236}">
+                <a16:creationId xmlns:a16="http://schemas.microsoft.com/office/drawing/2014/main" id="{72FA0069-0238-4D00-BE3C-817F0BCE6058}"/>
+              </a:ext>
+            </a:extLst>
+          </p:cNvPr>
+          <p:cNvSpPr/>
+          <p:nvPr/>
+        </p:nvSpPr>
+        <p:spPr>
+          <a:xfrm>
+            <a:off x="4135016" y="5545138"/>
+            <a:ext cx="406400" cy="361950"/>
+          </a:xfrm>
+          <a:prstGeom prst="rightArrow">
+            <a:avLst/>
+          </a:prstGeom>
+        </p:spPr>
+        <p:style>
+          <a:lnRef idx="2">
+            <a:schemeClr val="accent1">
+              <a:shade val="50000"/>
+            </a:schemeClr>
+          </a:lnRef>
+          <a:fillRef idx="1">
+            <a:schemeClr val="accent1"/>
+          </a:fillRef>
+          <a:effectRef idx="0">
+            <a:schemeClr val="accent1"/>
+          </a:effectRef>
+          <a:fontRef idx="minor">
+            <a:schemeClr val="lt1"/>
+          </a:fontRef>
+        </p:style>
+        <p:txBody>
+          <a:bodyPr anchor="ctr"/>
+          <a:lstStyle/>
+          <a:p>
+            <a:pPr algn="ctr">
+              <a:defRPr/>
+            </a:pPr>
+            <a:endParaRPr lang="de-DE"/>
+          </a:p>
+        </p:txBody>
+      </p:sp>
     </p:spTree>
   </p:cSld>
   <p:clrMapOvr>
@@ -30670,14 +31002,58 @@
                             </p:stCondLst>
                             <p:childTnLst>
                               <p:par>
-                                <p:cTn id="17" presetID="10" presetClass="entr" presetSubtype="0" fill="hold" nodeType="afterEffect">
+                                <p:cTn id="17" presetID="10" presetClass="entr" presetSubtype="0" fill="hold" grpId="0" nodeType="afterEffect">
+                                  <p:stCondLst>
+                                    <p:cond delay="0"/>
+                                  </p:stCondLst>
+                                  <p:childTnLst>
+                                    <p:set>
+                                      <p:cBhvr>
+                                        <p:cTn id="18" dur="1" fill="hold">
+                                          <p:stCondLst>
+                                            <p:cond delay="0"/>
+                                          </p:stCondLst>
+                                        </p:cTn>
+                                        <p:tgtEl>
+                                          <p:spTgt spid="9"/>
+                                        </p:tgtEl>
+                                        <p:attrNameLst>
+                                          <p:attrName>style.visibility</p:attrName>
+                                        </p:attrNameLst>
+                                      </p:cBhvr>
+                                      <p:to>
+                                        <p:strVal val="visible"/>
+                                      </p:to>
+                                    </p:set>
+                                    <p:animEffect transition="in" filter="fade">
+                                      <p:cBhvr>
+                                        <p:cTn id="19" dur="500"/>
+                                        <p:tgtEl>
+                                          <p:spTgt spid="9"/>
+                                        </p:tgtEl>
+                                      </p:cBhvr>
+                                    </p:animEffect>
+                                  </p:childTnLst>
+                                </p:cTn>
+                              </p:par>
+                            </p:childTnLst>
+                          </p:cTn>
+                        </p:par>
+                        <p:par>
+                          <p:cTn id="20" fill="hold">
+                            <p:stCondLst>
+                              <p:cond delay="1000"/>
+                            </p:stCondLst>
+                            <p:childTnLst>
+                              <p:par>
+                                <p:cTn id="21" presetID="10" presetClass="entr" presetSubtype="0" fill="hold" nodeType="afterEffect">
                                   <p:stCondLst>
                                     <p:cond delay="1000"/>
                                   </p:stCondLst>
                                   <p:childTnLst>
                                     <p:set>
                                       <p:cBhvr>
-                                        <p:cTn id="18" dur="1" fill="hold">
+                                        <p:cTn id="22" dur="1" fill="hold">
                                           <p:stCondLst>
                                             <p:cond delay="0"/>
                                           </p:stCondLst>
@@ -30695,7 +31071,7 @@
                                     </p:set>
                                     <p:animEffect transition="in" filter="fade">
                                       <p:cBhvr>
-                                        <p:cTn id="19" dur="500"/>
+                                        <p:cTn id="23" dur="500"/>
                                         <p:tgtEl>
                                           <p:spTgt spid="24584"/>
                                         </p:tgtEl>
@@ -30733,6 +31109,7 @@
     </p:tnLst>
     <p:bldLst>
       <p:bldP spid="7" grpId="0" build="p"/>
+      <p:bldP spid="9" grpId="0" animBg="1"/>
     </p:bldLst>
   </p:timing>
 </p:sld>
@@ -31407,7 +31784,7 @@
                 <a:buFontTx/>
                 <a:buNone/>
               </a:pPr>
-              <a:t>10.05.2018</a:t>
+              <a:t>14.05.2018</a:t>
             </a:fld>
             <a:endParaRPr lang="de-DE" altLang="de-DE" sz="900"/>
           </a:p>
@@ -32078,7 +32455,7 @@
                 <a:buFontTx/>
                 <a:buNone/>
               </a:pPr>
-              <a:t>10.05.2018</a:t>
+              <a:t>14.05.2018</a:t>
             </a:fld>
             <a:endParaRPr lang="de-DE" altLang="de-DE" sz="900"/>
           </a:p>
@@ -32739,7 +33116,7 @@
                 <a:buFontTx/>
                 <a:buNone/>
               </a:pPr>
-              <a:t>10.05.2018</a:t>
+              <a:t>14.05.2018</a:t>
             </a:fld>
             <a:endParaRPr lang="de-DE" altLang="de-DE" sz="900"/>
           </a:p>
@@ -32768,17 +33145,17 @@
           <a:p>
             <a:pPr eaLnBrk="1" hangingPunct="1"/>
             <a:r>
-              <a:rPr lang="de-DE" altLang="de-DE" sz="2000"/>
+              <a:rPr lang="de-DE" altLang="de-DE" sz="2000" dirty="0"/>
               <a:t>EclipseGit</a:t>
             </a:r>
             <a:br>
-              <a:rPr lang="de-DE" altLang="de-DE" sz="2000"/>
+              <a:rPr lang="de-DE" altLang="de-DE" sz="2000" dirty="0"/>
             </a:br>
             <a:r>
-              <a:rPr lang="de-DE" altLang="de-DE" sz="2000"/>
+              <a:rPr lang="de-DE" altLang="de-DE" sz="2000" dirty="0"/>
               <a:t>Vorstellung</a:t>
             </a:r>
-            <a:endParaRPr lang="de-DE" altLang="de-DE" sz="2000" i="1"/>
+            <a:endParaRPr lang="de-DE" altLang="de-DE" sz="2000" i="1" dirty="0"/>
           </a:p>
         </p:txBody>
       </p:sp>
@@ -33314,6 +33691,33 @@
                                   </p:childTnLst>
                                 </p:cTn>
                               </p:par>
+                              <p:par>
+                                <p:cTn id="7" presetID="1" presetClass="entr" presetSubtype="0" fill="hold" grpId="0" nodeType="withEffect">
+                                  <p:stCondLst>
+                                    <p:cond delay="0"/>
+                                  </p:stCondLst>
+                                  <p:childTnLst>
+                                    <p:set>
+                                      <p:cBhvr>
+                                        <p:cTn id="8" dur="1" fill="hold">
+                                          <p:stCondLst>
+                                            <p:cond delay="0"/>
+                                          </p:stCondLst>
+                                        </p:cTn>
+                                        <p:tgtEl>
+                                          <p:spTgt spid="7"/>
+                                        </p:tgtEl>
+                                        <p:attrNameLst>
+                                          <p:attrName>style.visibility</p:attrName>
+                                        </p:attrNameLst>
+                                      </p:cBhvr>
+                                      <p:to>
+                                        <p:strVal val="visible"/>
+                                      </p:to>
+                                    </p:set>
+                                  </p:childTnLst>
+                                </p:cTn>
+                              </p:par>
                             </p:childTnLst>
                           </p:cTn>
                         </p:par>
@@ -33321,26 +33725,26 @@
                     </p:cTn>
                   </p:par>
                   <p:par>
-                    <p:cTn id="7" fill="hold">
+                    <p:cTn id="9" fill="hold">
                       <p:stCondLst>
                         <p:cond delay="indefinite"/>
                       </p:stCondLst>
                       <p:childTnLst>
                         <p:par>
-                          <p:cTn id="8" fill="hold">
+                          <p:cTn id="10" fill="hold">
                             <p:stCondLst>
                               <p:cond delay="0"/>
                             </p:stCondLst>
                             <p:childTnLst>
                               <p:par>
-                                <p:cTn id="9" presetID="1" presetClass="entr" presetSubtype="0" fill="hold" grpId="0" nodeType="clickEffect">
+                                <p:cTn id="11" presetID="1" presetClass="entr" presetSubtype="0" fill="hold" grpId="0" nodeType="clickEffect">
                                   <p:stCondLst>
                                     <p:cond delay="0"/>
                                   </p:stCondLst>
                                   <p:childTnLst>
                                     <p:set>
                                       <p:cBhvr>
-                                        <p:cTn id="10" dur="1" fill="hold">
+                                        <p:cTn id="12" dur="1" fill="hold">
                                           <p:stCondLst>
                                             <p:cond delay="0"/>
                                           </p:stCondLst>
@@ -33364,14 +33768,14 @@
                                 </p:cTn>
                               </p:par>
                               <p:par>
-                                <p:cTn id="11" presetID="10" presetClass="entr" presetSubtype="0" fill="hold" nodeType="withEffect">
+                                <p:cTn id="13" presetID="10" presetClass="entr" presetSubtype="0" fill="hold" nodeType="withEffect">
                                   <p:stCondLst>
                                     <p:cond delay="0"/>
                                   </p:stCondLst>
                                   <p:childTnLst>
                                     <p:set>
                                       <p:cBhvr>
-                                        <p:cTn id="12" dur="1" fill="hold">
+                                        <p:cTn id="14" dur="1" fill="hold">
                                           <p:stCondLst>
                                             <p:cond delay="0"/>
                                           </p:stCondLst>
@@ -33389,7 +33793,7 @@
                                     </p:set>
                                     <p:animEffect transition="in" filter="fade">
                                       <p:cBhvr>
-                                        <p:cTn id="13" dur="500"/>
+                                        <p:cTn id="15" dur="500"/>
                                         <p:tgtEl>
                                           <p:spTgt spid="2"/>
                                         </p:tgtEl>
@@ -33427,6 +33831,7 @@
     </p:tnLst>
     <p:bldLst>
       <p:bldP spid="6150" grpId="0" uiExpand="1" build="p"/>
+      <p:bldP spid="7" grpId="0"/>
     </p:bldLst>
   </p:timing>
 </p:sld>
@@ -34019,7 +34424,7 @@
                 <a:buFontTx/>
                 <a:buNone/>
               </a:pPr>
-              <a:t>10.05.2018</a:t>
+              <a:t>14.05.2018</a:t>
             </a:fld>
             <a:endParaRPr lang="de-DE" altLang="de-DE" sz="900"/>
           </a:p>
@@ -34048,17 +34453,17 @@
           <a:p>
             <a:pPr eaLnBrk="1" hangingPunct="1"/>
             <a:r>
-              <a:rPr lang="de-DE" altLang="de-DE" sz="2000"/>
+              <a:rPr lang="de-DE" altLang="de-DE" sz="2000" dirty="0"/>
               <a:t>EclipseGit</a:t>
             </a:r>
             <a:br>
-              <a:rPr lang="de-DE" altLang="de-DE" sz="2000"/>
+              <a:rPr lang="de-DE" altLang="de-DE" sz="2000" dirty="0"/>
             </a:br>
             <a:r>
-              <a:rPr lang="de-DE" altLang="de-DE" sz="2000"/>
+              <a:rPr lang="de-DE" altLang="de-DE" sz="2000" dirty="0"/>
               <a:t>Einrichtung</a:t>
             </a:r>
-            <a:endParaRPr lang="de-DE" altLang="de-DE" sz="2000" i="1"/>
+            <a:endParaRPr lang="de-DE" altLang="de-DE" sz="2000" i="1" dirty="0"/>
           </a:p>
         </p:txBody>
       </p:sp>
@@ -34178,6 +34583,36 @@
               </a:rPr>
               <a:t>zu finden.</a:t>
             </a:r>
+          </a:p>
+          <a:p>
+            <a:pPr marL="57150" indent="0" eaLnBrk="1" hangingPunct="1">
+              <a:lnSpc>
+                <a:spcPct val="90000"/>
+              </a:lnSpc>
+              <a:buFontTx/>
+              <a:buNone/>
+              <a:defRPr/>
+            </a:pPr>
+            <a:endParaRPr lang="de-DE" altLang="de-DE" dirty="0">
+              <a:solidFill>
+                <a:srgbClr val="000000"/>
+              </a:solidFill>
+            </a:endParaRPr>
+          </a:p>
+          <a:p>
+            <a:pPr marL="57150" indent="0" eaLnBrk="1" hangingPunct="1">
+              <a:lnSpc>
+                <a:spcPct val="90000"/>
+              </a:lnSpc>
+              <a:buFontTx/>
+              <a:buNone/>
+              <a:defRPr/>
+            </a:pPr>
+            <a:endParaRPr lang="de-DE" altLang="de-DE" dirty="0">
+              <a:solidFill>
+                <a:srgbClr val="000000"/>
+              </a:solidFill>
+            </a:endParaRPr>
           </a:p>
           <a:p>
             <a:pPr marL="457200" lvl="1" indent="0" eaLnBrk="1" hangingPunct="1">
@@ -34258,10 +34693,495 @@
     <a:masterClrMapping/>
   </p:clrMapOvr>
   <p:transition spd="slow"/>
+  <p:timing>
+    <p:tnLst>
+      <p:par>
+        <p:cTn id="1" dur="indefinite" restart="never" nodeType="tmRoot">
+          <p:childTnLst>
+            <p:seq concurrent="1" nextAc="seek">
+              <p:cTn id="2" dur="indefinite" nodeType="mainSeq">
+                <p:childTnLst>
+                  <p:par>
+                    <p:cTn id="3" fill="hold">
+                      <p:stCondLst>
+                        <p:cond delay="indefinite"/>
+                      </p:stCondLst>
+                      <p:childTnLst>
+                        <p:par>
+                          <p:cTn id="4" fill="hold">
+                            <p:stCondLst>
+                              <p:cond delay="0"/>
+                            </p:stCondLst>
+                            <p:childTnLst>
+                              <p:par>
+                                <p:cTn id="5" presetID="1" presetClass="entr" presetSubtype="0" fill="hold" grpId="0" nodeType="clickEffect">
+                                  <p:stCondLst>
+                                    <p:cond delay="0"/>
+                                  </p:stCondLst>
+                                  <p:childTnLst>
+                                    <p:set>
+                                      <p:cBhvr>
+                                        <p:cTn id="6" dur="1" fill="hold">
+                                          <p:stCondLst>
+                                            <p:cond delay="0"/>
+                                          </p:stCondLst>
+                                        </p:cTn>
+                                        <p:tgtEl>
+                                          <p:spTgt spid="31750">
+                                            <p:txEl>
+                                              <p:pRg st="0" end="0"/>
+                                            </p:txEl>
+                                          </p:spTgt>
+                                        </p:tgtEl>
+                                        <p:attrNameLst>
+                                          <p:attrName>style.visibility</p:attrName>
+                                        </p:attrNameLst>
+                                      </p:cBhvr>
+                                      <p:to>
+                                        <p:strVal val="visible"/>
+                                      </p:to>
+                                    </p:set>
+                                  </p:childTnLst>
+                                </p:cTn>
+                              </p:par>
+                            </p:childTnLst>
+                          </p:cTn>
+                        </p:par>
+                      </p:childTnLst>
+                    </p:cTn>
+                  </p:par>
+                  <p:par>
+                    <p:cTn id="7" fill="hold">
+                      <p:stCondLst>
+                        <p:cond delay="indefinite"/>
+                      </p:stCondLst>
+                      <p:childTnLst>
+                        <p:par>
+                          <p:cTn id="8" fill="hold">
+                            <p:stCondLst>
+                              <p:cond delay="0"/>
+                            </p:stCondLst>
+                            <p:childTnLst>
+                              <p:par>
+                                <p:cTn id="9" presetID="1" presetClass="entr" presetSubtype="0" fill="hold" grpId="0" nodeType="clickEffect">
+                                  <p:stCondLst>
+                                    <p:cond delay="0"/>
+                                  </p:stCondLst>
+                                  <p:childTnLst>
+                                    <p:set>
+                                      <p:cBhvr>
+                                        <p:cTn id="10" dur="1" fill="hold">
+                                          <p:stCondLst>
+                                            <p:cond delay="0"/>
+                                          </p:stCondLst>
+                                        </p:cTn>
+                                        <p:tgtEl>
+                                          <p:spTgt spid="31750">
+                                            <p:txEl>
+                                              <p:pRg st="1" end="1"/>
+                                            </p:txEl>
+                                          </p:spTgt>
+                                        </p:tgtEl>
+                                        <p:attrNameLst>
+                                          <p:attrName>style.visibility</p:attrName>
+                                        </p:attrNameLst>
+                                      </p:cBhvr>
+                                      <p:to>
+                                        <p:strVal val="visible"/>
+                                      </p:to>
+                                    </p:set>
+                                  </p:childTnLst>
+                                </p:cTn>
+                              </p:par>
+                              <p:par>
+                                <p:cTn id="11" presetID="1" presetClass="entr" presetSubtype="0" fill="hold" grpId="0" nodeType="withEffect">
+                                  <p:stCondLst>
+                                    <p:cond delay="0"/>
+                                  </p:stCondLst>
+                                  <p:childTnLst>
+                                    <p:set>
+                                      <p:cBhvr>
+                                        <p:cTn id="12" dur="1" fill="hold">
+                                          <p:stCondLst>
+                                            <p:cond delay="0"/>
+                                          </p:stCondLst>
+                                        </p:cTn>
+                                        <p:tgtEl>
+                                          <p:spTgt spid="31750">
+                                            <p:txEl>
+                                              <p:pRg st="2" end="2"/>
+                                            </p:txEl>
+                                          </p:spTgt>
+                                        </p:tgtEl>
+                                        <p:attrNameLst>
+                                          <p:attrName>style.visibility</p:attrName>
+                                        </p:attrNameLst>
+                                      </p:cBhvr>
+                                      <p:to>
+                                        <p:strVal val="visible"/>
+                                      </p:to>
+                                    </p:set>
+                                  </p:childTnLst>
+                                </p:cTn>
+                              </p:par>
+                              <p:par>
+                                <p:cTn id="13" presetID="1" presetClass="entr" presetSubtype="0" fill="hold" grpId="0" nodeType="withEffect">
+                                  <p:stCondLst>
+                                    <p:cond delay="0"/>
+                                  </p:stCondLst>
+                                  <p:childTnLst>
+                                    <p:set>
+                                      <p:cBhvr>
+                                        <p:cTn id="14" dur="1" fill="hold">
+                                          <p:stCondLst>
+                                            <p:cond delay="0"/>
+                                          </p:stCondLst>
+                                        </p:cTn>
+                                        <p:tgtEl>
+                                          <p:spTgt spid="31750">
+                                            <p:txEl>
+                                              <p:pRg st="3" end="3"/>
+                                            </p:txEl>
+                                          </p:spTgt>
+                                        </p:tgtEl>
+                                        <p:attrNameLst>
+                                          <p:attrName>style.visibility</p:attrName>
+                                        </p:attrNameLst>
+                                      </p:cBhvr>
+                                      <p:to>
+                                        <p:strVal val="visible"/>
+                                      </p:to>
+                                    </p:set>
+                                  </p:childTnLst>
+                                </p:cTn>
+                              </p:par>
+                              <p:par>
+                                <p:cTn id="15" presetID="1" presetClass="entr" presetSubtype="0" fill="hold" grpId="0" nodeType="withEffect">
+                                  <p:stCondLst>
+                                    <p:cond delay="0"/>
+                                  </p:stCondLst>
+                                  <p:childTnLst>
+                                    <p:set>
+                                      <p:cBhvr>
+                                        <p:cTn id="16" dur="1" fill="hold">
+                                          <p:stCondLst>
+                                            <p:cond delay="0"/>
+                                          </p:stCondLst>
+                                        </p:cTn>
+                                        <p:tgtEl>
+                                          <p:spTgt spid="31750">
+                                            <p:txEl>
+                                              <p:pRg st="4" end="4"/>
+                                            </p:txEl>
+                                          </p:spTgt>
+                                        </p:tgtEl>
+                                        <p:attrNameLst>
+                                          <p:attrName>style.visibility</p:attrName>
+                                        </p:attrNameLst>
+                                      </p:cBhvr>
+                                      <p:to>
+                                        <p:strVal val="visible"/>
+                                      </p:to>
+                                    </p:set>
+                                  </p:childTnLst>
+                                </p:cTn>
+                              </p:par>
+                              <p:par>
+                                <p:cTn id="17" presetID="10" presetClass="entr" presetSubtype="0" fill="hold" nodeType="withEffect">
+                                  <p:stCondLst>
+                                    <p:cond delay="0"/>
+                                  </p:stCondLst>
+                                  <p:childTnLst>
+                                    <p:set>
+                                      <p:cBhvr>
+                                        <p:cTn id="18" dur="1" fill="hold">
+                                          <p:stCondLst>
+                                            <p:cond delay="0"/>
+                                          </p:stCondLst>
+                                        </p:cTn>
+                                        <p:tgtEl>
+                                          <p:spTgt spid="29703"/>
+                                        </p:tgtEl>
+                                        <p:attrNameLst>
+                                          <p:attrName>style.visibility</p:attrName>
+                                        </p:attrNameLst>
+                                      </p:cBhvr>
+                                      <p:to>
+                                        <p:strVal val="visible"/>
+                                      </p:to>
+                                    </p:set>
+                                    <p:animEffect transition="in" filter="fade">
+                                      <p:cBhvr>
+                                        <p:cTn id="19" dur="500"/>
+                                        <p:tgtEl>
+                                          <p:spTgt spid="29703"/>
+                                        </p:tgtEl>
+                                      </p:cBhvr>
+                                    </p:animEffect>
+                                  </p:childTnLst>
+                                </p:cTn>
+                              </p:par>
+                            </p:childTnLst>
+                          </p:cTn>
+                        </p:par>
+                      </p:childTnLst>
+                    </p:cTn>
+                  </p:par>
+                </p:childTnLst>
+              </p:cTn>
+              <p:prevCondLst>
+                <p:cond evt="onPrev" delay="0">
+                  <p:tgtEl>
+                    <p:sldTgt/>
+                  </p:tgtEl>
+                </p:cond>
+              </p:prevCondLst>
+              <p:nextCondLst>
+                <p:cond evt="onNext" delay="0">
+                  <p:tgtEl>
+                    <p:sldTgt/>
+                  </p:tgtEl>
+                </p:cond>
+              </p:nextCondLst>
+            </p:seq>
+          </p:childTnLst>
+        </p:cTn>
+      </p:par>
+    </p:tnLst>
+    <p:bldLst>
+      <p:bldP spid="31750" grpId="0" uiExpand="1" build="p"/>
+    </p:bldLst>
+  </p:timing>
 </p:sld>
 </file>
 
 <file path=ppt/slides/slide28.xml><?xml version="1.0" encoding="utf-8"?>
+<p:sld xmlns:a="http://schemas.openxmlformats.org/drawingml/2006/main" xmlns:r="http://schemas.openxmlformats.org/officeDocument/2006/relationships" xmlns:p="http://schemas.openxmlformats.org/presentationml/2006/main">
+  <p:cSld>
+    <p:spTree>
+      <p:nvGrpSpPr>
+        <p:cNvPr id="1" name=""/>
+        <p:cNvGrpSpPr/>
+        <p:nvPr/>
+      </p:nvGrpSpPr>
+      <p:grpSpPr>
+        <a:xfrm>
+          <a:off x="0" y="0"/>
+          <a:ext cx="0" cy="0"/>
+          <a:chOff x="0" y="0"/>
+          <a:chExt cx="0" cy="0"/>
+        </a:xfrm>
+      </p:grpSpPr>
+      <p:sp>
+        <p:nvSpPr>
+          <p:cNvPr id="7" name="Titel 6">
+            <a:extLst>
+              <a:ext uri="{FF2B5EF4-FFF2-40B4-BE49-F238E27FC236}">
+                <a16:creationId xmlns:a16="http://schemas.microsoft.com/office/drawing/2014/main" id="{D2A71A18-C53D-4946-A7A3-57515065C4FC}"/>
+              </a:ext>
+            </a:extLst>
+          </p:cNvPr>
+          <p:cNvSpPr>
+            <a:spLocks noGrp="1"/>
+          </p:cNvSpPr>
+          <p:nvPr>
+            <p:ph type="title"/>
+          </p:nvPr>
+        </p:nvSpPr>
+        <p:spPr/>
+        <p:txBody>
+          <a:bodyPr/>
+          <a:lstStyle/>
+          <a:p>
+            <a:r>
+              <a:rPr lang="de-DE" dirty="0"/>
+              <a:t>Live-Demo </a:t>
+            </a:r>
+          </a:p>
+        </p:txBody>
+      </p:sp>
+      <p:sp>
+        <p:nvSpPr>
+          <p:cNvPr id="8" name="Textplatzhalter 7">
+            <a:extLst>
+              <a:ext uri="{FF2B5EF4-FFF2-40B4-BE49-F238E27FC236}">
+                <a16:creationId xmlns:a16="http://schemas.microsoft.com/office/drawing/2014/main" id="{FB2F59AB-54DC-4F33-87F9-D3CD50D4AA1E}"/>
+              </a:ext>
+            </a:extLst>
+          </p:cNvPr>
+          <p:cNvSpPr>
+            <a:spLocks noGrp="1"/>
+          </p:cNvSpPr>
+          <p:nvPr>
+            <p:ph type="body" idx="1"/>
+          </p:nvPr>
+        </p:nvSpPr>
+        <p:spPr/>
+        <p:txBody>
+          <a:bodyPr/>
+          <a:lstStyle/>
+          <a:p>
+            <a:r>
+              <a:rPr lang="de-DE" dirty="0"/>
+              <a:t>TortoiseGit &amp; EclipseGit</a:t>
+            </a:r>
+          </a:p>
+        </p:txBody>
+      </p:sp>
+      <p:sp>
+        <p:nvSpPr>
+          <p:cNvPr id="4" name="Fußzeilenplatzhalter 3">
+            <a:extLst>
+              <a:ext uri="{FF2B5EF4-FFF2-40B4-BE49-F238E27FC236}">
+                <a16:creationId xmlns:a16="http://schemas.microsoft.com/office/drawing/2014/main" id="{B9E355C7-E9D5-4F48-9DCA-265BF7BD452D}"/>
+              </a:ext>
+            </a:extLst>
+          </p:cNvPr>
+          <p:cNvSpPr>
+            <a:spLocks noGrp="1"/>
+          </p:cNvSpPr>
+          <p:nvPr>
+            <p:ph type="ftr" sz="quarter" idx="10"/>
+          </p:nvPr>
+        </p:nvSpPr>
+        <p:spPr/>
+        <p:txBody>
+          <a:bodyPr/>
+          <a:lstStyle/>
+          <a:p>
+            <a:pPr>
+              <a:defRPr/>
+            </a:pPr>
+            <a:r>
+              <a:rPr lang="de-DE" altLang="de-DE"/>
+              <a:t>Versionsmanagement: Git                                                              - B.Sc. Simon Müller, Denis Westerheide</a:t>
+            </a:r>
+          </a:p>
+        </p:txBody>
+      </p:sp>
+      <p:sp>
+        <p:nvSpPr>
+          <p:cNvPr id="5" name="Foliennummernplatzhalter 4">
+            <a:extLst>
+              <a:ext uri="{FF2B5EF4-FFF2-40B4-BE49-F238E27FC236}">
+                <a16:creationId xmlns:a16="http://schemas.microsoft.com/office/drawing/2014/main" id="{93E143ED-F7D7-4555-B3CF-21B0C14301CB}"/>
+              </a:ext>
+            </a:extLst>
+          </p:cNvPr>
+          <p:cNvSpPr>
+            <a:spLocks noGrp="1"/>
+          </p:cNvSpPr>
+          <p:nvPr>
+            <p:ph type="sldNum" sz="quarter" idx="11"/>
+          </p:nvPr>
+        </p:nvSpPr>
+        <p:spPr/>
+        <p:txBody>
+          <a:bodyPr/>
+          <a:lstStyle/>
+          <a:p>
+            <a:pPr>
+              <a:defRPr/>
+            </a:pPr>
+            <a:fld id="{81F13426-4001-4B48-B627-15753A2BE658}" type="slidenum">
+              <a:rPr lang="de-DE" altLang="de-DE" smtClean="0"/>
+              <a:pPr>
+                <a:defRPr/>
+              </a:pPr>
+              <a:t>28</a:t>
+            </a:fld>
+            <a:endParaRPr lang="de-DE" altLang="de-DE"/>
+          </a:p>
+        </p:txBody>
+      </p:sp>
+      <p:sp>
+        <p:nvSpPr>
+          <p:cNvPr id="6" name="Datumsplatzhalter 5">
+            <a:extLst>
+              <a:ext uri="{FF2B5EF4-FFF2-40B4-BE49-F238E27FC236}">
+                <a16:creationId xmlns:a16="http://schemas.microsoft.com/office/drawing/2014/main" id="{FF8FB20F-7BAF-485D-8AD7-9888D0CF2019}"/>
+              </a:ext>
+            </a:extLst>
+          </p:cNvPr>
+          <p:cNvSpPr>
+            <a:spLocks noGrp="1"/>
+          </p:cNvSpPr>
+          <p:nvPr>
+            <p:ph type="dt" sz="half" idx="12"/>
+          </p:nvPr>
+        </p:nvSpPr>
+        <p:spPr/>
+        <p:txBody>
+          <a:bodyPr/>
+          <a:lstStyle/>
+          <a:p>
+            <a:pPr>
+              <a:defRPr/>
+            </a:pPr>
+            <a:fld id="{ABD3F27C-50A6-4FC9-8DF9-9B0271C0A92F}" type="datetime1">
+              <a:rPr lang="de-DE" altLang="de-DE" smtClean="0"/>
+              <a:pPr>
+                <a:defRPr/>
+              </a:pPr>
+              <a:t>14.05.2018</a:t>
+            </a:fld>
+            <a:endParaRPr lang="de-DE" altLang="de-DE"/>
+          </a:p>
+        </p:txBody>
+      </p:sp>
+      <p:pic>
+        <p:nvPicPr>
+          <p:cNvPr id="10" name="Grafik 9" descr="Projektor">
+            <a:extLst>
+              <a:ext uri="{FF2B5EF4-FFF2-40B4-BE49-F238E27FC236}">
+                <a16:creationId xmlns:a16="http://schemas.microsoft.com/office/drawing/2014/main" id="{0C1E9E8A-DD8F-41D0-947C-10E03F569BF6}"/>
+              </a:ext>
+            </a:extLst>
+          </p:cNvPr>
+          <p:cNvPicPr>
+            <a:picLocks noChangeAspect="1"/>
+          </p:cNvPicPr>
+          <p:nvPr/>
+        </p:nvPicPr>
+        <p:blipFill>
+          <a:blip r:embed="rId2">
+            <a:extLst>
+              <a:ext uri="{28A0092B-C50C-407E-A947-70E740481C1C}">
+                <a14:useLocalDpi xmlns:a14="http://schemas.microsoft.com/office/drawing/2010/main" val="0"/>
+              </a:ext>
+              <a:ext uri="{96DAC541-7B7A-43D3-8B79-37D633B846F1}">
+                <asvg:svgBlip xmlns:asvg="http://schemas.microsoft.com/office/drawing/2016/SVG/main" r:embed="rId3"/>
+              </a:ext>
+            </a:extLst>
+          </a:blip>
+          <a:stretch>
+            <a:fillRect/>
+          </a:stretch>
+        </p:blipFill>
+        <p:spPr>
+          <a:xfrm>
+            <a:off x="4932040" y="3675063"/>
+            <a:ext cx="914400" cy="914400"/>
+          </a:xfrm>
+          <a:prstGeom prst="rect">
+            <a:avLst/>
+          </a:prstGeom>
+        </p:spPr>
+      </p:pic>
+    </p:spTree>
+    <p:extLst>
+      <p:ext uri="{BB962C8B-B14F-4D97-AF65-F5344CB8AC3E}">
+        <p14:creationId xmlns:p14="http://schemas.microsoft.com/office/powerpoint/2010/main" val="2574868843"/>
+      </p:ext>
+    </p:extLst>
+  </p:cSld>
+  <p:clrMapOvr>
+    <a:masterClrMapping/>
+  </p:clrMapOvr>
+</p:sld>
+</file>
+
+<file path=ppt/slides/slide29.xml><?xml version="1.0" encoding="utf-8"?>
 <p:sld xmlns:a="http://schemas.openxmlformats.org/drawingml/2006/main" xmlns:r="http://schemas.openxmlformats.org/officeDocument/2006/relationships" xmlns:p="http://schemas.openxmlformats.org/presentationml/2006/main">
   <p:cSld>
     <p:spTree>
@@ -34735,7 +35655,7 @@
                 <a:buFontTx/>
                 <a:buNone/>
               </a:pPr>
-              <a:t>28</a:t>
+              <a:t>29</a:t>
             </a:fld>
             <a:endParaRPr lang="de-DE" altLang="de-DE" sz="900"/>
           </a:p>
@@ -34930,701 +35850,7 @@
                 <a:buFontTx/>
                 <a:buNone/>
               </a:pPr>
-              <a:t>10.05.2018</a:t>
-            </a:fld>
-            <a:endParaRPr lang="de-DE" altLang="de-DE" sz="900"/>
-          </a:p>
-        </p:txBody>
-      </p:sp>
-    </p:spTree>
-  </p:cSld>
-  <p:clrMapOvr>
-    <a:masterClrMapping/>
-  </p:clrMapOvr>
-</p:sld>
-</file>
-
-<file path=ppt/slides/slide29.xml><?xml version="1.0" encoding="utf-8"?>
-<p:sld xmlns:a="http://schemas.openxmlformats.org/drawingml/2006/main" xmlns:r="http://schemas.openxmlformats.org/officeDocument/2006/relationships" xmlns:p="http://schemas.openxmlformats.org/presentationml/2006/main">
-  <p:cSld>
-    <p:spTree>
-      <p:nvGrpSpPr>
-        <p:cNvPr id="1" name=""/>
-        <p:cNvGrpSpPr/>
-        <p:nvPr/>
-      </p:nvGrpSpPr>
-      <p:grpSpPr>
-        <a:xfrm>
-          <a:off x="0" y="0"/>
-          <a:ext cx="0" cy="0"/>
-          <a:chOff x="0" y="0"/>
-          <a:chExt cx="0" cy="0"/>
-        </a:xfrm>
-      </p:grpSpPr>
-      <p:sp>
-        <p:nvSpPr>
-          <p:cNvPr id="32770" name="Titel 6">
-            <a:extLst>
-              <a:ext uri="{FF2B5EF4-FFF2-40B4-BE49-F238E27FC236}">
-                <a16:creationId xmlns:a16="http://schemas.microsoft.com/office/drawing/2014/main" id="{A7AF8A41-5B23-4B4E-94FA-572147909139}"/>
-              </a:ext>
-            </a:extLst>
-          </p:cNvPr>
-          <p:cNvSpPr>
-            <a:spLocks noGrp="1" noChangeArrowheads="1"/>
-          </p:cNvSpPr>
-          <p:nvPr>
-            <p:ph type="title"/>
-          </p:nvPr>
-        </p:nvSpPr>
-        <p:spPr>
-          <a:xfrm>
-            <a:off x="623888" y="1709738"/>
-            <a:ext cx="7886700" cy="2079625"/>
-          </a:xfrm>
-        </p:spPr>
-        <p:txBody>
-          <a:bodyPr/>
-          <a:lstStyle/>
-          <a:p>
-            <a:pPr algn="ctr"/>
-            <a:r>
-              <a:rPr lang="de-DE" altLang="de-DE" sz="3200"/>
-              <a:t>Vielen Dank für Eure Aufmerksamkeit</a:t>
-            </a:r>
-          </a:p>
-        </p:txBody>
-      </p:sp>
-      <p:sp>
-        <p:nvSpPr>
-          <p:cNvPr id="8" name="Textplatzhalter 7">
-            <a:extLst>
-              <a:ext uri="{FF2B5EF4-FFF2-40B4-BE49-F238E27FC236}">
-                <a16:creationId xmlns:a16="http://schemas.microsoft.com/office/drawing/2014/main" id="{619D7E0D-12C2-48E5-AD19-CB716981AC32}"/>
-              </a:ext>
-            </a:extLst>
-          </p:cNvPr>
-          <p:cNvSpPr>
-            <a:spLocks noGrp="1"/>
-          </p:cNvSpPr>
-          <p:nvPr>
-            <p:ph type="body" idx="1"/>
-          </p:nvPr>
-        </p:nvSpPr>
-        <p:spPr/>
-        <p:txBody>
-          <a:bodyPr/>
-          <a:lstStyle/>
-          <a:p>
-            <a:pPr algn="ctr">
-              <a:defRPr/>
-            </a:pPr>
-            <a:r>
-              <a:rPr lang="de-DE" sz="8800" dirty="0">
-                <a:solidFill>
-                  <a:schemeClr val="accent1">
-                    <a:lumMod val="75000"/>
-                  </a:schemeClr>
-                </a:solidFill>
-                <a:effectLst>
-                  <a:outerShdw blurRad="38100" dist="38100" dir="2700000" algn="tl">
-                    <a:srgbClr val="000000">
-                      <a:alpha val="43137"/>
-                    </a:srgbClr>
-                  </a:outerShdw>
-                </a:effectLst>
-                <a:sym typeface="Wingdings" panose="05000000000000000000" pitchFamily="2" charset="2"/>
-              </a:rPr>
-              <a:t></a:t>
-            </a:r>
-            <a:endParaRPr lang="de-DE" sz="8800" dirty="0">
-              <a:solidFill>
-                <a:schemeClr val="accent1">
-                  <a:lumMod val="75000"/>
-                </a:schemeClr>
-              </a:solidFill>
-              <a:effectLst>
-                <a:outerShdw blurRad="38100" dist="38100" dir="2700000" algn="tl">
-                  <a:srgbClr val="000000">
-                    <a:alpha val="43137"/>
-                  </a:srgbClr>
-                </a:outerShdw>
-              </a:effectLst>
-            </a:endParaRPr>
-          </a:p>
-        </p:txBody>
-      </p:sp>
-      <p:sp>
-        <p:nvSpPr>
-          <p:cNvPr id="32772" name="Fußzeilenplatzhalter 3">
-            <a:extLst>
-              <a:ext uri="{FF2B5EF4-FFF2-40B4-BE49-F238E27FC236}">
-                <a16:creationId xmlns:a16="http://schemas.microsoft.com/office/drawing/2014/main" id="{3E7FB29E-5FEF-4CB8-BC77-05331956B14A}"/>
-              </a:ext>
-            </a:extLst>
-          </p:cNvPr>
-          <p:cNvSpPr>
-            <a:spLocks noGrp="1"/>
-          </p:cNvSpPr>
-          <p:nvPr>
-            <p:ph type="ftr" sz="quarter" idx="10"/>
-          </p:nvPr>
-        </p:nvSpPr>
-        <p:spPr>
-          <a:noFill/>
-        </p:spPr>
-        <p:txBody>
-          <a:bodyPr/>
-          <a:lstStyle>
-            <a:lvl1pPr>
-              <a:spcBef>
-                <a:spcPct val="20000"/>
-              </a:spcBef>
-              <a:buSzPct val="70000"/>
-              <a:buBlip>
-                <a:blip r:embed="rId2"/>
-              </a:buBlip>
-              <a:defRPr sz="2400">
-                <a:solidFill>
-                  <a:schemeClr val="tx1"/>
-                </a:solidFill>
-                <a:latin typeface="Arial" panose="020B0604020202020204" pitchFamily="34" charset="0"/>
-              </a:defRPr>
-            </a:lvl1pPr>
-            <a:lvl2pPr marL="742950" indent="-285750">
-              <a:spcBef>
-                <a:spcPct val="20000"/>
-              </a:spcBef>
-              <a:buSzPct val="60000"/>
-              <a:buBlip>
-                <a:blip r:embed="rId2"/>
-              </a:buBlip>
-              <a:defRPr sz="2000">
-                <a:solidFill>
-                  <a:schemeClr val="tx1"/>
-                </a:solidFill>
-                <a:latin typeface="Arial" panose="020B0604020202020204" pitchFamily="34" charset="0"/>
-              </a:defRPr>
-            </a:lvl2pPr>
-            <a:lvl3pPr marL="1143000" indent="-228600">
-              <a:spcBef>
-                <a:spcPct val="20000"/>
-              </a:spcBef>
-              <a:buSzPct val="60000"/>
-              <a:buBlip>
-                <a:blip r:embed="rId2"/>
-              </a:buBlip>
-              <a:defRPr>
-                <a:solidFill>
-                  <a:schemeClr val="tx1"/>
-                </a:solidFill>
-                <a:latin typeface="Arial" panose="020B0604020202020204" pitchFamily="34" charset="0"/>
-              </a:defRPr>
-            </a:lvl3pPr>
-            <a:lvl4pPr marL="1600200" indent="-228600">
-              <a:spcBef>
-                <a:spcPct val="20000"/>
-              </a:spcBef>
-              <a:buSzPct val="60000"/>
-              <a:buBlip>
-                <a:blip r:embed="rId2"/>
-              </a:buBlip>
-              <a:defRPr sz="1600">
-                <a:solidFill>
-                  <a:schemeClr val="tx1"/>
-                </a:solidFill>
-                <a:latin typeface="Arial" panose="020B0604020202020204" pitchFamily="34" charset="0"/>
-              </a:defRPr>
-            </a:lvl4pPr>
-            <a:lvl5pPr marL="2057400" indent="-228600">
-              <a:spcBef>
-                <a:spcPct val="20000"/>
-              </a:spcBef>
-              <a:buSzPct val="60000"/>
-              <a:buBlip>
-                <a:blip r:embed="rId2"/>
-              </a:buBlip>
-              <a:defRPr sz="1400">
-                <a:solidFill>
-                  <a:schemeClr val="tx1"/>
-                </a:solidFill>
-                <a:latin typeface="Arial" panose="020B0604020202020204" pitchFamily="34" charset="0"/>
-              </a:defRPr>
-            </a:lvl5pPr>
-            <a:lvl6pPr marL="2514600" indent="-228600" eaLnBrk="0" fontAlgn="base" hangingPunct="0">
-              <a:spcBef>
-                <a:spcPct val="20000"/>
-              </a:spcBef>
-              <a:spcAft>
-                <a:spcPct val="0"/>
-              </a:spcAft>
-              <a:buSzPct val="60000"/>
-              <a:buBlip>
-                <a:blip r:embed="rId2"/>
-              </a:buBlip>
-              <a:defRPr sz="1400">
-                <a:solidFill>
-                  <a:schemeClr val="tx1"/>
-                </a:solidFill>
-                <a:latin typeface="Arial" panose="020B0604020202020204" pitchFamily="34" charset="0"/>
-              </a:defRPr>
-            </a:lvl6pPr>
-            <a:lvl7pPr marL="2971800" indent="-228600" eaLnBrk="0" fontAlgn="base" hangingPunct="0">
-              <a:spcBef>
-                <a:spcPct val="20000"/>
-              </a:spcBef>
-              <a:spcAft>
-                <a:spcPct val="0"/>
-              </a:spcAft>
-              <a:buSzPct val="60000"/>
-              <a:buBlip>
-                <a:blip r:embed="rId2"/>
-              </a:buBlip>
-              <a:defRPr sz="1400">
-                <a:solidFill>
-                  <a:schemeClr val="tx1"/>
-                </a:solidFill>
-                <a:latin typeface="Arial" panose="020B0604020202020204" pitchFamily="34" charset="0"/>
-              </a:defRPr>
-            </a:lvl7pPr>
-            <a:lvl8pPr marL="3429000" indent="-228600" eaLnBrk="0" fontAlgn="base" hangingPunct="0">
-              <a:spcBef>
-                <a:spcPct val="20000"/>
-              </a:spcBef>
-              <a:spcAft>
-                <a:spcPct val="0"/>
-              </a:spcAft>
-              <a:buSzPct val="60000"/>
-              <a:buBlip>
-                <a:blip r:embed="rId2"/>
-              </a:buBlip>
-              <a:defRPr sz="1400">
-                <a:solidFill>
-                  <a:schemeClr val="tx1"/>
-                </a:solidFill>
-                <a:latin typeface="Arial" panose="020B0604020202020204" pitchFamily="34" charset="0"/>
-              </a:defRPr>
-            </a:lvl8pPr>
-            <a:lvl9pPr marL="3886200" indent="-228600" eaLnBrk="0" fontAlgn="base" hangingPunct="0">
-              <a:spcBef>
-                <a:spcPct val="20000"/>
-              </a:spcBef>
-              <a:spcAft>
-                <a:spcPct val="0"/>
-              </a:spcAft>
-              <a:buSzPct val="60000"/>
-              <a:buBlip>
-                <a:blip r:embed="rId2"/>
-              </a:buBlip>
-              <a:defRPr sz="1400">
-                <a:solidFill>
-                  <a:schemeClr val="tx1"/>
-                </a:solidFill>
-                <a:latin typeface="Arial" panose="020B0604020202020204" pitchFamily="34" charset="0"/>
-              </a:defRPr>
-            </a:lvl9pPr>
-          </a:lstStyle>
-          <a:p>
-            <a:pPr>
-              <a:spcBef>
-                <a:spcPct val="50000"/>
-              </a:spcBef>
-              <a:buSzTx/>
-              <a:buFontTx/>
-              <a:buNone/>
-            </a:pPr>
-            <a:r>
-              <a:rPr lang="de-DE" altLang="de-DE" sz="900"/>
-              <a:t>Versionsmanagement: Git                                                              - B.Sc. Simon Müller, Denis Westerheide</a:t>
-            </a:r>
-          </a:p>
-        </p:txBody>
-      </p:sp>
-      <p:sp>
-        <p:nvSpPr>
-          <p:cNvPr id="32773" name="Foliennummernplatzhalter 4">
-            <a:extLst>
-              <a:ext uri="{FF2B5EF4-FFF2-40B4-BE49-F238E27FC236}">
-                <a16:creationId xmlns:a16="http://schemas.microsoft.com/office/drawing/2014/main" id="{63438053-B0CB-41C6-B3C4-C56EFCA44698}"/>
-              </a:ext>
-            </a:extLst>
-          </p:cNvPr>
-          <p:cNvSpPr>
-            <a:spLocks noGrp="1"/>
-          </p:cNvSpPr>
-          <p:nvPr>
-            <p:ph type="sldNum" sz="quarter" idx="11"/>
-          </p:nvPr>
-        </p:nvSpPr>
-        <p:spPr>
-          <a:noFill/>
-        </p:spPr>
-        <p:txBody>
-          <a:bodyPr/>
-          <a:lstStyle>
-            <a:lvl1pPr>
-              <a:spcBef>
-                <a:spcPct val="20000"/>
-              </a:spcBef>
-              <a:buSzPct val="70000"/>
-              <a:buBlip>
-                <a:blip r:embed="rId2"/>
-              </a:buBlip>
-              <a:defRPr sz="2400">
-                <a:solidFill>
-                  <a:schemeClr val="tx1"/>
-                </a:solidFill>
-                <a:latin typeface="Arial" panose="020B0604020202020204" pitchFamily="34" charset="0"/>
-              </a:defRPr>
-            </a:lvl1pPr>
-            <a:lvl2pPr marL="742950" indent="-285750">
-              <a:spcBef>
-                <a:spcPct val="20000"/>
-              </a:spcBef>
-              <a:buSzPct val="60000"/>
-              <a:buBlip>
-                <a:blip r:embed="rId2"/>
-              </a:buBlip>
-              <a:defRPr sz="2000">
-                <a:solidFill>
-                  <a:schemeClr val="tx1"/>
-                </a:solidFill>
-                <a:latin typeface="Arial" panose="020B0604020202020204" pitchFamily="34" charset="0"/>
-              </a:defRPr>
-            </a:lvl2pPr>
-            <a:lvl3pPr marL="1143000" indent="-228600">
-              <a:spcBef>
-                <a:spcPct val="20000"/>
-              </a:spcBef>
-              <a:buSzPct val="60000"/>
-              <a:buBlip>
-                <a:blip r:embed="rId2"/>
-              </a:buBlip>
-              <a:defRPr>
-                <a:solidFill>
-                  <a:schemeClr val="tx1"/>
-                </a:solidFill>
-                <a:latin typeface="Arial" panose="020B0604020202020204" pitchFamily="34" charset="0"/>
-              </a:defRPr>
-            </a:lvl3pPr>
-            <a:lvl4pPr marL="1600200" indent="-228600">
-              <a:spcBef>
-                <a:spcPct val="20000"/>
-              </a:spcBef>
-              <a:buSzPct val="60000"/>
-              <a:buBlip>
-                <a:blip r:embed="rId2"/>
-              </a:buBlip>
-              <a:defRPr sz="1600">
-                <a:solidFill>
-                  <a:schemeClr val="tx1"/>
-                </a:solidFill>
-                <a:latin typeface="Arial" panose="020B0604020202020204" pitchFamily="34" charset="0"/>
-              </a:defRPr>
-            </a:lvl4pPr>
-            <a:lvl5pPr marL="2057400" indent="-228600">
-              <a:spcBef>
-                <a:spcPct val="20000"/>
-              </a:spcBef>
-              <a:buSzPct val="60000"/>
-              <a:buBlip>
-                <a:blip r:embed="rId2"/>
-              </a:buBlip>
-              <a:defRPr sz="1400">
-                <a:solidFill>
-                  <a:schemeClr val="tx1"/>
-                </a:solidFill>
-                <a:latin typeface="Arial" panose="020B0604020202020204" pitchFamily="34" charset="0"/>
-              </a:defRPr>
-            </a:lvl5pPr>
-            <a:lvl6pPr marL="2514600" indent="-228600" eaLnBrk="0" fontAlgn="base" hangingPunct="0">
-              <a:spcBef>
-                <a:spcPct val="20000"/>
-              </a:spcBef>
-              <a:spcAft>
-                <a:spcPct val="0"/>
-              </a:spcAft>
-              <a:buSzPct val="60000"/>
-              <a:buBlip>
-                <a:blip r:embed="rId2"/>
-              </a:buBlip>
-              <a:defRPr sz="1400">
-                <a:solidFill>
-                  <a:schemeClr val="tx1"/>
-                </a:solidFill>
-                <a:latin typeface="Arial" panose="020B0604020202020204" pitchFamily="34" charset="0"/>
-              </a:defRPr>
-            </a:lvl6pPr>
-            <a:lvl7pPr marL="2971800" indent="-228600" eaLnBrk="0" fontAlgn="base" hangingPunct="0">
-              <a:spcBef>
-                <a:spcPct val="20000"/>
-              </a:spcBef>
-              <a:spcAft>
-                <a:spcPct val="0"/>
-              </a:spcAft>
-              <a:buSzPct val="60000"/>
-              <a:buBlip>
-                <a:blip r:embed="rId2"/>
-              </a:buBlip>
-              <a:defRPr sz="1400">
-                <a:solidFill>
-                  <a:schemeClr val="tx1"/>
-                </a:solidFill>
-                <a:latin typeface="Arial" panose="020B0604020202020204" pitchFamily="34" charset="0"/>
-              </a:defRPr>
-            </a:lvl7pPr>
-            <a:lvl8pPr marL="3429000" indent="-228600" eaLnBrk="0" fontAlgn="base" hangingPunct="0">
-              <a:spcBef>
-                <a:spcPct val="20000"/>
-              </a:spcBef>
-              <a:spcAft>
-                <a:spcPct val="0"/>
-              </a:spcAft>
-              <a:buSzPct val="60000"/>
-              <a:buBlip>
-                <a:blip r:embed="rId2"/>
-              </a:buBlip>
-              <a:defRPr sz="1400">
-                <a:solidFill>
-                  <a:schemeClr val="tx1"/>
-                </a:solidFill>
-                <a:latin typeface="Arial" panose="020B0604020202020204" pitchFamily="34" charset="0"/>
-              </a:defRPr>
-            </a:lvl8pPr>
-            <a:lvl9pPr marL="3886200" indent="-228600" eaLnBrk="0" fontAlgn="base" hangingPunct="0">
-              <a:spcBef>
-                <a:spcPct val="20000"/>
-              </a:spcBef>
-              <a:spcAft>
-                <a:spcPct val="0"/>
-              </a:spcAft>
-              <a:buSzPct val="60000"/>
-              <a:buBlip>
-                <a:blip r:embed="rId2"/>
-              </a:buBlip>
-              <a:defRPr sz="1400">
-                <a:solidFill>
-                  <a:schemeClr val="tx1"/>
-                </a:solidFill>
-                <a:latin typeface="Arial" panose="020B0604020202020204" pitchFamily="34" charset="0"/>
-              </a:defRPr>
-            </a:lvl9pPr>
-          </a:lstStyle>
-          <a:p>
-            <a:pPr>
-              <a:spcBef>
-                <a:spcPct val="0"/>
-              </a:spcBef>
-              <a:buSzTx/>
-              <a:buFontTx/>
-              <a:buNone/>
-            </a:pPr>
-            <a:fld id="{F02C4F9F-CD58-41B2-BE5D-6B2465D74883}" type="slidenum">
-              <a:rPr lang="de-DE" altLang="de-DE" sz="900" smtClean="0"/>
-              <a:pPr>
-                <a:spcBef>
-                  <a:spcPct val="0"/>
-                </a:spcBef>
-                <a:buSzTx/>
-                <a:buFontTx/>
-                <a:buNone/>
-              </a:pPr>
-              <a:t>29</a:t>
-            </a:fld>
-            <a:endParaRPr lang="de-DE" altLang="de-DE" sz="900"/>
-          </a:p>
-        </p:txBody>
-      </p:sp>
-      <p:sp>
-        <p:nvSpPr>
-          <p:cNvPr id="32774" name="Datumsplatzhalter 5">
-            <a:extLst>
-              <a:ext uri="{FF2B5EF4-FFF2-40B4-BE49-F238E27FC236}">
-                <a16:creationId xmlns:a16="http://schemas.microsoft.com/office/drawing/2014/main" id="{5BF0F4EA-F385-42FC-BFF2-AB4D94C4AEFD}"/>
-              </a:ext>
-            </a:extLst>
-          </p:cNvPr>
-          <p:cNvSpPr>
-            <a:spLocks noGrp="1"/>
-          </p:cNvSpPr>
-          <p:nvPr>
-            <p:ph type="dt" sz="quarter" idx="12"/>
-          </p:nvPr>
-        </p:nvSpPr>
-        <p:spPr>
-          <a:noFill/>
-        </p:spPr>
-        <p:txBody>
-          <a:bodyPr/>
-          <a:lstStyle>
-            <a:lvl1pPr>
-              <a:spcBef>
-                <a:spcPct val="20000"/>
-              </a:spcBef>
-              <a:buSzPct val="70000"/>
-              <a:buBlip>
-                <a:blip r:embed="rId2"/>
-              </a:buBlip>
-              <a:defRPr sz="2400">
-                <a:solidFill>
-                  <a:schemeClr val="tx1"/>
-                </a:solidFill>
-                <a:latin typeface="Arial" panose="020B0604020202020204" pitchFamily="34" charset="0"/>
-              </a:defRPr>
-            </a:lvl1pPr>
-            <a:lvl2pPr marL="742950" indent="-285750">
-              <a:spcBef>
-                <a:spcPct val="20000"/>
-              </a:spcBef>
-              <a:buSzPct val="60000"/>
-              <a:buBlip>
-                <a:blip r:embed="rId2"/>
-              </a:buBlip>
-              <a:defRPr sz="2000">
-                <a:solidFill>
-                  <a:schemeClr val="tx1"/>
-                </a:solidFill>
-                <a:latin typeface="Arial" panose="020B0604020202020204" pitchFamily="34" charset="0"/>
-              </a:defRPr>
-            </a:lvl2pPr>
-            <a:lvl3pPr marL="1143000" indent="-228600">
-              <a:spcBef>
-                <a:spcPct val="20000"/>
-              </a:spcBef>
-              <a:buSzPct val="60000"/>
-              <a:buBlip>
-                <a:blip r:embed="rId2"/>
-              </a:buBlip>
-              <a:defRPr>
-                <a:solidFill>
-                  <a:schemeClr val="tx1"/>
-                </a:solidFill>
-                <a:latin typeface="Arial" panose="020B0604020202020204" pitchFamily="34" charset="0"/>
-              </a:defRPr>
-            </a:lvl3pPr>
-            <a:lvl4pPr marL="1600200" indent="-228600">
-              <a:spcBef>
-                <a:spcPct val="20000"/>
-              </a:spcBef>
-              <a:buSzPct val="60000"/>
-              <a:buBlip>
-                <a:blip r:embed="rId2"/>
-              </a:buBlip>
-              <a:defRPr sz="1600">
-                <a:solidFill>
-                  <a:schemeClr val="tx1"/>
-                </a:solidFill>
-                <a:latin typeface="Arial" panose="020B0604020202020204" pitchFamily="34" charset="0"/>
-              </a:defRPr>
-            </a:lvl4pPr>
-            <a:lvl5pPr marL="2057400" indent="-228600">
-              <a:spcBef>
-                <a:spcPct val="20000"/>
-              </a:spcBef>
-              <a:buSzPct val="60000"/>
-              <a:buBlip>
-                <a:blip r:embed="rId2"/>
-              </a:buBlip>
-              <a:defRPr sz="1400">
-                <a:solidFill>
-                  <a:schemeClr val="tx1"/>
-                </a:solidFill>
-                <a:latin typeface="Arial" panose="020B0604020202020204" pitchFamily="34" charset="0"/>
-              </a:defRPr>
-            </a:lvl5pPr>
-            <a:lvl6pPr marL="2514600" indent="-228600" eaLnBrk="0" fontAlgn="base" hangingPunct="0">
-              <a:spcBef>
-                <a:spcPct val="20000"/>
-              </a:spcBef>
-              <a:spcAft>
-                <a:spcPct val="0"/>
-              </a:spcAft>
-              <a:buSzPct val="60000"/>
-              <a:buBlip>
-                <a:blip r:embed="rId2"/>
-              </a:buBlip>
-              <a:defRPr sz="1400">
-                <a:solidFill>
-                  <a:schemeClr val="tx1"/>
-                </a:solidFill>
-                <a:latin typeface="Arial" panose="020B0604020202020204" pitchFamily="34" charset="0"/>
-              </a:defRPr>
-            </a:lvl6pPr>
-            <a:lvl7pPr marL="2971800" indent="-228600" eaLnBrk="0" fontAlgn="base" hangingPunct="0">
-              <a:spcBef>
-                <a:spcPct val="20000"/>
-              </a:spcBef>
-              <a:spcAft>
-                <a:spcPct val="0"/>
-              </a:spcAft>
-              <a:buSzPct val="60000"/>
-              <a:buBlip>
-                <a:blip r:embed="rId2"/>
-              </a:buBlip>
-              <a:defRPr sz="1400">
-                <a:solidFill>
-                  <a:schemeClr val="tx1"/>
-                </a:solidFill>
-                <a:latin typeface="Arial" panose="020B0604020202020204" pitchFamily="34" charset="0"/>
-              </a:defRPr>
-            </a:lvl7pPr>
-            <a:lvl8pPr marL="3429000" indent="-228600" eaLnBrk="0" fontAlgn="base" hangingPunct="0">
-              <a:spcBef>
-                <a:spcPct val="20000"/>
-              </a:spcBef>
-              <a:spcAft>
-                <a:spcPct val="0"/>
-              </a:spcAft>
-              <a:buSzPct val="60000"/>
-              <a:buBlip>
-                <a:blip r:embed="rId2"/>
-              </a:buBlip>
-              <a:defRPr sz="1400">
-                <a:solidFill>
-                  <a:schemeClr val="tx1"/>
-                </a:solidFill>
-                <a:latin typeface="Arial" panose="020B0604020202020204" pitchFamily="34" charset="0"/>
-              </a:defRPr>
-            </a:lvl8pPr>
-            <a:lvl9pPr marL="3886200" indent="-228600" eaLnBrk="0" fontAlgn="base" hangingPunct="0">
-              <a:spcBef>
-                <a:spcPct val="20000"/>
-              </a:spcBef>
-              <a:spcAft>
-                <a:spcPct val="0"/>
-              </a:spcAft>
-              <a:buSzPct val="60000"/>
-              <a:buBlip>
-                <a:blip r:embed="rId2"/>
-              </a:buBlip>
-              <a:defRPr sz="1400">
-                <a:solidFill>
-                  <a:schemeClr val="tx1"/>
-                </a:solidFill>
-                <a:latin typeface="Arial" panose="020B0604020202020204" pitchFamily="34" charset="0"/>
-              </a:defRPr>
-            </a:lvl9pPr>
-          </a:lstStyle>
-          <a:p>
-            <a:pPr>
-              <a:spcBef>
-                <a:spcPct val="0"/>
-              </a:spcBef>
-              <a:buSzTx/>
-              <a:buFontTx/>
-              <a:buNone/>
-            </a:pPr>
-            <a:fld id="{7D9D10C4-D78B-4950-ACD4-1EE0724B46AD}" type="datetime1">
-              <a:rPr lang="de-DE" altLang="de-DE" sz="900" smtClean="0"/>
-              <a:pPr>
-                <a:spcBef>
-                  <a:spcPct val="0"/>
-                </a:spcBef>
-                <a:buSzTx/>
-                <a:buFontTx/>
-                <a:buNone/>
-              </a:pPr>
-              <a:t>10.05.2018</a:t>
+              <a:t>14.05.2018</a:t>
             </a:fld>
             <a:endParaRPr lang="de-DE" altLang="de-DE" sz="900"/>
           </a:p>
@@ -35899,7 +36125,7 @@
               <a:buNone/>
             </a:pPr>
             <a:r>
-              <a:rPr lang="de-DE" altLang="de-DE" sz="900"/>
+              <a:rPr lang="de-DE" altLang="de-DE" sz="900" dirty="0"/>
               <a:t>Denis Westerheide &amp; Simon Müller: Git &amp; TortoiseGit - Grundlagen und Anwendungsrezepte</a:t>
             </a:r>
           </a:p>
@@ -36289,7 +36515,7 @@
                 <a:buFontTx/>
                 <a:buNone/>
               </a:pPr>
-              <a:t>10.05.2018</a:t>
+              <a:t>14.05.2018</a:t>
             </a:fld>
             <a:endParaRPr lang="de-DE" altLang="de-DE" sz="900"/>
           </a:p>
@@ -36629,6 +36855,700 @@
 </file>
 
 <file path=ppt/slides/slide30.xml><?xml version="1.0" encoding="utf-8"?>
+<p:sld xmlns:a="http://schemas.openxmlformats.org/drawingml/2006/main" xmlns:r="http://schemas.openxmlformats.org/officeDocument/2006/relationships" xmlns:p="http://schemas.openxmlformats.org/presentationml/2006/main">
+  <p:cSld>
+    <p:spTree>
+      <p:nvGrpSpPr>
+        <p:cNvPr id="1" name=""/>
+        <p:cNvGrpSpPr/>
+        <p:nvPr/>
+      </p:nvGrpSpPr>
+      <p:grpSpPr>
+        <a:xfrm>
+          <a:off x="0" y="0"/>
+          <a:ext cx="0" cy="0"/>
+          <a:chOff x="0" y="0"/>
+          <a:chExt cx="0" cy="0"/>
+        </a:xfrm>
+      </p:grpSpPr>
+      <p:sp>
+        <p:nvSpPr>
+          <p:cNvPr id="32770" name="Titel 6">
+            <a:extLst>
+              <a:ext uri="{FF2B5EF4-FFF2-40B4-BE49-F238E27FC236}">
+                <a16:creationId xmlns:a16="http://schemas.microsoft.com/office/drawing/2014/main" id="{A7AF8A41-5B23-4B4E-94FA-572147909139}"/>
+              </a:ext>
+            </a:extLst>
+          </p:cNvPr>
+          <p:cNvSpPr>
+            <a:spLocks noGrp="1" noChangeArrowheads="1"/>
+          </p:cNvSpPr>
+          <p:nvPr>
+            <p:ph type="title"/>
+          </p:nvPr>
+        </p:nvSpPr>
+        <p:spPr>
+          <a:xfrm>
+            <a:off x="623888" y="1709738"/>
+            <a:ext cx="7886700" cy="2079625"/>
+          </a:xfrm>
+        </p:spPr>
+        <p:txBody>
+          <a:bodyPr/>
+          <a:lstStyle/>
+          <a:p>
+            <a:pPr algn="ctr"/>
+            <a:r>
+              <a:rPr lang="de-DE" altLang="de-DE" sz="3200"/>
+              <a:t>Vielen Dank für Eure Aufmerksamkeit</a:t>
+            </a:r>
+          </a:p>
+        </p:txBody>
+      </p:sp>
+      <p:sp>
+        <p:nvSpPr>
+          <p:cNvPr id="8" name="Textplatzhalter 7">
+            <a:extLst>
+              <a:ext uri="{FF2B5EF4-FFF2-40B4-BE49-F238E27FC236}">
+                <a16:creationId xmlns:a16="http://schemas.microsoft.com/office/drawing/2014/main" id="{619D7E0D-12C2-48E5-AD19-CB716981AC32}"/>
+              </a:ext>
+            </a:extLst>
+          </p:cNvPr>
+          <p:cNvSpPr>
+            <a:spLocks noGrp="1"/>
+          </p:cNvSpPr>
+          <p:nvPr>
+            <p:ph type="body" idx="1"/>
+          </p:nvPr>
+        </p:nvSpPr>
+        <p:spPr/>
+        <p:txBody>
+          <a:bodyPr/>
+          <a:lstStyle/>
+          <a:p>
+            <a:pPr algn="ctr">
+              <a:defRPr/>
+            </a:pPr>
+            <a:r>
+              <a:rPr lang="de-DE" sz="8800" dirty="0">
+                <a:solidFill>
+                  <a:schemeClr val="accent1">
+                    <a:lumMod val="75000"/>
+                  </a:schemeClr>
+                </a:solidFill>
+                <a:effectLst>
+                  <a:outerShdw blurRad="38100" dist="38100" dir="2700000" algn="tl">
+                    <a:srgbClr val="000000">
+                      <a:alpha val="43137"/>
+                    </a:srgbClr>
+                  </a:outerShdw>
+                </a:effectLst>
+                <a:sym typeface="Wingdings" panose="05000000000000000000" pitchFamily="2" charset="2"/>
+              </a:rPr>
+              <a:t></a:t>
+            </a:r>
+            <a:endParaRPr lang="de-DE" sz="8800" dirty="0">
+              <a:solidFill>
+                <a:schemeClr val="accent1">
+                  <a:lumMod val="75000"/>
+                </a:schemeClr>
+              </a:solidFill>
+              <a:effectLst>
+                <a:outerShdw blurRad="38100" dist="38100" dir="2700000" algn="tl">
+                  <a:srgbClr val="000000">
+                    <a:alpha val="43137"/>
+                  </a:srgbClr>
+                </a:outerShdw>
+              </a:effectLst>
+            </a:endParaRPr>
+          </a:p>
+        </p:txBody>
+      </p:sp>
+      <p:sp>
+        <p:nvSpPr>
+          <p:cNvPr id="32772" name="Fußzeilenplatzhalter 3">
+            <a:extLst>
+              <a:ext uri="{FF2B5EF4-FFF2-40B4-BE49-F238E27FC236}">
+                <a16:creationId xmlns:a16="http://schemas.microsoft.com/office/drawing/2014/main" id="{3E7FB29E-5FEF-4CB8-BC77-05331956B14A}"/>
+              </a:ext>
+            </a:extLst>
+          </p:cNvPr>
+          <p:cNvSpPr>
+            <a:spLocks noGrp="1"/>
+          </p:cNvSpPr>
+          <p:nvPr>
+            <p:ph type="ftr" sz="quarter" idx="10"/>
+          </p:nvPr>
+        </p:nvSpPr>
+        <p:spPr>
+          <a:noFill/>
+        </p:spPr>
+        <p:txBody>
+          <a:bodyPr/>
+          <a:lstStyle>
+            <a:lvl1pPr>
+              <a:spcBef>
+                <a:spcPct val="20000"/>
+              </a:spcBef>
+              <a:buSzPct val="70000"/>
+              <a:buBlip>
+                <a:blip r:embed="rId2"/>
+              </a:buBlip>
+              <a:defRPr sz="2400">
+                <a:solidFill>
+                  <a:schemeClr val="tx1"/>
+                </a:solidFill>
+                <a:latin typeface="Arial" panose="020B0604020202020204" pitchFamily="34" charset="0"/>
+              </a:defRPr>
+            </a:lvl1pPr>
+            <a:lvl2pPr marL="742950" indent="-285750">
+              <a:spcBef>
+                <a:spcPct val="20000"/>
+              </a:spcBef>
+              <a:buSzPct val="60000"/>
+              <a:buBlip>
+                <a:blip r:embed="rId2"/>
+              </a:buBlip>
+              <a:defRPr sz="2000">
+                <a:solidFill>
+                  <a:schemeClr val="tx1"/>
+                </a:solidFill>
+                <a:latin typeface="Arial" panose="020B0604020202020204" pitchFamily="34" charset="0"/>
+              </a:defRPr>
+            </a:lvl2pPr>
+            <a:lvl3pPr marL="1143000" indent="-228600">
+              <a:spcBef>
+                <a:spcPct val="20000"/>
+              </a:spcBef>
+              <a:buSzPct val="60000"/>
+              <a:buBlip>
+                <a:blip r:embed="rId2"/>
+              </a:buBlip>
+              <a:defRPr>
+                <a:solidFill>
+                  <a:schemeClr val="tx1"/>
+                </a:solidFill>
+                <a:latin typeface="Arial" panose="020B0604020202020204" pitchFamily="34" charset="0"/>
+              </a:defRPr>
+            </a:lvl3pPr>
+            <a:lvl4pPr marL="1600200" indent="-228600">
+              <a:spcBef>
+                <a:spcPct val="20000"/>
+              </a:spcBef>
+              <a:buSzPct val="60000"/>
+              <a:buBlip>
+                <a:blip r:embed="rId2"/>
+              </a:buBlip>
+              <a:defRPr sz="1600">
+                <a:solidFill>
+                  <a:schemeClr val="tx1"/>
+                </a:solidFill>
+                <a:latin typeface="Arial" panose="020B0604020202020204" pitchFamily="34" charset="0"/>
+              </a:defRPr>
+            </a:lvl4pPr>
+            <a:lvl5pPr marL="2057400" indent="-228600">
+              <a:spcBef>
+                <a:spcPct val="20000"/>
+              </a:spcBef>
+              <a:buSzPct val="60000"/>
+              <a:buBlip>
+                <a:blip r:embed="rId2"/>
+              </a:buBlip>
+              <a:defRPr sz="1400">
+                <a:solidFill>
+                  <a:schemeClr val="tx1"/>
+                </a:solidFill>
+                <a:latin typeface="Arial" panose="020B0604020202020204" pitchFamily="34" charset="0"/>
+              </a:defRPr>
+            </a:lvl5pPr>
+            <a:lvl6pPr marL="2514600" indent="-228600" eaLnBrk="0" fontAlgn="base" hangingPunct="0">
+              <a:spcBef>
+                <a:spcPct val="20000"/>
+              </a:spcBef>
+              <a:spcAft>
+                <a:spcPct val="0"/>
+              </a:spcAft>
+              <a:buSzPct val="60000"/>
+              <a:buBlip>
+                <a:blip r:embed="rId2"/>
+              </a:buBlip>
+              <a:defRPr sz="1400">
+                <a:solidFill>
+                  <a:schemeClr val="tx1"/>
+                </a:solidFill>
+                <a:latin typeface="Arial" panose="020B0604020202020204" pitchFamily="34" charset="0"/>
+              </a:defRPr>
+            </a:lvl6pPr>
+            <a:lvl7pPr marL="2971800" indent="-228600" eaLnBrk="0" fontAlgn="base" hangingPunct="0">
+              <a:spcBef>
+                <a:spcPct val="20000"/>
+              </a:spcBef>
+              <a:spcAft>
+                <a:spcPct val="0"/>
+              </a:spcAft>
+              <a:buSzPct val="60000"/>
+              <a:buBlip>
+                <a:blip r:embed="rId2"/>
+              </a:buBlip>
+              <a:defRPr sz="1400">
+                <a:solidFill>
+                  <a:schemeClr val="tx1"/>
+                </a:solidFill>
+                <a:latin typeface="Arial" panose="020B0604020202020204" pitchFamily="34" charset="0"/>
+              </a:defRPr>
+            </a:lvl7pPr>
+            <a:lvl8pPr marL="3429000" indent="-228600" eaLnBrk="0" fontAlgn="base" hangingPunct="0">
+              <a:spcBef>
+                <a:spcPct val="20000"/>
+              </a:spcBef>
+              <a:spcAft>
+                <a:spcPct val="0"/>
+              </a:spcAft>
+              <a:buSzPct val="60000"/>
+              <a:buBlip>
+                <a:blip r:embed="rId2"/>
+              </a:buBlip>
+              <a:defRPr sz="1400">
+                <a:solidFill>
+                  <a:schemeClr val="tx1"/>
+                </a:solidFill>
+                <a:latin typeface="Arial" panose="020B0604020202020204" pitchFamily="34" charset="0"/>
+              </a:defRPr>
+            </a:lvl8pPr>
+            <a:lvl9pPr marL="3886200" indent="-228600" eaLnBrk="0" fontAlgn="base" hangingPunct="0">
+              <a:spcBef>
+                <a:spcPct val="20000"/>
+              </a:spcBef>
+              <a:spcAft>
+                <a:spcPct val="0"/>
+              </a:spcAft>
+              <a:buSzPct val="60000"/>
+              <a:buBlip>
+                <a:blip r:embed="rId2"/>
+              </a:buBlip>
+              <a:defRPr sz="1400">
+                <a:solidFill>
+                  <a:schemeClr val="tx1"/>
+                </a:solidFill>
+                <a:latin typeface="Arial" panose="020B0604020202020204" pitchFamily="34" charset="0"/>
+              </a:defRPr>
+            </a:lvl9pPr>
+          </a:lstStyle>
+          <a:p>
+            <a:pPr>
+              <a:spcBef>
+                <a:spcPct val="50000"/>
+              </a:spcBef>
+              <a:buSzTx/>
+              <a:buFontTx/>
+              <a:buNone/>
+            </a:pPr>
+            <a:r>
+              <a:rPr lang="de-DE" altLang="de-DE" sz="900"/>
+              <a:t>Versionsmanagement: Git                                                              - B.Sc. Simon Müller, Denis Westerheide</a:t>
+            </a:r>
+          </a:p>
+        </p:txBody>
+      </p:sp>
+      <p:sp>
+        <p:nvSpPr>
+          <p:cNvPr id="32773" name="Foliennummernplatzhalter 4">
+            <a:extLst>
+              <a:ext uri="{FF2B5EF4-FFF2-40B4-BE49-F238E27FC236}">
+                <a16:creationId xmlns:a16="http://schemas.microsoft.com/office/drawing/2014/main" id="{63438053-B0CB-41C6-B3C4-C56EFCA44698}"/>
+              </a:ext>
+            </a:extLst>
+          </p:cNvPr>
+          <p:cNvSpPr>
+            <a:spLocks noGrp="1"/>
+          </p:cNvSpPr>
+          <p:nvPr>
+            <p:ph type="sldNum" sz="quarter" idx="11"/>
+          </p:nvPr>
+        </p:nvSpPr>
+        <p:spPr>
+          <a:noFill/>
+        </p:spPr>
+        <p:txBody>
+          <a:bodyPr/>
+          <a:lstStyle>
+            <a:lvl1pPr>
+              <a:spcBef>
+                <a:spcPct val="20000"/>
+              </a:spcBef>
+              <a:buSzPct val="70000"/>
+              <a:buBlip>
+                <a:blip r:embed="rId2"/>
+              </a:buBlip>
+              <a:defRPr sz="2400">
+                <a:solidFill>
+                  <a:schemeClr val="tx1"/>
+                </a:solidFill>
+                <a:latin typeface="Arial" panose="020B0604020202020204" pitchFamily="34" charset="0"/>
+              </a:defRPr>
+            </a:lvl1pPr>
+            <a:lvl2pPr marL="742950" indent="-285750">
+              <a:spcBef>
+                <a:spcPct val="20000"/>
+              </a:spcBef>
+              <a:buSzPct val="60000"/>
+              <a:buBlip>
+                <a:blip r:embed="rId2"/>
+              </a:buBlip>
+              <a:defRPr sz="2000">
+                <a:solidFill>
+                  <a:schemeClr val="tx1"/>
+                </a:solidFill>
+                <a:latin typeface="Arial" panose="020B0604020202020204" pitchFamily="34" charset="0"/>
+              </a:defRPr>
+            </a:lvl2pPr>
+            <a:lvl3pPr marL="1143000" indent="-228600">
+              <a:spcBef>
+                <a:spcPct val="20000"/>
+              </a:spcBef>
+              <a:buSzPct val="60000"/>
+              <a:buBlip>
+                <a:blip r:embed="rId2"/>
+              </a:buBlip>
+              <a:defRPr>
+                <a:solidFill>
+                  <a:schemeClr val="tx1"/>
+                </a:solidFill>
+                <a:latin typeface="Arial" panose="020B0604020202020204" pitchFamily="34" charset="0"/>
+              </a:defRPr>
+            </a:lvl3pPr>
+            <a:lvl4pPr marL="1600200" indent="-228600">
+              <a:spcBef>
+                <a:spcPct val="20000"/>
+              </a:spcBef>
+              <a:buSzPct val="60000"/>
+              <a:buBlip>
+                <a:blip r:embed="rId2"/>
+              </a:buBlip>
+              <a:defRPr sz="1600">
+                <a:solidFill>
+                  <a:schemeClr val="tx1"/>
+                </a:solidFill>
+                <a:latin typeface="Arial" panose="020B0604020202020204" pitchFamily="34" charset="0"/>
+              </a:defRPr>
+            </a:lvl4pPr>
+            <a:lvl5pPr marL="2057400" indent="-228600">
+              <a:spcBef>
+                <a:spcPct val="20000"/>
+              </a:spcBef>
+              <a:buSzPct val="60000"/>
+              <a:buBlip>
+                <a:blip r:embed="rId2"/>
+              </a:buBlip>
+              <a:defRPr sz="1400">
+                <a:solidFill>
+                  <a:schemeClr val="tx1"/>
+                </a:solidFill>
+                <a:latin typeface="Arial" panose="020B0604020202020204" pitchFamily="34" charset="0"/>
+              </a:defRPr>
+            </a:lvl5pPr>
+            <a:lvl6pPr marL="2514600" indent="-228600" eaLnBrk="0" fontAlgn="base" hangingPunct="0">
+              <a:spcBef>
+                <a:spcPct val="20000"/>
+              </a:spcBef>
+              <a:spcAft>
+                <a:spcPct val="0"/>
+              </a:spcAft>
+              <a:buSzPct val="60000"/>
+              <a:buBlip>
+                <a:blip r:embed="rId2"/>
+              </a:buBlip>
+              <a:defRPr sz="1400">
+                <a:solidFill>
+                  <a:schemeClr val="tx1"/>
+                </a:solidFill>
+                <a:latin typeface="Arial" panose="020B0604020202020204" pitchFamily="34" charset="0"/>
+              </a:defRPr>
+            </a:lvl6pPr>
+            <a:lvl7pPr marL="2971800" indent="-228600" eaLnBrk="0" fontAlgn="base" hangingPunct="0">
+              <a:spcBef>
+                <a:spcPct val="20000"/>
+              </a:spcBef>
+              <a:spcAft>
+                <a:spcPct val="0"/>
+              </a:spcAft>
+              <a:buSzPct val="60000"/>
+              <a:buBlip>
+                <a:blip r:embed="rId2"/>
+              </a:buBlip>
+              <a:defRPr sz="1400">
+                <a:solidFill>
+                  <a:schemeClr val="tx1"/>
+                </a:solidFill>
+                <a:latin typeface="Arial" panose="020B0604020202020204" pitchFamily="34" charset="0"/>
+              </a:defRPr>
+            </a:lvl7pPr>
+            <a:lvl8pPr marL="3429000" indent="-228600" eaLnBrk="0" fontAlgn="base" hangingPunct="0">
+              <a:spcBef>
+                <a:spcPct val="20000"/>
+              </a:spcBef>
+              <a:spcAft>
+                <a:spcPct val="0"/>
+              </a:spcAft>
+              <a:buSzPct val="60000"/>
+              <a:buBlip>
+                <a:blip r:embed="rId2"/>
+              </a:buBlip>
+              <a:defRPr sz="1400">
+                <a:solidFill>
+                  <a:schemeClr val="tx1"/>
+                </a:solidFill>
+                <a:latin typeface="Arial" panose="020B0604020202020204" pitchFamily="34" charset="0"/>
+              </a:defRPr>
+            </a:lvl8pPr>
+            <a:lvl9pPr marL="3886200" indent="-228600" eaLnBrk="0" fontAlgn="base" hangingPunct="0">
+              <a:spcBef>
+                <a:spcPct val="20000"/>
+              </a:spcBef>
+              <a:spcAft>
+                <a:spcPct val="0"/>
+              </a:spcAft>
+              <a:buSzPct val="60000"/>
+              <a:buBlip>
+                <a:blip r:embed="rId2"/>
+              </a:buBlip>
+              <a:defRPr sz="1400">
+                <a:solidFill>
+                  <a:schemeClr val="tx1"/>
+                </a:solidFill>
+                <a:latin typeface="Arial" panose="020B0604020202020204" pitchFamily="34" charset="0"/>
+              </a:defRPr>
+            </a:lvl9pPr>
+          </a:lstStyle>
+          <a:p>
+            <a:pPr>
+              <a:spcBef>
+                <a:spcPct val="0"/>
+              </a:spcBef>
+              <a:buSzTx/>
+              <a:buFontTx/>
+              <a:buNone/>
+            </a:pPr>
+            <a:fld id="{F02C4F9F-CD58-41B2-BE5D-6B2465D74883}" type="slidenum">
+              <a:rPr lang="de-DE" altLang="de-DE" sz="900" smtClean="0"/>
+              <a:pPr>
+                <a:spcBef>
+                  <a:spcPct val="0"/>
+                </a:spcBef>
+                <a:buSzTx/>
+                <a:buFontTx/>
+                <a:buNone/>
+              </a:pPr>
+              <a:t>30</a:t>
+            </a:fld>
+            <a:endParaRPr lang="de-DE" altLang="de-DE" sz="900"/>
+          </a:p>
+        </p:txBody>
+      </p:sp>
+      <p:sp>
+        <p:nvSpPr>
+          <p:cNvPr id="32774" name="Datumsplatzhalter 5">
+            <a:extLst>
+              <a:ext uri="{FF2B5EF4-FFF2-40B4-BE49-F238E27FC236}">
+                <a16:creationId xmlns:a16="http://schemas.microsoft.com/office/drawing/2014/main" id="{5BF0F4EA-F385-42FC-BFF2-AB4D94C4AEFD}"/>
+              </a:ext>
+            </a:extLst>
+          </p:cNvPr>
+          <p:cNvSpPr>
+            <a:spLocks noGrp="1"/>
+          </p:cNvSpPr>
+          <p:nvPr>
+            <p:ph type="dt" sz="quarter" idx="12"/>
+          </p:nvPr>
+        </p:nvSpPr>
+        <p:spPr>
+          <a:noFill/>
+        </p:spPr>
+        <p:txBody>
+          <a:bodyPr/>
+          <a:lstStyle>
+            <a:lvl1pPr>
+              <a:spcBef>
+                <a:spcPct val="20000"/>
+              </a:spcBef>
+              <a:buSzPct val="70000"/>
+              <a:buBlip>
+                <a:blip r:embed="rId2"/>
+              </a:buBlip>
+              <a:defRPr sz="2400">
+                <a:solidFill>
+                  <a:schemeClr val="tx1"/>
+                </a:solidFill>
+                <a:latin typeface="Arial" panose="020B0604020202020204" pitchFamily="34" charset="0"/>
+              </a:defRPr>
+            </a:lvl1pPr>
+            <a:lvl2pPr marL="742950" indent="-285750">
+              <a:spcBef>
+                <a:spcPct val="20000"/>
+              </a:spcBef>
+              <a:buSzPct val="60000"/>
+              <a:buBlip>
+                <a:blip r:embed="rId2"/>
+              </a:buBlip>
+              <a:defRPr sz="2000">
+                <a:solidFill>
+                  <a:schemeClr val="tx1"/>
+                </a:solidFill>
+                <a:latin typeface="Arial" panose="020B0604020202020204" pitchFamily="34" charset="0"/>
+              </a:defRPr>
+            </a:lvl2pPr>
+            <a:lvl3pPr marL="1143000" indent="-228600">
+              <a:spcBef>
+                <a:spcPct val="20000"/>
+              </a:spcBef>
+              <a:buSzPct val="60000"/>
+              <a:buBlip>
+                <a:blip r:embed="rId2"/>
+              </a:buBlip>
+              <a:defRPr>
+                <a:solidFill>
+                  <a:schemeClr val="tx1"/>
+                </a:solidFill>
+                <a:latin typeface="Arial" panose="020B0604020202020204" pitchFamily="34" charset="0"/>
+              </a:defRPr>
+            </a:lvl3pPr>
+            <a:lvl4pPr marL="1600200" indent="-228600">
+              <a:spcBef>
+                <a:spcPct val="20000"/>
+              </a:spcBef>
+              <a:buSzPct val="60000"/>
+              <a:buBlip>
+                <a:blip r:embed="rId2"/>
+              </a:buBlip>
+              <a:defRPr sz="1600">
+                <a:solidFill>
+                  <a:schemeClr val="tx1"/>
+                </a:solidFill>
+                <a:latin typeface="Arial" panose="020B0604020202020204" pitchFamily="34" charset="0"/>
+              </a:defRPr>
+            </a:lvl4pPr>
+            <a:lvl5pPr marL="2057400" indent="-228600">
+              <a:spcBef>
+                <a:spcPct val="20000"/>
+              </a:spcBef>
+              <a:buSzPct val="60000"/>
+              <a:buBlip>
+                <a:blip r:embed="rId2"/>
+              </a:buBlip>
+              <a:defRPr sz="1400">
+                <a:solidFill>
+                  <a:schemeClr val="tx1"/>
+                </a:solidFill>
+                <a:latin typeface="Arial" panose="020B0604020202020204" pitchFamily="34" charset="0"/>
+              </a:defRPr>
+            </a:lvl5pPr>
+            <a:lvl6pPr marL="2514600" indent="-228600" eaLnBrk="0" fontAlgn="base" hangingPunct="0">
+              <a:spcBef>
+                <a:spcPct val="20000"/>
+              </a:spcBef>
+              <a:spcAft>
+                <a:spcPct val="0"/>
+              </a:spcAft>
+              <a:buSzPct val="60000"/>
+              <a:buBlip>
+                <a:blip r:embed="rId2"/>
+              </a:buBlip>
+              <a:defRPr sz="1400">
+                <a:solidFill>
+                  <a:schemeClr val="tx1"/>
+                </a:solidFill>
+                <a:latin typeface="Arial" panose="020B0604020202020204" pitchFamily="34" charset="0"/>
+              </a:defRPr>
+            </a:lvl6pPr>
+            <a:lvl7pPr marL="2971800" indent="-228600" eaLnBrk="0" fontAlgn="base" hangingPunct="0">
+              <a:spcBef>
+                <a:spcPct val="20000"/>
+              </a:spcBef>
+              <a:spcAft>
+                <a:spcPct val="0"/>
+              </a:spcAft>
+              <a:buSzPct val="60000"/>
+              <a:buBlip>
+                <a:blip r:embed="rId2"/>
+              </a:buBlip>
+              <a:defRPr sz="1400">
+                <a:solidFill>
+                  <a:schemeClr val="tx1"/>
+                </a:solidFill>
+                <a:latin typeface="Arial" panose="020B0604020202020204" pitchFamily="34" charset="0"/>
+              </a:defRPr>
+            </a:lvl7pPr>
+            <a:lvl8pPr marL="3429000" indent="-228600" eaLnBrk="0" fontAlgn="base" hangingPunct="0">
+              <a:spcBef>
+                <a:spcPct val="20000"/>
+              </a:spcBef>
+              <a:spcAft>
+                <a:spcPct val="0"/>
+              </a:spcAft>
+              <a:buSzPct val="60000"/>
+              <a:buBlip>
+                <a:blip r:embed="rId2"/>
+              </a:buBlip>
+              <a:defRPr sz="1400">
+                <a:solidFill>
+                  <a:schemeClr val="tx1"/>
+                </a:solidFill>
+                <a:latin typeface="Arial" panose="020B0604020202020204" pitchFamily="34" charset="0"/>
+              </a:defRPr>
+            </a:lvl8pPr>
+            <a:lvl9pPr marL="3886200" indent="-228600" eaLnBrk="0" fontAlgn="base" hangingPunct="0">
+              <a:spcBef>
+                <a:spcPct val="20000"/>
+              </a:spcBef>
+              <a:spcAft>
+                <a:spcPct val="0"/>
+              </a:spcAft>
+              <a:buSzPct val="60000"/>
+              <a:buBlip>
+                <a:blip r:embed="rId2"/>
+              </a:buBlip>
+              <a:defRPr sz="1400">
+                <a:solidFill>
+                  <a:schemeClr val="tx1"/>
+                </a:solidFill>
+                <a:latin typeface="Arial" panose="020B0604020202020204" pitchFamily="34" charset="0"/>
+              </a:defRPr>
+            </a:lvl9pPr>
+          </a:lstStyle>
+          <a:p>
+            <a:pPr>
+              <a:spcBef>
+                <a:spcPct val="0"/>
+              </a:spcBef>
+              <a:buSzTx/>
+              <a:buFontTx/>
+              <a:buNone/>
+            </a:pPr>
+            <a:fld id="{7D9D10C4-D78B-4950-ACD4-1EE0724B46AD}" type="datetime1">
+              <a:rPr lang="de-DE" altLang="de-DE" sz="900" smtClean="0"/>
+              <a:pPr>
+                <a:spcBef>
+                  <a:spcPct val="0"/>
+                </a:spcBef>
+                <a:buSzTx/>
+                <a:buFontTx/>
+                <a:buNone/>
+              </a:pPr>
+              <a:t>14.05.2018</a:t>
+            </a:fld>
+            <a:endParaRPr lang="de-DE" altLang="de-DE" sz="900"/>
+          </a:p>
+        </p:txBody>
+      </p:sp>
+    </p:spTree>
+  </p:cSld>
+  <p:clrMapOvr>
+    <a:masterClrMapping/>
+  </p:clrMapOvr>
+</p:sld>
+</file>
+
+<file path=ppt/slides/slide31.xml><?xml version="1.0" encoding="utf-8"?>
 <p:sld xmlns:a="http://schemas.openxmlformats.org/drawingml/2006/main" xmlns:r="http://schemas.openxmlformats.org/officeDocument/2006/relationships" xmlns:p="http://schemas.openxmlformats.org/presentationml/2006/main" show="0">
   <p:cSld>
     <p:spTree>
@@ -37048,7 +37968,7 @@
                 <a:buFontTx/>
                 <a:buNone/>
               </a:pPr>
-              <a:t>30</a:t>
+              <a:t>31</a:t>
             </a:fld>
             <a:endParaRPr lang="de-DE" altLang="de-DE" sz="900"/>
           </a:p>
@@ -37243,7 +38163,7 @@
                 <a:buFontTx/>
                 <a:buNone/>
               </a:pPr>
-              <a:t>10.05.2018</a:t>
+              <a:t>14.05.2018</a:t>
             </a:fld>
             <a:endParaRPr lang="de-DE" altLang="de-DE" sz="900"/>
           </a:p>
@@ -37331,10 +38251,9 @@
           </a:p>
           <a:p>
             <a:r>
-              <a:rPr lang="de-DE" altLang="de-DE" dirty="0" err="1"/>
+              <a:rPr lang="de-DE" altLang="de-DE" dirty="0"/>
               <a:t>TortoiseGit</a:t>
             </a:r>
-            <a:endParaRPr lang="de-DE" altLang="de-DE" dirty="0"/>
           </a:p>
           <a:p>
             <a:pPr lvl="1"/>
@@ -37377,7 +38296,7 @@
 </p:sld>
 </file>
 
-<file path=ppt/slides/slide31.xml><?xml version="1.0" encoding="utf-8"?>
+<file path=ppt/slides/slide32.xml><?xml version="1.0" encoding="utf-8"?>
 <p:sld xmlns:a="http://schemas.openxmlformats.org/drawingml/2006/main" xmlns:r="http://schemas.openxmlformats.org/officeDocument/2006/relationships" xmlns:p="http://schemas.openxmlformats.org/presentationml/2006/main" show="0">
   <p:cSld>
     <p:spTree>
@@ -37663,7 +38582,7 @@
               <a:buNone/>
             </a:pPr>
             <a:r>
-              <a:rPr lang="de-DE" altLang="de-DE" sz="900"/>
+              <a:rPr lang="de-DE" altLang="de-DE" sz="900" dirty="0"/>
               <a:t>Denis Westerheide &amp; Simon Müller: Git &amp; TortoiseGit - Grundlagen und Anwendungsrezepte</a:t>
             </a:r>
           </a:p>
@@ -37858,7 +38777,7 @@
                 <a:buFontTx/>
                 <a:buNone/>
               </a:pPr>
-              <a:t>31</a:t>
+              <a:t>32</a:t>
             </a:fld>
             <a:endParaRPr lang="de-DE" altLang="de-DE" sz="900"/>
           </a:p>
@@ -38053,7 +38972,7 @@
                 <a:buFontTx/>
                 <a:buNone/>
               </a:pPr>
-              <a:t>10.05.2018</a:t>
+              <a:t>14.05.2018</a:t>
             </a:fld>
             <a:endParaRPr lang="de-DE" altLang="de-DE" sz="900"/>
           </a:p>
@@ -38642,7 +39561,7 @@
                 <a:buFontTx/>
                 <a:buNone/>
               </a:pPr>
-              <a:t>10.05.2018</a:t>
+              <a:t>14.05.2018</a:t>
             </a:fld>
             <a:endParaRPr lang="de-DE" altLang="de-DE" sz="900"/>
           </a:p>
@@ -39744,7 +40663,7 @@
               <a:buNone/>
             </a:pPr>
             <a:r>
-              <a:rPr lang="de-DE" altLang="de-DE" sz="900"/>
+              <a:rPr lang="de-DE" altLang="de-DE" sz="900" dirty="0"/>
               <a:t>Denis Westerheide &amp; Simon Müller: Git &amp; TortoiseGit - Grundlagen und Anwendungsrezepte</a:t>
             </a:r>
           </a:p>
@@ -41253,7 +42172,7 @@
                 <a:buFontTx/>
                 <a:buNone/>
               </a:pPr>
-              <a:t>10.05.2018</a:t>
+              <a:t>14.05.2018</a:t>
             </a:fld>
             <a:endParaRPr lang="de-DE" altLang="de-DE" sz="900"/>
           </a:p>
@@ -41999,7 +42918,7 @@
               <a:buNone/>
             </a:pPr>
             <a:r>
-              <a:rPr lang="de-DE" altLang="de-DE" sz="900"/>
+              <a:rPr lang="de-DE" altLang="de-DE" sz="900" dirty="0"/>
               <a:t>Denis Westerheide &amp; Simon Müller: Git &amp; TortoiseGit - Grundlagen und Anwendungsrezepte</a:t>
             </a:r>
           </a:p>
@@ -42994,7 +43913,7 @@
               <a:buNone/>
             </a:pPr>
             <a:r>
-              <a:rPr lang="de-DE" altLang="de-DE" sz="900"/>
+              <a:rPr lang="de-DE" altLang="de-DE" sz="900" dirty="0"/>
               <a:t>Denis Westerheide &amp; Simon Müller: Git &amp; TortoiseGit - Grundlagen und Anwendungsrezepte</a:t>
             </a:r>
           </a:p>
@@ -43384,7 +44303,7 @@
                 <a:buFontTx/>
                 <a:buNone/>
               </a:pPr>
-              <a:t>10.05.2018</a:t>
+              <a:t>14.05.2018</a:t>
             </a:fld>
             <a:endParaRPr lang="de-DE" altLang="de-DE" sz="900"/>
           </a:p>
@@ -44201,7 +45120,7 @@
           </a:lstStyle>
           <a:p>
             <a:r>
-              <a:rPr lang="de-DE" altLang="de-DE"/>
+              <a:rPr lang="de-DE" altLang="de-DE" dirty="0"/>
               <a:t>Denis Westerheide &amp; Simon Müller: Git &amp; TortoiseGit - Grundlagen und Anwendungsrezepte</a:t>
             </a:r>
           </a:p>
@@ -44459,7 +45378,7 @@
             <a:fld id="{41FF10CA-D7BF-4E94-AD88-3E264F8AC370}" type="datetime1">
               <a:rPr lang="de-DE" altLang="de-DE" smtClean="0"/>
               <a:pPr/>
-              <a:t>10.05.2018</a:t>
+              <a:t>14.05.2018</a:t>
             </a:fld>
             <a:endParaRPr lang="de-DE" altLang="de-DE"/>
           </a:p>
@@ -45394,7 +46313,7 @@
               <a:buNone/>
             </a:pPr>
             <a:r>
-              <a:rPr lang="de-DE" altLang="de-DE" sz="900"/>
+              <a:rPr lang="de-DE" altLang="de-DE" sz="900" dirty="0"/>
               <a:t>Denis Westerheide &amp; Simon Müller: Git &amp; TortoiseGit - Grundlagen und Anwendungsrezepte</a:t>
             </a:r>
           </a:p>
@@ -45784,7 +46703,7 @@
                 <a:buFontTx/>
                 <a:buNone/>
               </a:pPr>
-              <a:t>10.05.2018</a:t>
+              <a:t>14.05.2018</a:t>
             </a:fld>
             <a:endParaRPr lang="de-DE" altLang="de-DE" sz="900"/>
           </a:p>
@@ -46822,7 +47741,7 @@
               <a:buNone/>
             </a:pPr>
             <a:r>
-              <a:rPr lang="de-DE" altLang="de-DE" sz="900"/>
+              <a:rPr lang="de-DE" altLang="de-DE" sz="900" dirty="0"/>
               <a:t>Denis Westerheide &amp; Simon Müller: Git &amp; TortoiseGit - Grundlagen und Anwendungsrezepte</a:t>
             </a:r>
           </a:p>
@@ -47212,7 +48131,7 @@
                 <a:buFontTx/>
                 <a:buNone/>
               </a:pPr>
-              <a:t>10.05.2018</a:t>
+              <a:t>14.05.2018</a:t>
             </a:fld>
             <a:endParaRPr lang="de-DE" altLang="de-DE" sz="900"/>
           </a:p>

--- a/Präsentation/09_Versionsmanagement_Git.pptx
+++ b/Präsentation/09_Versionsmanagement_Git.pptx
@@ -45,7 +45,7 @@
     <p:sldId id="270" r:id="rId33"/>
   </p:sldIdLst>
   <p:sldSz cx="9144000" cy="6858000" type="screen4x3"/>
-  <p:notesSz cx="7102475" cy="10233025"/>
+  <p:notesSz cx="7104063" cy="10234613"/>
   <p:embeddedFontLst>
     <p:embeddedFont>
       <p:font typeface="Consolas" panose="020B0609020204030204" pitchFamily="49" charset="0"/>
@@ -261,12 +261,12 @@
     </p:ext>
     <p:ext uri="{2D200454-40CA-4A62-9FC3-DE9A4176ACB9}">
       <p15:notesGuideLst xmlns:p15="http://schemas.microsoft.com/office/powerpoint/2012/main">
-        <p15:guide id="1" orient="horz" pos="3223">
+        <p15:guide id="1" orient="horz" pos="3224" userDrawn="1">
           <p15:clr>
             <a:srgbClr val="A4A3A4"/>
           </p15:clr>
         </p15:guide>
-        <p15:guide id="2" pos="2237">
+        <p15:guide id="2" pos="2238" userDrawn="1">
           <p15:clr>
             <a:srgbClr val="A4A3A4"/>
           </p15:clr>
@@ -326,8 +326,8 @@
         </p:nvSpPr>
         <p:spPr bwMode="auto">
           <a:xfrm>
-            <a:off x="3790950" y="523875"/>
-            <a:ext cx="2857500" cy="312738"/>
+            <a:off x="3791798" y="523956"/>
+            <a:ext cx="2858139" cy="312787"/>
           </a:xfrm>
           <a:prstGeom prst="rect">
             <a:avLst/>
@@ -367,7 +367,7 @@
           </a:extLst>
         </p:spPr>
         <p:txBody>
-          <a:bodyPr vert="horz" wrap="square" lIns="99055" tIns="49528" rIns="99055" bIns="49528" numCol="1" anchor="b" anchorCtr="0" compatLnSpc="1">
+          <a:bodyPr vert="horz" wrap="square" lIns="99065" tIns="49533" rIns="99065" bIns="49533" numCol="1" anchor="b" anchorCtr="0" compatLnSpc="1">
             <a:prstTxWarp prst="textNoShape">
               <a:avLst/>
             </a:prstTxWarp>
@@ -417,8 +417,8 @@
         </p:blipFill>
         <p:spPr bwMode="auto">
           <a:xfrm>
-            <a:off x="568325" y="120650"/>
-            <a:ext cx="1120775" cy="725488"/>
+            <a:off x="568452" y="120669"/>
+            <a:ext cx="1121026" cy="725601"/>
           </a:xfrm>
           <a:prstGeom prst="rect">
             <a:avLst/>
@@ -464,8 +464,8 @@
         </p:nvSpPr>
         <p:spPr bwMode="auto">
           <a:xfrm>
-            <a:off x="560388" y="9548813"/>
-            <a:ext cx="2684462" cy="412750"/>
+            <a:off x="560513" y="9550295"/>
+            <a:ext cx="2685062" cy="412814"/>
           </a:xfrm>
           <a:prstGeom prst="rect">
             <a:avLst/>
@@ -682,8 +682,8 @@
         </p:blipFill>
         <p:spPr bwMode="auto">
           <a:xfrm>
-            <a:off x="3775075" y="9504363"/>
-            <a:ext cx="1193800" cy="323850"/>
+            <a:off x="3775919" y="9505838"/>
+            <a:ext cx="1194067" cy="323900"/>
           </a:xfrm>
           <a:prstGeom prst="rect">
             <a:avLst/>
@@ -742,8 +742,8 @@
         </p:blipFill>
         <p:spPr bwMode="auto">
           <a:xfrm>
-            <a:off x="5192713" y="9504363"/>
-            <a:ext cx="1338262" cy="234950"/>
+            <a:off x="5193874" y="9505838"/>
+            <a:ext cx="1338561" cy="234986"/>
           </a:xfrm>
           <a:prstGeom prst="rect">
             <a:avLst/>
@@ -822,8 +822,8 @@
         </p:nvSpPr>
         <p:spPr bwMode="auto">
           <a:xfrm>
-            <a:off x="0" y="0"/>
-            <a:ext cx="3078163" cy="511175"/>
+            <a:off x="1" y="1"/>
+            <a:ext cx="3078851" cy="511254"/>
           </a:xfrm>
           <a:prstGeom prst="rect">
             <a:avLst/>
@@ -863,7 +863,7 @@
           </a:extLst>
         </p:spPr>
         <p:txBody>
-          <a:bodyPr vert="horz" wrap="square" lIns="99055" tIns="49528" rIns="99055" bIns="49528" numCol="1" anchor="t" anchorCtr="0" compatLnSpc="1">
+          <a:bodyPr vert="horz" wrap="square" lIns="99065" tIns="49533" rIns="99065" bIns="49533" numCol="1" anchor="t" anchorCtr="0" compatLnSpc="1">
             <a:prstTxWarp prst="textNoShape">
               <a:avLst/>
             </a:prstTxWarp>
@@ -899,8 +899,8 @@
         </p:nvSpPr>
         <p:spPr bwMode="auto">
           <a:xfrm>
-            <a:off x="4022725" y="0"/>
-            <a:ext cx="3078163" cy="511175"/>
+            <a:off x="4023625" y="1"/>
+            <a:ext cx="3078851" cy="511254"/>
           </a:xfrm>
           <a:prstGeom prst="rect">
             <a:avLst/>
@@ -940,7 +940,7 @@
           </a:extLst>
         </p:spPr>
         <p:txBody>
-          <a:bodyPr vert="horz" wrap="square" lIns="99055" tIns="49528" rIns="99055" bIns="49528" numCol="1" anchor="t" anchorCtr="0" compatLnSpc="1">
+          <a:bodyPr vert="horz" wrap="square" lIns="99065" tIns="49533" rIns="99065" bIns="49533" numCol="1" anchor="t" anchorCtr="0" compatLnSpc="1">
             <a:prstTxWarp prst="textNoShape">
               <a:avLst/>
             </a:prstTxWarp>
@@ -977,7 +977,7 @@
         <p:spPr bwMode="auto">
           <a:xfrm>
             <a:off x="993775" y="768350"/>
-            <a:ext cx="5114925" cy="3836988"/>
+            <a:ext cx="5116513" cy="3836988"/>
           </a:xfrm>
           <a:prstGeom prst="rect">
             <a:avLst/>
@@ -1033,8 +1033,8 @@
         </p:nvSpPr>
         <p:spPr bwMode="auto">
           <a:xfrm>
-            <a:off x="709613" y="4860925"/>
-            <a:ext cx="5683250" cy="4605338"/>
+            <a:off x="709772" y="4861679"/>
+            <a:ext cx="5684521" cy="4606053"/>
           </a:xfrm>
           <a:prstGeom prst="rect">
             <a:avLst/>
@@ -1074,7 +1074,7 @@
           </a:extLst>
         </p:spPr>
         <p:txBody>
-          <a:bodyPr vert="horz" wrap="square" lIns="99055" tIns="49528" rIns="99055" bIns="49528" numCol="1" anchor="t" anchorCtr="0" compatLnSpc="1">
+          <a:bodyPr vert="horz" wrap="square" lIns="99065" tIns="49533" rIns="99065" bIns="49533" numCol="1" anchor="t" anchorCtr="0" compatLnSpc="1">
             <a:prstTxWarp prst="textNoShape">
               <a:avLst/>
             </a:prstTxWarp>
@@ -1135,8 +1135,8 @@
         </p:nvSpPr>
         <p:spPr bwMode="auto">
           <a:xfrm>
-            <a:off x="0" y="9720263"/>
-            <a:ext cx="3078163" cy="511175"/>
+            <a:off x="1" y="9721772"/>
+            <a:ext cx="3078851" cy="511254"/>
           </a:xfrm>
           <a:prstGeom prst="rect">
             <a:avLst/>
@@ -1176,7 +1176,7 @@
           </a:extLst>
         </p:spPr>
         <p:txBody>
-          <a:bodyPr vert="horz" wrap="square" lIns="99055" tIns="49528" rIns="99055" bIns="49528" numCol="1" anchor="b" anchorCtr="0" compatLnSpc="1">
+          <a:bodyPr vert="horz" wrap="square" lIns="99065" tIns="49533" rIns="99065" bIns="49533" numCol="1" anchor="b" anchorCtr="0" compatLnSpc="1">
             <a:prstTxWarp prst="textNoShape">
               <a:avLst/>
             </a:prstTxWarp>
@@ -1215,8 +1215,8 @@
         </p:nvSpPr>
         <p:spPr bwMode="auto">
           <a:xfrm>
-            <a:off x="4022725" y="9720263"/>
-            <a:ext cx="3078163" cy="511175"/>
+            <a:off x="4023625" y="9721772"/>
+            <a:ext cx="3078851" cy="511254"/>
           </a:xfrm>
           <a:prstGeom prst="rect">
             <a:avLst/>
@@ -1256,7 +1256,7 @@
           </a:extLst>
         </p:spPr>
         <p:txBody>
-          <a:bodyPr vert="horz" wrap="square" lIns="99055" tIns="49528" rIns="99055" bIns="49528" numCol="1" anchor="b" anchorCtr="0" compatLnSpc="1">
+          <a:bodyPr vert="horz" wrap="square" lIns="99065" tIns="49533" rIns="99065" bIns="49533" numCol="1" anchor="b" anchorCtr="0" compatLnSpc="1">
             <a:prstTxWarp prst="textNoShape">
               <a:avLst/>
             </a:prstTxWarp>
@@ -1504,7 +1504,7 @@
                 <a:latin typeface="Arial" panose="020B0604020202020204" pitchFamily="34" charset="0"/>
               </a:defRPr>
             </a:lvl1pPr>
-            <a:lvl2pPr marL="742950" indent="-285750">
+            <a:lvl2pPr marL="743024" indent="-285779">
               <a:defRPr>
                 <a:solidFill>
                   <a:schemeClr val="tx1"/>
@@ -1512,7 +1512,7 @@
                 <a:latin typeface="Arial" panose="020B0604020202020204" pitchFamily="34" charset="0"/>
               </a:defRPr>
             </a:lvl2pPr>
-            <a:lvl3pPr marL="1143000" indent="-228600">
+            <a:lvl3pPr marL="1143114" indent="-228623">
               <a:defRPr>
                 <a:solidFill>
                   <a:schemeClr val="tx1"/>
@@ -1520,7 +1520,7 @@
                 <a:latin typeface="Arial" panose="020B0604020202020204" pitchFamily="34" charset="0"/>
               </a:defRPr>
             </a:lvl3pPr>
-            <a:lvl4pPr marL="1600200" indent="-228600">
+            <a:lvl4pPr marL="1600360" indent="-228623">
               <a:defRPr>
                 <a:solidFill>
                   <a:schemeClr val="tx1"/>
@@ -1528,7 +1528,7 @@
                 <a:latin typeface="Arial" panose="020B0604020202020204" pitchFamily="34" charset="0"/>
               </a:defRPr>
             </a:lvl4pPr>
-            <a:lvl5pPr marL="2057400" indent="-228600">
+            <a:lvl5pPr marL="2057606" indent="-228623">
               <a:defRPr>
                 <a:solidFill>
                   <a:schemeClr val="tx1"/>
@@ -1536,7 +1536,7 @@
                 <a:latin typeface="Arial" panose="020B0604020202020204" pitchFamily="34" charset="0"/>
               </a:defRPr>
             </a:lvl5pPr>
-            <a:lvl6pPr marL="2514600" indent="-228600" eaLnBrk="0" fontAlgn="base" hangingPunct="0">
+            <a:lvl6pPr marL="2514851" indent="-228623" eaLnBrk="0" fontAlgn="base" hangingPunct="0">
               <a:spcBef>
                 <a:spcPct val="0"/>
               </a:spcBef>
@@ -1550,7 +1550,7 @@
                 <a:latin typeface="Arial" panose="020B0604020202020204" pitchFamily="34" charset="0"/>
               </a:defRPr>
             </a:lvl6pPr>
-            <a:lvl7pPr marL="2971800" indent="-228600" eaLnBrk="0" fontAlgn="base" hangingPunct="0">
+            <a:lvl7pPr marL="2972097" indent="-228623" eaLnBrk="0" fontAlgn="base" hangingPunct="0">
               <a:spcBef>
                 <a:spcPct val="0"/>
               </a:spcBef>
@@ -1564,7 +1564,7 @@
                 <a:latin typeface="Arial" panose="020B0604020202020204" pitchFamily="34" charset="0"/>
               </a:defRPr>
             </a:lvl7pPr>
-            <a:lvl8pPr marL="3429000" indent="-228600" eaLnBrk="0" fontAlgn="base" hangingPunct="0">
+            <a:lvl8pPr marL="3429343" indent="-228623" eaLnBrk="0" fontAlgn="base" hangingPunct="0">
               <a:spcBef>
                 <a:spcPct val="0"/>
               </a:spcBef>
@@ -1578,7 +1578,7 @@
                 <a:latin typeface="Arial" panose="020B0604020202020204" pitchFamily="34" charset="0"/>
               </a:defRPr>
             </a:lvl8pPr>
-            <a:lvl9pPr marL="3886200" indent="-228600" eaLnBrk="0" fontAlgn="base" hangingPunct="0">
+            <a:lvl9pPr marL="3886589" indent="-228623" eaLnBrk="0" fontAlgn="base" hangingPunct="0">
               <a:spcBef>
                 <a:spcPct val="0"/>
               </a:spcBef>
@@ -1631,7 +1631,7 @@
                 <a:latin typeface="Arial" panose="020B0604020202020204" pitchFamily="34" charset="0"/>
               </a:defRPr>
             </a:lvl1pPr>
-            <a:lvl2pPr marL="742950" indent="-285750">
+            <a:lvl2pPr marL="743024" indent="-285779">
               <a:defRPr>
                 <a:solidFill>
                   <a:schemeClr val="tx1"/>
@@ -1639,7 +1639,7 @@
                 <a:latin typeface="Arial" panose="020B0604020202020204" pitchFamily="34" charset="0"/>
               </a:defRPr>
             </a:lvl2pPr>
-            <a:lvl3pPr marL="1143000" indent="-228600">
+            <a:lvl3pPr marL="1143114" indent="-228623">
               <a:defRPr>
                 <a:solidFill>
                   <a:schemeClr val="tx1"/>
@@ -1647,7 +1647,7 @@
                 <a:latin typeface="Arial" panose="020B0604020202020204" pitchFamily="34" charset="0"/>
               </a:defRPr>
             </a:lvl3pPr>
-            <a:lvl4pPr marL="1600200" indent="-228600">
+            <a:lvl4pPr marL="1600360" indent="-228623">
               <a:defRPr>
                 <a:solidFill>
                   <a:schemeClr val="tx1"/>
@@ -1655,7 +1655,7 @@
                 <a:latin typeface="Arial" panose="020B0604020202020204" pitchFamily="34" charset="0"/>
               </a:defRPr>
             </a:lvl4pPr>
-            <a:lvl5pPr marL="2057400" indent="-228600">
+            <a:lvl5pPr marL="2057606" indent="-228623">
               <a:defRPr>
                 <a:solidFill>
                   <a:schemeClr val="tx1"/>
@@ -1663,7 +1663,7 @@
                 <a:latin typeface="Arial" panose="020B0604020202020204" pitchFamily="34" charset="0"/>
               </a:defRPr>
             </a:lvl5pPr>
-            <a:lvl6pPr marL="2514600" indent="-228600" eaLnBrk="0" fontAlgn="base" hangingPunct="0">
+            <a:lvl6pPr marL="2514851" indent="-228623" eaLnBrk="0" fontAlgn="base" hangingPunct="0">
               <a:spcBef>
                 <a:spcPct val="0"/>
               </a:spcBef>
@@ -1677,7 +1677,7 @@
                 <a:latin typeface="Arial" panose="020B0604020202020204" pitchFamily="34" charset="0"/>
               </a:defRPr>
             </a:lvl6pPr>
-            <a:lvl7pPr marL="2971800" indent="-228600" eaLnBrk="0" fontAlgn="base" hangingPunct="0">
+            <a:lvl7pPr marL="2972097" indent="-228623" eaLnBrk="0" fontAlgn="base" hangingPunct="0">
               <a:spcBef>
                 <a:spcPct val="0"/>
               </a:spcBef>
@@ -1691,7 +1691,7 @@
                 <a:latin typeface="Arial" panose="020B0604020202020204" pitchFamily="34" charset="0"/>
               </a:defRPr>
             </a:lvl7pPr>
-            <a:lvl8pPr marL="3429000" indent="-228600" eaLnBrk="0" fontAlgn="base" hangingPunct="0">
+            <a:lvl8pPr marL="3429343" indent="-228623" eaLnBrk="0" fontAlgn="base" hangingPunct="0">
               <a:spcBef>
                 <a:spcPct val="0"/>
               </a:spcBef>
@@ -1705,7 +1705,7 @@
                 <a:latin typeface="Arial" panose="020B0604020202020204" pitchFamily="34" charset="0"/>
               </a:defRPr>
             </a:lvl8pPr>
-            <a:lvl9pPr marL="3886200" indent="-228600" eaLnBrk="0" fontAlgn="base" hangingPunct="0">
+            <a:lvl9pPr marL="3886589" indent="-228623" eaLnBrk="0" fontAlgn="base" hangingPunct="0">
               <a:spcBef>
                 <a:spcPct val="0"/>
               </a:spcBef>
@@ -1840,7 +1840,7 @@
                 <a:latin typeface="Arial" panose="020B0604020202020204" pitchFamily="34" charset="0"/>
               </a:defRPr>
             </a:lvl1pPr>
-            <a:lvl2pPr marL="803275" indent="-307975">
+            <a:lvl2pPr marL="803355" indent="-308006">
               <a:defRPr>
                 <a:solidFill>
                   <a:schemeClr val="tx1"/>
@@ -1848,7 +1848,7 @@
                 <a:latin typeface="Arial" panose="020B0604020202020204" pitchFamily="34" charset="0"/>
               </a:defRPr>
             </a:lvl2pPr>
-            <a:lvl3pPr marL="1236663" indent="-246063">
+            <a:lvl3pPr marL="1236787" indent="-246088">
               <a:defRPr>
                 <a:solidFill>
                   <a:schemeClr val="tx1"/>
@@ -1856,7 +1856,7 @@
                 <a:latin typeface="Arial" panose="020B0604020202020204" pitchFamily="34" charset="0"/>
               </a:defRPr>
             </a:lvl3pPr>
-            <a:lvl4pPr marL="1731963" indent="-246063">
+            <a:lvl4pPr marL="1732136" indent="-246088">
               <a:defRPr>
                 <a:solidFill>
                   <a:schemeClr val="tx1"/>
@@ -1864,7 +1864,7 @@
                 <a:latin typeface="Arial" panose="020B0604020202020204" pitchFamily="34" charset="0"/>
               </a:defRPr>
             </a:lvl4pPr>
-            <a:lvl5pPr marL="2227263" indent="-246063">
+            <a:lvl5pPr marL="2227486" indent="-246088">
               <a:defRPr>
                 <a:solidFill>
                   <a:schemeClr val="tx1"/>
@@ -1872,7 +1872,7 @@
                 <a:latin typeface="Arial" panose="020B0604020202020204" pitchFamily="34" charset="0"/>
               </a:defRPr>
             </a:lvl5pPr>
-            <a:lvl6pPr marL="2684463" indent="-246063" eaLnBrk="0" fontAlgn="base" hangingPunct="0">
+            <a:lvl6pPr marL="2684731" indent="-246088" eaLnBrk="0" fontAlgn="base" hangingPunct="0">
               <a:spcBef>
                 <a:spcPct val="0"/>
               </a:spcBef>
@@ -1886,7 +1886,7 @@
                 <a:latin typeface="Arial" panose="020B0604020202020204" pitchFamily="34" charset="0"/>
               </a:defRPr>
             </a:lvl6pPr>
-            <a:lvl7pPr marL="3141663" indent="-246063" eaLnBrk="0" fontAlgn="base" hangingPunct="0">
+            <a:lvl7pPr marL="3141977" indent="-246088" eaLnBrk="0" fontAlgn="base" hangingPunct="0">
               <a:spcBef>
                 <a:spcPct val="0"/>
               </a:spcBef>
@@ -1900,7 +1900,7 @@
                 <a:latin typeface="Arial" panose="020B0604020202020204" pitchFamily="34" charset="0"/>
               </a:defRPr>
             </a:lvl7pPr>
-            <a:lvl8pPr marL="3598863" indent="-246063" eaLnBrk="0" fontAlgn="base" hangingPunct="0">
+            <a:lvl8pPr marL="3599223" indent="-246088" eaLnBrk="0" fontAlgn="base" hangingPunct="0">
               <a:spcBef>
                 <a:spcPct val="0"/>
               </a:spcBef>
@@ -1914,7 +1914,7 @@
                 <a:latin typeface="Arial" panose="020B0604020202020204" pitchFamily="34" charset="0"/>
               </a:defRPr>
             </a:lvl8pPr>
-            <a:lvl9pPr marL="4056063" indent="-246063" eaLnBrk="0" fontAlgn="base" hangingPunct="0">
+            <a:lvl9pPr marL="4056469" indent="-246088" eaLnBrk="0" fontAlgn="base" hangingPunct="0">
               <a:spcBef>
                 <a:spcPct val="0"/>
               </a:spcBef>
@@ -1967,7 +1967,7 @@
                 <a:latin typeface="Arial" panose="020B0604020202020204" pitchFamily="34" charset="0"/>
               </a:defRPr>
             </a:lvl1pPr>
-            <a:lvl2pPr marL="803275" indent="-307975">
+            <a:lvl2pPr marL="803355" indent="-308006">
               <a:defRPr>
                 <a:solidFill>
                   <a:schemeClr val="tx1"/>
@@ -1975,7 +1975,7 @@
                 <a:latin typeface="Arial" panose="020B0604020202020204" pitchFamily="34" charset="0"/>
               </a:defRPr>
             </a:lvl2pPr>
-            <a:lvl3pPr marL="1236663" indent="-246063">
+            <a:lvl3pPr marL="1236787" indent="-246088">
               <a:defRPr>
                 <a:solidFill>
                   <a:schemeClr val="tx1"/>
@@ -1983,7 +1983,7 @@
                 <a:latin typeface="Arial" panose="020B0604020202020204" pitchFamily="34" charset="0"/>
               </a:defRPr>
             </a:lvl3pPr>
-            <a:lvl4pPr marL="1731963" indent="-246063">
+            <a:lvl4pPr marL="1732136" indent="-246088">
               <a:defRPr>
                 <a:solidFill>
                   <a:schemeClr val="tx1"/>
@@ -1991,7 +1991,7 @@
                 <a:latin typeface="Arial" panose="020B0604020202020204" pitchFamily="34" charset="0"/>
               </a:defRPr>
             </a:lvl4pPr>
-            <a:lvl5pPr marL="2227263" indent="-246063">
+            <a:lvl5pPr marL="2227486" indent="-246088">
               <a:defRPr>
                 <a:solidFill>
                   <a:schemeClr val="tx1"/>
@@ -1999,7 +1999,7 @@
                 <a:latin typeface="Arial" panose="020B0604020202020204" pitchFamily="34" charset="0"/>
               </a:defRPr>
             </a:lvl5pPr>
-            <a:lvl6pPr marL="2684463" indent="-246063" eaLnBrk="0" fontAlgn="base" hangingPunct="0">
+            <a:lvl6pPr marL="2684731" indent="-246088" eaLnBrk="0" fontAlgn="base" hangingPunct="0">
               <a:spcBef>
                 <a:spcPct val="0"/>
               </a:spcBef>
@@ -2013,7 +2013,7 @@
                 <a:latin typeface="Arial" panose="020B0604020202020204" pitchFamily="34" charset="0"/>
               </a:defRPr>
             </a:lvl6pPr>
-            <a:lvl7pPr marL="3141663" indent="-246063" eaLnBrk="0" fontAlgn="base" hangingPunct="0">
+            <a:lvl7pPr marL="3141977" indent="-246088" eaLnBrk="0" fontAlgn="base" hangingPunct="0">
               <a:spcBef>
                 <a:spcPct val="0"/>
               </a:spcBef>
@@ -2027,7 +2027,7 @@
                 <a:latin typeface="Arial" panose="020B0604020202020204" pitchFamily="34" charset="0"/>
               </a:defRPr>
             </a:lvl7pPr>
-            <a:lvl8pPr marL="3598863" indent="-246063" eaLnBrk="0" fontAlgn="base" hangingPunct="0">
+            <a:lvl8pPr marL="3599223" indent="-246088" eaLnBrk="0" fontAlgn="base" hangingPunct="0">
               <a:spcBef>
                 <a:spcPct val="0"/>
               </a:spcBef>
@@ -2041,7 +2041,7 @@
                 <a:latin typeface="Arial" panose="020B0604020202020204" pitchFamily="34" charset="0"/>
               </a:defRPr>
             </a:lvl8pPr>
-            <a:lvl9pPr marL="4056063" indent="-246063" eaLnBrk="0" fontAlgn="base" hangingPunct="0">
+            <a:lvl9pPr marL="4056469" indent="-246088" eaLnBrk="0" fontAlgn="base" hangingPunct="0">
               <a:spcBef>
                 <a:spcPct val="0"/>
               </a:spcBef>
@@ -2168,7 +2168,7 @@
                 <a:latin typeface="Arial" panose="020B0604020202020204" pitchFamily="34" charset="0"/>
               </a:defRPr>
             </a:lvl1pPr>
-            <a:lvl2pPr marL="803275" indent="-307975">
+            <a:lvl2pPr marL="803355" indent="-308006">
               <a:defRPr>
                 <a:solidFill>
                   <a:schemeClr val="tx1"/>
@@ -2176,7 +2176,7 @@
                 <a:latin typeface="Arial" panose="020B0604020202020204" pitchFamily="34" charset="0"/>
               </a:defRPr>
             </a:lvl2pPr>
-            <a:lvl3pPr marL="1236663" indent="-246063">
+            <a:lvl3pPr marL="1236787" indent="-246088">
               <a:defRPr>
                 <a:solidFill>
                   <a:schemeClr val="tx1"/>
@@ -2184,7 +2184,7 @@
                 <a:latin typeface="Arial" panose="020B0604020202020204" pitchFamily="34" charset="0"/>
               </a:defRPr>
             </a:lvl3pPr>
-            <a:lvl4pPr marL="1731963" indent="-246063">
+            <a:lvl4pPr marL="1732136" indent="-246088">
               <a:defRPr>
                 <a:solidFill>
                   <a:schemeClr val="tx1"/>
@@ -2192,7 +2192,7 @@
                 <a:latin typeface="Arial" panose="020B0604020202020204" pitchFamily="34" charset="0"/>
               </a:defRPr>
             </a:lvl4pPr>
-            <a:lvl5pPr marL="2227263" indent="-246063">
+            <a:lvl5pPr marL="2227486" indent="-246088">
               <a:defRPr>
                 <a:solidFill>
                   <a:schemeClr val="tx1"/>
@@ -2200,7 +2200,7 @@
                 <a:latin typeface="Arial" panose="020B0604020202020204" pitchFamily="34" charset="0"/>
               </a:defRPr>
             </a:lvl5pPr>
-            <a:lvl6pPr marL="2684463" indent="-246063" eaLnBrk="0" fontAlgn="base" hangingPunct="0">
+            <a:lvl6pPr marL="2684731" indent="-246088" eaLnBrk="0" fontAlgn="base" hangingPunct="0">
               <a:spcBef>
                 <a:spcPct val="0"/>
               </a:spcBef>
@@ -2214,7 +2214,7 @@
                 <a:latin typeface="Arial" panose="020B0604020202020204" pitchFamily="34" charset="0"/>
               </a:defRPr>
             </a:lvl6pPr>
-            <a:lvl7pPr marL="3141663" indent="-246063" eaLnBrk="0" fontAlgn="base" hangingPunct="0">
+            <a:lvl7pPr marL="3141977" indent="-246088" eaLnBrk="0" fontAlgn="base" hangingPunct="0">
               <a:spcBef>
                 <a:spcPct val="0"/>
               </a:spcBef>
@@ -2228,7 +2228,7 @@
                 <a:latin typeface="Arial" panose="020B0604020202020204" pitchFamily="34" charset="0"/>
               </a:defRPr>
             </a:lvl7pPr>
-            <a:lvl8pPr marL="3598863" indent="-246063" eaLnBrk="0" fontAlgn="base" hangingPunct="0">
+            <a:lvl8pPr marL="3599223" indent="-246088" eaLnBrk="0" fontAlgn="base" hangingPunct="0">
               <a:spcBef>
                 <a:spcPct val="0"/>
               </a:spcBef>
@@ -2242,7 +2242,7 @@
                 <a:latin typeface="Arial" panose="020B0604020202020204" pitchFamily="34" charset="0"/>
               </a:defRPr>
             </a:lvl8pPr>
-            <a:lvl9pPr marL="4056063" indent="-246063" eaLnBrk="0" fontAlgn="base" hangingPunct="0">
+            <a:lvl9pPr marL="4056469" indent="-246088" eaLnBrk="0" fontAlgn="base" hangingPunct="0">
               <a:spcBef>
                 <a:spcPct val="0"/>
               </a:spcBef>
@@ -2295,7 +2295,7 @@
                 <a:latin typeface="Arial" panose="020B0604020202020204" pitchFamily="34" charset="0"/>
               </a:defRPr>
             </a:lvl1pPr>
-            <a:lvl2pPr marL="803275" indent="-307975">
+            <a:lvl2pPr marL="803355" indent="-308006">
               <a:defRPr>
                 <a:solidFill>
                   <a:schemeClr val="tx1"/>
@@ -2303,7 +2303,7 @@
                 <a:latin typeface="Arial" panose="020B0604020202020204" pitchFamily="34" charset="0"/>
               </a:defRPr>
             </a:lvl2pPr>
-            <a:lvl3pPr marL="1236663" indent="-246063">
+            <a:lvl3pPr marL="1236787" indent="-246088">
               <a:defRPr>
                 <a:solidFill>
                   <a:schemeClr val="tx1"/>
@@ -2311,7 +2311,7 @@
                 <a:latin typeface="Arial" panose="020B0604020202020204" pitchFamily="34" charset="0"/>
               </a:defRPr>
             </a:lvl3pPr>
-            <a:lvl4pPr marL="1731963" indent="-246063">
+            <a:lvl4pPr marL="1732136" indent="-246088">
               <a:defRPr>
                 <a:solidFill>
                   <a:schemeClr val="tx1"/>
@@ -2319,7 +2319,7 @@
                 <a:latin typeface="Arial" panose="020B0604020202020204" pitchFamily="34" charset="0"/>
               </a:defRPr>
             </a:lvl4pPr>
-            <a:lvl5pPr marL="2227263" indent="-246063">
+            <a:lvl5pPr marL="2227486" indent="-246088">
               <a:defRPr>
                 <a:solidFill>
                   <a:schemeClr val="tx1"/>
@@ -2327,7 +2327,7 @@
                 <a:latin typeface="Arial" panose="020B0604020202020204" pitchFamily="34" charset="0"/>
               </a:defRPr>
             </a:lvl5pPr>
-            <a:lvl6pPr marL="2684463" indent="-246063" eaLnBrk="0" fontAlgn="base" hangingPunct="0">
+            <a:lvl6pPr marL="2684731" indent="-246088" eaLnBrk="0" fontAlgn="base" hangingPunct="0">
               <a:spcBef>
                 <a:spcPct val="0"/>
               </a:spcBef>
@@ -2341,7 +2341,7 @@
                 <a:latin typeface="Arial" panose="020B0604020202020204" pitchFamily="34" charset="0"/>
               </a:defRPr>
             </a:lvl6pPr>
-            <a:lvl7pPr marL="3141663" indent="-246063" eaLnBrk="0" fontAlgn="base" hangingPunct="0">
+            <a:lvl7pPr marL="3141977" indent="-246088" eaLnBrk="0" fontAlgn="base" hangingPunct="0">
               <a:spcBef>
                 <a:spcPct val="0"/>
               </a:spcBef>
@@ -2355,7 +2355,7 @@
                 <a:latin typeface="Arial" panose="020B0604020202020204" pitchFamily="34" charset="0"/>
               </a:defRPr>
             </a:lvl7pPr>
-            <a:lvl8pPr marL="3598863" indent="-246063" eaLnBrk="0" fontAlgn="base" hangingPunct="0">
+            <a:lvl8pPr marL="3599223" indent="-246088" eaLnBrk="0" fontAlgn="base" hangingPunct="0">
               <a:spcBef>
                 <a:spcPct val="0"/>
               </a:spcBef>
@@ -2369,7 +2369,7 @@
                 <a:latin typeface="Arial" panose="020B0604020202020204" pitchFamily="34" charset="0"/>
               </a:defRPr>
             </a:lvl8pPr>
-            <a:lvl9pPr marL="4056063" indent="-246063" eaLnBrk="0" fontAlgn="base" hangingPunct="0">
+            <a:lvl9pPr marL="4056469" indent="-246088" eaLnBrk="0" fontAlgn="base" hangingPunct="0">
               <a:spcBef>
                 <a:spcPct val="0"/>
               </a:spcBef>
@@ -2496,7 +2496,7 @@
                 <a:latin typeface="Arial" panose="020B0604020202020204" pitchFamily="34" charset="0"/>
               </a:defRPr>
             </a:lvl1pPr>
-            <a:lvl2pPr marL="803275" indent="-307975">
+            <a:lvl2pPr marL="803355" indent="-308006">
               <a:defRPr>
                 <a:solidFill>
                   <a:schemeClr val="tx1"/>
@@ -2504,7 +2504,7 @@
                 <a:latin typeface="Arial" panose="020B0604020202020204" pitchFamily="34" charset="0"/>
               </a:defRPr>
             </a:lvl2pPr>
-            <a:lvl3pPr marL="1236663" indent="-246063">
+            <a:lvl3pPr marL="1236787" indent="-246088">
               <a:defRPr>
                 <a:solidFill>
                   <a:schemeClr val="tx1"/>
@@ -2512,7 +2512,7 @@
                 <a:latin typeface="Arial" panose="020B0604020202020204" pitchFamily="34" charset="0"/>
               </a:defRPr>
             </a:lvl3pPr>
-            <a:lvl4pPr marL="1731963" indent="-246063">
+            <a:lvl4pPr marL="1732136" indent="-246088">
               <a:defRPr>
                 <a:solidFill>
                   <a:schemeClr val="tx1"/>
@@ -2520,7 +2520,7 @@
                 <a:latin typeface="Arial" panose="020B0604020202020204" pitchFamily="34" charset="0"/>
               </a:defRPr>
             </a:lvl4pPr>
-            <a:lvl5pPr marL="2227263" indent="-246063">
+            <a:lvl5pPr marL="2227486" indent="-246088">
               <a:defRPr>
                 <a:solidFill>
                   <a:schemeClr val="tx1"/>
@@ -2528,7 +2528,7 @@
                 <a:latin typeface="Arial" panose="020B0604020202020204" pitchFamily="34" charset="0"/>
               </a:defRPr>
             </a:lvl5pPr>
-            <a:lvl6pPr marL="2684463" indent="-246063" eaLnBrk="0" fontAlgn="base" hangingPunct="0">
+            <a:lvl6pPr marL="2684731" indent="-246088" eaLnBrk="0" fontAlgn="base" hangingPunct="0">
               <a:spcBef>
                 <a:spcPct val="0"/>
               </a:spcBef>
@@ -2542,7 +2542,7 @@
                 <a:latin typeface="Arial" panose="020B0604020202020204" pitchFamily="34" charset="0"/>
               </a:defRPr>
             </a:lvl6pPr>
-            <a:lvl7pPr marL="3141663" indent="-246063" eaLnBrk="0" fontAlgn="base" hangingPunct="0">
+            <a:lvl7pPr marL="3141977" indent="-246088" eaLnBrk="0" fontAlgn="base" hangingPunct="0">
               <a:spcBef>
                 <a:spcPct val="0"/>
               </a:spcBef>
@@ -2556,7 +2556,7 @@
                 <a:latin typeface="Arial" panose="020B0604020202020204" pitchFamily="34" charset="0"/>
               </a:defRPr>
             </a:lvl7pPr>
-            <a:lvl8pPr marL="3598863" indent="-246063" eaLnBrk="0" fontAlgn="base" hangingPunct="0">
+            <a:lvl8pPr marL="3599223" indent="-246088" eaLnBrk="0" fontAlgn="base" hangingPunct="0">
               <a:spcBef>
                 <a:spcPct val="0"/>
               </a:spcBef>
@@ -2570,7 +2570,7 @@
                 <a:latin typeface="Arial" panose="020B0604020202020204" pitchFamily="34" charset="0"/>
               </a:defRPr>
             </a:lvl8pPr>
-            <a:lvl9pPr marL="4056063" indent="-246063" eaLnBrk="0" fontAlgn="base" hangingPunct="0">
+            <a:lvl9pPr marL="4056469" indent="-246088" eaLnBrk="0" fontAlgn="base" hangingPunct="0">
               <a:spcBef>
                 <a:spcPct val="0"/>
               </a:spcBef>
@@ -2623,7 +2623,7 @@
                 <a:latin typeface="Arial" panose="020B0604020202020204" pitchFamily="34" charset="0"/>
               </a:defRPr>
             </a:lvl1pPr>
-            <a:lvl2pPr marL="803275" indent="-307975">
+            <a:lvl2pPr marL="803355" indent="-308006">
               <a:defRPr>
                 <a:solidFill>
                   <a:schemeClr val="tx1"/>
@@ -2631,7 +2631,7 @@
                 <a:latin typeface="Arial" panose="020B0604020202020204" pitchFamily="34" charset="0"/>
               </a:defRPr>
             </a:lvl2pPr>
-            <a:lvl3pPr marL="1236663" indent="-246063">
+            <a:lvl3pPr marL="1236787" indent="-246088">
               <a:defRPr>
                 <a:solidFill>
                   <a:schemeClr val="tx1"/>
@@ -2639,7 +2639,7 @@
                 <a:latin typeface="Arial" panose="020B0604020202020204" pitchFamily="34" charset="0"/>
               </a:defRPr>
             </a:lvl3pPr>
-            <a:lvl4pPr marL="1731963" indent="-246063">
+            <a:lvl4pPr marL="1732136" indent="-246088">
               <a:defRPr>
                 <a:solidFill>
                   <a:schemeClr val="tx1"/>
@@ -2647,7 +2647,7 @@
                 <a:latin typeface="Arial" panose="020B0604020202020204" pitchFamily="34" charset="0"/>
               </a:defRPr>
             </a:lvl4pPr>
-            <a:lvl5pPr marL="2227263" indent="-246063">
+            <a:lvl5pPr marL="2227486" indent="-246088">
               <a:defRPr>
                 <a:solidFill>
                   <a:schemeClr val="tx1"/>
@@ -2655,7 +2655,7 @@
                 <a:latin typeface="Arial" panose="020B0604020202020204" pitchFamily="34" charset="0"/>
               </a:defRPr>
             </a:lvl5pPr>
-            <a:lvl6pPr marL="2684463" indent="-246063" eaLnBrk="0" fontAlgn="base" hangingPunct="0">
+            <a:lvl6pPr marL="2684731" indent="-246088" eaLnBrk="0" fontAlgn="base" hangingPunct="0">
               <a:spcBef>
                 <a:spcPct val="0"/>
               </a:spcBef>
@@ -2669,7 +2669,7 @@
                 <a:latin typeface="Arial" panose="020B0604020202020204" pitchFamily="34" charset="0"/>
               </a:defRPr>
             </a:lvl6pPr>
-            <a:lvl7pPr marL="3141663" indent="-246063" eaLnBrk="0" fontAlgn="base" hangingPunct="0">
+            <a:lvl7pPr marL="3141977" indent="-246088" eaLnBrk="0" fontAlgn="base" hangingPunct="0">
               <a:spcBef>
                 <a:spcPct val="0"/>
               </a:spcBef>
@@ -2683,7 +2683,7 @@
                 <a:latin typeface="Arial" panose="020B0604020202020204" pitchFamily="34" charset="0"/>
               </a:defRPr>
             </a:lvl7pPr>
-            <a:lvl8pPr marL="3598863" indent="-246063" eaLnBrk="0" fontAlgn="base" hangingPunct="0">
+            <a:lvl8pPr marL="3599223" indent="-246088" eaLnBrk="0" fontAlgn="base" hangingPunct="0">
               <a:spcBef>
                 <a:spcPct val="0"/>
               </a:spcBef>
@@ -2697,7 +2697,7 @@
                 <a:latin typeface="Arial" panose="020B0604020202020204" pitchFamily="34" charset="0"/>
               </a:defRPr>
             </a:lvl8pPr>
-            <a:lvl9pPr marL="4056063" indent="-246063" eaLnBrk="0" fontAlgn="base" hangingPunct="0">
+            <a:lvl9pPr marL="4056469" indent="-246088" eaLnBrk="0" fontAlgn="base" hangingPunct="0">
               <a:spcBef>
                 <a:spcPct val="0"/>
               </a:spcBef>
@@ -2855,7 +2855,7 @@
                 <a:latin typeface="Arial" panose="020B0604020202020204" pitchFamily="34" charset="0"/>
               </a:defRPr>
             </a:lvl1pPr>
-            <a:lvl2pPr marL="803275" indent="-307975">
+            <a:lvl2pPr marL="803355" indent="-308006">
               <a:defRPr>
                 <a:solidFill>
                   <a:schemeClr val="tx1"/>
@@ -2863,7 +2863,7 @@
                 <a:latin typeface="Arial" panose="020B0604020202020204" pitchFamily="34" charset="0"/>
               </a:defRPr>
             </a:lvl2pPr>
-            <a:lvl3pPr marL="1236663" indent="-246063">
+            <a:lvl3pPr marL="1236787" indent="-246088">
               <a:defRPr>
                 <a:solidFill>
                   <a:schemeClr val="tx1"/>
@@ -2871,7 +2871,7 @@
                 <a:latin typeface="Arial" panose="020B0604020202020204" pitchFamily="34" charset="0"/>
               </a:defRPr>
             </a:lvl3pPr>
-            <a:lvl4pPr marL="1731963" indent="-246063">
+            <a:lvl4pPr marL="1732136" indent="-246088">
               <a:defRPr>
                 <a:solidFill>
                   <a:schemeClr val="tx1"/>
@@ -2879,7 +2879,7 @@
                 <a:latin typeface="Arial" panose="020B0604020202020204" pitchFamily="34" charset="0"/>
               </a:defRPr>
             </a:lvl4pPr>
-            <a:lvl5pPr marL="2227263" indent="-246063">
+            <a:lvl5pPr marL="2227486" indent="-246088">
               <a:defRPr>
                 <a:solidFill>
                   <a:schemeClr val="tx1"/>
@@ -2887,7 +2887,7 @@
                 <a:latin typeface="Arial" panose="020B0604020202020204" pitchFamily="34" charset="0"/>
               </a:defRPr>
             </a:lvl5pPr>
-            <a:lvl6pPr marL="2684463" indent="-246063" eaLnBrk="0" fontAlgn="base" hangingPunct="0">
+            <a:lvl6pPr marL="2684731" indent="-246088" eaLnBrk="0" fontAlgn="base" hangingPunct="0">
               <a:spcBef>
                 <a:spcPct val="0"/>
               </a:spcBef>
@@ -2901,7 +2901,7 @@
                 <a:latin typeface="Arial" panose="020B0604020202020204" pitchFamily="34" charset="0"/>
               </a:defRPr>
             </a:lvl6pPr>
-            <a:lvl7pPr marL="3141663" indent="-246063" eaLnBrk="0" fontAlgn="base" hangingPunct="0">
+            <a:lvl7pPr marL="3141977" indent="-246088" eaLnBrk="0" fontAlgn="base" hangingPunct="0">
               <a:spcBef>
                 <a:spcPct val="0"/>
               </a:spcBef>
@@ -2915,7 +2915,7 @@
                 <a:latin typeface="Arial" panose="020B0604020202020204" pitchFamily="34" charset="0"/>
               </a:defRPr>
             </a:lvl7pPr>
-            <a:lvl8pPr marL="3598863" indent="-246063" eaLnBrk="0" fontAlgn="base" hangingPunct="0">
+            <a:lvl8pPr marL="3599223" indent="-246088" eaLnBrk="0" fontAlgn="base" hangingPunct="0">
               <a:spcBef>
                 <a:spcPct val="0"/>
               </a:spcBef>
@@ -2929,7 +2929,7 @@
                 <a:latin typeface="Arial" panose="020B0604020202020204" pitchFamily="34" charset="0"/>
               </a:defRPr>
             </a:lvl8pPr>
-            <a:lvl9pPr marL="4056063" indent="-246063" eaLnBrk="0" fontAlgn="base" hangingPunct="0">
+            <a:lvl9pPr marL="4056469" indent="-246088" eaLnBrk="0" fontAlgn="base" hangingPunct="0">
               <a:spcBef>
                 <a:spcPct val="0"/>
               </a:spcBef>
@@ -2982,7 +2982,7 @@
                 <a:latin typeface="Arial" panose="020B0604020202020204" pitchFamily="34" charset="0"/>
               </a:defRPr>
             </a:lvl1pPr>
-            <a:lvl2pPr marL="803275" indent="-307975">
+            <a:lvl2pPr marL="803355" indent="-308006">
               <a:defRPr>
                 <a:solidFill>
                   <a:schemeClr val="tx1"/>
@@ -2990,7 +2990,7 @@
                 <a:latin typeface="Arial" panose="020B0604020202020204" pitchFamily="34" charset="0"/>
               </a:defRPr>
             </a:lvl2pPr>
-            <a:lvl3pPr marL="1236663" indent="-246063">
+            <a:lvl3pPr marL="1236787" indent="-246088">
               <a:defRPr>
                 <a:solidFill>
                   <a:schemeClr val="tx1"/>
@@ -2998,7 +2998,7 @@
                 <a:latin typeface="Arial" panose="020B0604020202020204" pitchFamily="34" charset="0"/>
               </a:defRPr>
             </a:lvl3pPr>
-            <a:lvl4pPr marL="1731963" indent="-246063">
+            <a:lvl4pPr marL="1732136" indent="-246088">
               <a:defRPr>
                 <a:solidFill>
                   <a:schemeClr val="tx1"/>
@@ -3006,7 +3006,7 @@
                 <a:latin typeface="Arial" panose="020B0604020202020204" pitchFamily="34" charset="0"/>
               </a:defRPr>
             </a:lvl4pPr>
-            <a:lvl5pPr marL="2227263" indent="-246063">
+            <a:lvl5pPr marL="2227486" indent="-246088">
               <a:defRPr>
                 <a:solidFill>
                   <a:schemeClr val="tx1"/>
@@ -3014,7 +3014,7 @@
                 <a:latin typeface="Arial" panose="020B0604020202020204" pitchFamily="34" charset="0"/>
               </a:defRPr>
             </a:lvl5pPr>
-            <a:lvl6pPr marL="2684463" indent="-246063" eaLnBrk="0" fontAlgn="base" hangingPunct="0">
+            <a:lvl6pPr marL="2684731" indent="-246088" eaLnBrk="0" fontAlgn="base" hangingPunct="0">
               <a:spcBef>
                 <a:spcPct val="0"/>
               </a:spcBef>
@@ -3028,7 +3028,7 @@
                 <a:latin typeface="Arial" panose="020B0604020202020204" pitchFamily="34" charset="0"/>
               </a:defRPr>
             </a:lvl6pPr>
-            <a:lvl7pPr marL="3141663" indent="-246063" eaLnBrk="0" fontAlgn="base" hangingPunct="0">
+            <a:lvl7pPr marL="3141977" indent="-246088" eaLnBrk="0" fontAlgn="base" hangingPunct="0">
               <a:spcBef>
                 <a:spcPct val="0"/>
               </a:spcBef>
@@ -3042,7 +3042,7 @@
                 <a:latin typeface="Arial" panose="020B0604020202020204" pitchFamily="34" charset="0"/>
               </a:defRPr>
             </a:lvl7pPr>
-            <a:lvl8pPr marL="3598863" indent="-246063" eaLnBrk="0" fontAlgn="base" hangingPunct="0">
+            <a:lvl8pPr marL="3599223" indent="-246088" eaLnBrk="0" fontAlgn="base" hangingPunct="0">
               <a:spcBef>
                 <a:spcPct val="0"/>
               </a:spcBef>
@@ -3056,7 +3056,7 @@
                 <a:latin typeface="Arial" panose="020B0604020202020204" pitchFamily="34" charset="0"/>
               </a:defRPr>
             </a:lvl8pPr>
-            <a:lvl9pPr marL="4056063" indent="-246063" eaLnBrk="0" fontAlgn="base" hangingPunct="0">
+            <a:lvl9pPr marL="4056469" indent="-246088" eaLnBrk="0" fontAlgn="base" hangingPunct="0">
               <a:spcBef>
                 <a:spcPct val="0"/>
               </a:spcBef>
@@ -3197,7 +3197,7 @@
                 <a:latin typeface="Arial" panose="020B0604020202020204" pitchFamily="34" charset="0"/>
               </a:defRPr>
             </a:lvl1pPr>
-            <a:lvl2pPr marL="803275" indent="-307975">
+            <a:lvl2pPr marL="803355" indent="-308006">
               <a:defRPr>
                 <a:solidFill>
                   <a:schemeClr val="tx1"/>
@@ -3205,7 +3205,7 @@
                 <a:latin typeface="Arial" panose="020B0604020202020204" pitchFamily="34" charset="0"/>
               </a:defRPr>
             </a:lvl2pPr>
-            <a:lvl3pPr marL="1236663" indent="-246063">
+            <a:lvl3pPr marL="1236787" indent="-246088">
               <a:defRPr>
                 <a:solidFill>
                   <a:schemeClr val="tx1"/>
@@ -3213,7 +3213,7 @@
                 <a:latin typeface="Arial" panose="020B0604020202020204" pitchFamily="34" charset="0"/>
               </a:defRPr>
             </a:lvl3pPr>
-            <a:lvl4pPr marL="1731963" indent="-246063">
+            <a:lvl4pPr marL="1732136" indent="-246088">
               <a:defRPr>
                 <a:solidFill>
                   <a:schemeClr val="tx1"/>
@@ -3221,7 +3221,7 @@
                 <a:latin typeface="Arial" panose="020B0604020202020204" pitchFamily="34" charset="0"/>
               </a:defRPr>
             </a:lvl4pPr>
-            <a:lvl5pPr marL="2227263" indent="-246063">
+            <a:lvl5pPr marL="2227486" indent="-246088">
               <a:defRPr>
                 <a:solidFill>
                   <a:schemeClr val="tx1"/>
@@ -3229,7 +3229,7 @@
                 <a:latin typeface="Arial" panose="020B0604020202020204" pitchFamily="34" charset="0"/>
               </a:defRPr>
             </a:lvl5pPr>
-            <a:lvl6pPr marL="2684463" indent="-246063" eaLnBrk="0" fontAlgn="base" hangingPunct="0">
+            <a:lvl6pPr marL="2684731" indent="-246088" eaLnBrk="0" fontAlgn="base" hangingPunct="0">
               <a:spcBef>
                 <a:spcPct val="0"/>
               </a:spcBef>
@@ -3243,7 +3243,7 @@
                 <a:latin typeface="Arial" panose="020B0604020202020204" pitchFamily="34" charset="0"/>
               </a:defRPr>
             </a:lvl6pPr>
-            <a:lvl7pPr marL="3141663" indent="-246063" eaLnBrk="0" fontAlgn="base" hangingPunct="0">
+            <a:lvl7pPr marL="3141977" indent="-246088" eaLnBrk="0" fontAlgn="base" hangingPunct="0">
               <a:spcBef>
                 <a:spcPct val="0"/>
               </a:spcBef>
@@ -3257,7 +3257,7 @@
                 <a:latin typeface="Arial" panose="020B0604020202020204" pitchFamily="34" charset="0"/>
               </a:defRPr>
             </a:lvl7pPr>
-            <a:lvl8pPr marL="3598863" indent="-246063" eaLnBrk="0" fontAlgn="base" hangingPunct="0">
+            <a:lvl8pPr marL="3599223" indent="-246088" eaLnBrk="0" fontAlgn="base" hangingPunct="0">
               <a:spcBef>
                 <a:spcPct val="0"/>
               </a:spcBef>
@@ -3271,7 +3271,7 @@
                 <a:latin typeface="Arial" panose="020B0604020202020204" pitchFamily="34" charset="0"/>
               </a:defRPr>
             </a:lvl8pPr>
-            <a:lvl9pPr marL="4056063" indent="-246063" eaLnBrk="0" fontAlgn="base" hangingPunct="0">
+            <a:lvl9pPr marL="4056469" indent="-246088" eaLnBrk="0" fontAlgn="base" hangingPunct="0">
               <a:spcBef>
                 <a:spcPct val="0"/>
               </a:spcBef>
@@ -3324,7 +3324,7 @@
                 <a:latin typeface="Arial" panose="020B0604020202020204" pitchFamily="34" charset="0"/>
               </a:defRPr>
             </a:lvl1pPr>
-            <a:lvl2pPr marL="803275" indent="-307975">
+            <a:lvl2pPr marL="803355" indent="-308006">
               <a:defRPr>
                 <a:solidFill>
                   <a:schemeClr val="tx1"/>
@@ -3332,7 +3332,7 @@
                 <a:latin typeface="Arial" panose="020B0604020202020204" pitchFamily="34" charset="0"/>
               </a:defRPr>
             </a:lvl2pPr>
-            <a:lvl3pPr marL="1236663" indent="-246063">
+            <a:lvl3pPr marL="1236787" indent="-246088">
               <a:defRPr>
                 <a:solidFill>
                   <a:schemeClr val="tx1"/>
@@ -3340,7 +3340,7 @@
                 <a:latin typeface="Arial" panose="020B0604020202020204" pitchFamily="34" charset="0"/>
               </a:defRPr>
             </a:lvl3pPr>
-            <a:lvl4pPr marL="1731963" indent="-246063">
+            <a:lvl4pPr marL="1732136" indent="-246088">
               <a:defRPr>
                 <a:solidFill>
                   <a:schemeClr val="tx1"/>
@@ -3348,7 +3348,7 @@
                 <a:latin typeface="Arial" panose="020B0604020202020204" pitchFamily="34" charset="0"/>
               </a:defRPr>
             </a:lvl4pPr>
-            <a:lvl5pPr marL="2227263" indent="-246063">
+            <a:lvl5pPr marL="2227486" indent="-246088">
               <a:defRPr>
                 <a:solidFill>
                   <a:schemeClr val="tx1"/>
@@ -3356,7 +3356,7 @@
                 <a:latin typeface="Arial" panose="020B0604020202020204" pitchFamily="34" charset="0"/>
               </a:defRPr>
             </a:lvl5pPr>
-            <a:lvl6pPr marL="2684463" indent="-246063" eaLnBrk="0" fontAlgn="base" hangingPunct="0">
+            <a:lvl6pPr marL="2684731" indent="-246088" eaLnBrk="0" fontAlgn="base" hangingPunct="0">
               <a:spcBef>
                 <a:spcPct val="0"/>
               </a:spcBef>
@@ -3370,7 +3370,7 @@
                 <a:latin typeface="Arial" panose="020B0604020202020204" pitchFamily="34" charset="0"/>
               </a:defRPr>
             </a:lvl6pPr>
-            <a:lvl7pPr marL="3141663" indent="-246063" eaLnBrk="0" fontAlgn="base" hangingPunct="0">
+            <a:lvl7pPr marL="3141977" indent="-246088" eaLnBrk="0" fontAlgn="base" hangingPunct="0">
               <a:spcBef>
                 <a:spcPct val="0"/>
               </a:spcBef>
@@ -3384,7 +3384,7 @@
                 <a:latin typeface="Arial" panose="020B0604020202020204" pitchFamily="34" charset="0"/>
               </a:defRPr>
             </a:lvl7pPr>
-            <a:lvl8pPr marL="3598863" indent="-246063" eaLnBrk="0" fontAlgn="base" hangingPunct="0">
+            <a:lvl8pPr marL="3599223" indent="-246088" eaLnBrk="0" fontAlgn="base" hangingPunct="0">
               <a:spcBef>
                 <a:spcPct val="0"/>
               </a:spcBef>
@@ -3398,7 +3398,7 @@
                 <a:latin typeface="Arial" panose="020B0604020202020204" pitchFamily="34" charset="0"/>
               </a:defRPr>
             </a:lvl8pPr>
-            <a:lvl9pPr marL="4056063" indent="-246063" eaLnBrk="0" fontAlgn="base" hangingPunct="0">
+            <a:lvl9pPr marL="4056469" indent="-246088" eaLnBrk="0" fontAlgn="base" hangingPunct="0">
               <a:spcBef>
                 <a:spcPct val="0"/>
               </a:spcBef>
@@ -3424,6 +3424,121 @@
         </p:txBody>
       </p:sp>
     </p:spTree>
+  </p:cSld>
+  <p:clrMapOvr>
+    <a:masterClrMapping/>
+  </p:clrMapOvr>
+</p:notes>
+</file>
+
+<file path=ppt/notesSlides/notesSlide15.xml><?xml version="1.0" encoding="utf-8"?>
+<p:notes xmlns:a="http://schemas.openxmlformats.org/drawingml/2006/main" xmlns:r="http://schemas.openxmlformats.org/officeDocument/2006/relationships" xmlns:p="http://schemas.openxmlformats.org/presentationml/2006/main">
+  <p:cSld>
+    <p:spTree>
+      <p:nvGrpSpPr>
+        <p:cNvPr id="1" name=""/>
+        <p:cNvGrpSpPr/>
+        <p:nvPr/>
+      </p:nvGrpSpPr>
+      <p:grpSpPr>
+        <a:xfrm>
+          <a:off x="0" y="0"/>
+          <a:ext cx="0" cy="0"/>
+          <a:chOff x="0" y="0"/>
+          <a:chExt cx="0" cy="0"/>
+        </a:xfrm>
+      </p:grpSpPr>
+      <p:sp>
+        <p:nvSpPr>
+          <p:cNvPr id="2" name="Folienbildplatzhalter 1"/>
+          <p:cNvSpPr>
+            <a:spLocks noGrp="1" noRot="1" noChangeAspect="1"/>
+          </p:cNvSpPr>
+          <p:nvPr>
+            <p:ph type="sldImg"/>
+          </p:nvPr>
+        </p:nvSpPr>
+        <p:spPr/>
+      </p:sp>
+      <p:sp>
+        <p:nvSpPr>
+          <p:cNvPr id="3" name="Notizenplatzhalter 2"/>
+          <p:cNvSpPr>
+            <a:spLocks noGrp="1"/>
+          </p:cNvSpPr>
+          <p:nvPr>
+            <p:ph type="body" idx="1"/>
+          </p:nvPr>
+        </p:nvSpPr>
+        <p:spPr/>
+        <p:txBody>
+          <a:bodyPr/>
+          <a:lstStyle/>
+          <a:p>
+            <a:endParaRPr lang="de-DE" dirty="0"/>
+          </a:p>
+        </p:txBody>
+      </p:sp>
+      <p:sp>
+        <p:nvSpPr>
+          <p:cNvPr id="4" name="Fußzeilenplatzhalter 3"/>
+          <p:cNvSpPr>
+            <a:spLocks noGrp="1"/>
+          </p:cNvSpPr>
+          <p:nvPr>
+            <p:ph type="ftr" sz="quarter" idx="10"/>
+          </p:nvPr>
+        </p:nvSpPr>
+        <p:spPr/>
+        <p:txBody>
+          <a:bodyPr/>
+          <a:lstStyle/>
+          <a:p>
+            <a:pPr>
+              <a:defRPr/>
+            </a:pPr>
+            <a:r>
+              <a:rPr lang="de-DE" altLang="de-DE"/>
+              <a:t>Prof. Dr. Max Mustermann | Musterfakultät</a:t>
+            </a:r>
+          </a:p>
+        </p:txBody>
+      </p:sp>
+      <p:sp>
+        <p:nvSpPr>
+          <p:cNvPr id="5" name="Foliennummernplatzhalter 4"/>
+          <p:cNvSpPr>
+            <a:spLocks noGrp="1"/>
+          </p:cNvSpPr>
+          <p:nvPr>
+            <p:ph type="sldNum" sz="quarter" idx="11"/>
+          </p:nvPr>
+        </p:nvSpPr>
+        <p:spPr/>
+        <p:txBody>
+          <a:bodyPr/>
+          <a:lstStyle/>
+          <a:p>
+            <a:pPr>
+              <a:defRPr/>
+            </a:pPr>
+            <a:fld id="{A3FE9B00-3E8D-4D6C-AF11-86B3F082ED38}" type="slidenum">
+              <a:rPr lang="de-DE" altLang="de-DE" smtClean="0"/>
+              <a:pPr>
+                <a:defRPr/>
+              </a:pPr>
+              <a:t>28</a:t>
+            </a:fld>
+            <a:endParaRPr lang="de-DE" altLang="de-DE"/>
+          </a:p>
+        </p:txBody>
+      </p:sp>
+    </p:spTree>
+    <p:extLst>
+      <p:ext uri="{BB962C8B-B14F-4D97-AF65-F5344CB8AC3E}">
+        <p14:creationId xmlns:p14="http://schemas.microsoft.com/office/powerpoint/2010/main" val="1927861177"/>
+      </p:ext>
+    </p:extLst>
   </p:cSld>
   <p:clrMapOvr>
     <a:masterClrMapping/>
@@ -3525,7 +3640,7 @@
                 <a:latin typeface="Arial" panose="020B0604020202020204" pitchFamily="34" charset="0"/>
               </a:defRPr>
             </a:lvl1pPr>
-            <a:lvl2pPr marL="742950" indent="-285750">
+            <a:lvl2pPr marL="743024" indent="-285779">
               <a:defRPr>
                 <a:solidFill>
                   <a:schemeClr val="tx1"/>
@@ -3533,7 +3648,7 @@
                 <a:latin typeface="Arial" panose="020B0604020202020204" pitchFamily="34" charset="0"/>
               </a:defRPr>
             </a:lvl2pPr>
-            <a:lvl3pPr marL="1143000" indent="-228600">
+            <a:lvl3pPr marL="1143114" indent="-228623">
               <a:defRPr>
                 <a:solidFill>
                   <a:schemeClr val="tx1"/>
@@ -3541,7 +3656,7 @@
                 <a:latin typeface="Arial" panose="020B0604020202020204" pitchFamily="34" charset="0"/>
               </a:defRPr>
             </a:lvl3pPr>
-            <a:lvl4pPr marL="1600200" indent="-228600">
+            <a:lvl4pPr marL="1600360" indent="-228623">
               <a:defRPr>
                 <a:solidFill>
                   <a:schemeClr val="tx1"/>
@@ -3549,7 +3664,7 @@
                 <a:latin typeface="Arial" panose="020B0604020202020204" pitchFamily="34" charset="0"/>
               </a:defRPr>
             </a:lvl4pPr>
-            <a:lvl5pPr marL="2057400" indent="-228600">
+            <a:lvl5pPr marL="2057606" indent="-228623">
               <a:defRPr>
                 <a:solidFill>
                   <a:schemeClr val="tx1"/>
@@ -3557,7 +3672,7 @@
                 <a:latin typeface="Arial" panose="020B0604020202020204" pitchFamily="34" charset="0"/>
               </a:defRPr>
             </a:lvl5pPr>
-            <a:lvl6pPr marL="2514600" indent="-228600" eaLnBrk="0" fontAlgn="base" hangingPunct="0">
+            <a:lvl6pPr marL="2514851" indent="-228623" eaLnBrk="0" fontAlgn="base" hangingPunct="0">
               <a:spcBef>
                 <a:spcPct val="0"/>
               </a:spcBef>
@@ -3571,7 +3686,7 @@
                 <a:latin typeface="Arial" panose="020B0604020202020204" pitchFamily="34" charset="0"/>
               </a:defRPr>
             </a:lvl6pPr>
-            <a:lvl7pPr marL="2971800" indent="-228600" eaLnBrk="0" fontAlgn="base" hangingPunct="0">
+            <a:lvl7pPr marL="2972097" indent="-228623" eaLnBrk="0" fontAlgn="base" hangingPunct="0">
               <a:spcBef>
                 <a:spcPct val="0"/>
               </a:spcBef>
@@ -3585,7 +3700,7 @@
                 <a:latin typeface="Arial" panose="020B0604020202020204" pitchFamily="34" charset="0"/>
               </a:defRPr>
             </a:lvl7pPr>
-            <a:lvl8pPr marL="3429000" indent="-228600" eaLnBrk="0" fontAlgn="base" hangingPunct="0">
+            <a:lvl8pPr marL="3429343" indent="-228623" eaLnBrk="0" fontAlgn="base" hangingPunct="0">
               <a:spcBef>
                 <a:spcPct val="0"/>
               </a:spcBef>
@@ -3599,7 +3714,7 @@
                 <a:latin typeface="Arial" panose="020B0604020202020204" pitchFamily="34" charset="0"/>
               </a:defRPr>
             </a:lvl8pPr>
-            <a:lvl9pPr marL="3886200" indent="-228600" eaLnBrk="0" fontAlgn="base" hangingPunct="0">
+            <a:lvl9pPr marL="3886589" indent="-228623" eaLnBrk="0" fontAlgn="base" hangingPunct="0">
               <a:spcBef>
                 <a:spcPct val="0"/>
               </a:spcBef>
@@ -3652,7 +3767,7 @@
                 <a:latin typeface="Arial" panose="020B0604020202020204" pitchFamily="34" charset="0"/>
               </a:defRPr>
             </a:lvl1pPr>
-            <a:lvl2pPr marL="742950" indent="-285750">
+            <a:lvl2pPr marL="743024" indent="-285779">
               <a:defRPr>
                 <a:solidFill>
                   <a:schemeClr val="tx1"/>
@@ -3660,7 +3775,7 @@
                 <a:latin typeface="Arial" panose="020B0604020202020204" pitchFamily="34" charset="0"/>
               </a:defRPr>
             </a:lvl2pPr>
-            <a:lvl3pPr marL="1143000" indent="-228600">
+            <a:lvl3pPr marL="1143114" indent="-228623">
               <a:defRPr>
                 <a:solidFill>
                   <a:schemeClr val="tx1"/>
@@ -3668,7 +3783,7 @@
                 <a:latin typeface="Arial" panose="020B0604020202020204" pitchFamily="34" charset="0"/>
               </a:defRPr>
             </a:lvl3pPr>
-            <a:lvl4pPr marL="1600200" indent="-228600">
+            <a:lvl4pPr marL="1600360" indent="-228623">
               <a:defRPr>
                 <a:solidFill>
                   <a:schemeClr val="tx1"/>
@@ -3676,7 +3791,7 @@
                 <a:latin typeface="Arial" panose="020B0604020202020204" pitchFamily="34" charset="0"/>
               </a:defRPr>
             </a:lvl4pPr>
-            <a:lvl5pPr marL="2057400" indent="-228600">
+            <a:lvl5pPr marL="2057606" indent="-228623">
               <a:defRPr>
                 <a:solidFill>
                   <a:schemeClr val="tx1"/>
@@ -3684,7 +3799,7 @@
                 <a:latin typeface="Arial" panose="020B0604020202020204" pitchFamily="34" charset="0"/>
               </a:defRPr>
             </a:lvl5pPr>
-            <a:lvl6pPr marL="2514600" indent="-228600" eaLnBrk="0" fontAlgn="base" hangingPunct="0">
+            <a:lvl6pPr marL="2514851" indent="-228623" eaLnBrk="0" fontAlgn="base" hangingPunct="0">
               <a:spcBef>
                 <a:spcPct val="0"/>
               </a:spcBef>
@@ -3698,7 +3813,7 @@
                 <a:latin typeface="Arial" panose="020B0604020202020204" pitchFamily="34" charset="0"/>
               </a:defRPr>
             </a:lvl6pPr>
-            <a:lvl7pPr marL="2971800" indent="-228600" eaLnBrk="0" fontAlgn="base" hangingPunct="0">
+            <a:lvl7pPr marL="2972097" indent="-228623" eaLnBrk="0" fontAlgn="base" hangingPunct="0">
               <a:spcBef>
                 <a:spcPct val="0"/>
               </a:spcBef>
@@ -3712,7 +3827,7 @@
                 <a:latin typeface="Arial" panose="020B0604020202020204" pitchFamily="34" charset="0"/>
               </a:defRPr>
             </a:lvl7pPr>
-            <a:lvl8pPr marL="3429000" indent="-228600" eaLnBrk="0" fontAlgn="base" hangingPunct="0">
+            <a:lvl8pPr marL="3429343" indent="-228623" eaLnBrk="0" fontAlgn="base" hangingPunct="0">
               <a:spcBef>
                 <a:spcPct val="0"/>
               </a:spcBef>
@@ -3726,7 +3841,7 @@
                 <a:latin typeface="Arial" panose="020B0604020202020204" pitchFamily="34" charset="0"/>
               </a:defRPr>
             </a:lvl8pPr>
-            <a:lvl9pPr marL="3886200" indent="-228600" eaLnBrk="0" fontAlgn="base" hangingPunct="0">
+            <a:lvl9pPr marL="3886589" indent="-228623" eaLnBrk="0" fontAlgn="base" hangingPunct="0">
               <a:spcBef>
                 <a:spcPct val="0"/>
               </a:spcBef>
@@ -3868,7 +3983,7 @@
                 <a:latin typeface="Arial" panose="020B0604020202020204" pitchFamily="34" charset="0"/>
               </a:defRPr>
             </a:lvl1pPr>
-            <a:lvl2pPr marL="742950" indent="-285750">
+            <a:lvl2pPr marL="743024" indent="-285779">
               <a:defRPr>
                 <a:solidFill>
                   <a:schemeClr val="tx1"/>
@@ -3876,7 +3991,7 @@
                 <a:latin typeface="Arial" panose="020B0604020202020204" pitchFamily="34" charset="0"/>
               </a:defRPr>
             </a:lvl2pPr>
-            <a:lvl3pPr marL="1143000" indent="-228600">
+            <a:lvl3pPr marL="1143114" indent="-228623">
               <a:defRPr>
                 <a:solidFill>
                   <a:schemeClr val="tx1"/>
@@ -3884,7 +3999,7 @@
                 <a:latin typeface="Arial" panose="020B0604020202020204" pitchFamily="34" charset="0"/>
               </a:defRPr>
             </a:lvl3pPr>
-            <a:lvl4pPr marL="1600200" indent="-228600">
+            <a:lvl4pPr marL="1600360" indent="-228623">
               <a:defRPr>
                 <a:solidFill>
                   <a:schemeClr val="tx1"/>
@@ -3892,7 +4007,7 @@
                 <a:latin typeface="Arial" panose="020B0604020202020204" pitchFamily="34" charset="0"/>
               </a:defRPr>
             </a:lvl4pPr>
-            <a:lvl5pPr marL="2057400" indent="-228600">
+            <a:lvl5pPr marL="2057606" indent="-228623">
               <a:defRPr>
                 <a:solidFill>
                   <a:schemeClr val="tx1"/>
@@ -3900,7 +4015,7 @@
                 <a:latin typeface="Arial" panose="020B0604020202020204" pitchFamily="34" charset="0"/>
               </a:defRPr>
             </a:lvl5pPr>
-            <a:lvl6pPr marL="2514600" indent="-228600" eaLnBrk="0" fontAlgn="base" hangingPunct="0">
+            <a:lvl6pPr marL="2514851" indent="-228623" eaLnBrk="0" fontAlgn="base" hangingPunct="0">
               <a:spcBef>
                 <a:spcPct val="0"/>
               </a:spcBef>
@@ -3914,7 +4029,7 @@
                 <a:latin typeface="Arial" panose="020B0604020202020204" pitchFamily="34" charset="0"/>
               </a:defRPr>
             </a:lvl6pPr>
-            <a:lvl7pPr marL="2971800" indent="-228600" eaLnBrk="0" fontAlgn="base" hangingPunct="0">
+            <a:lvl7pPr marL="2972097" indent="-228623" eaLnBrk="0" fontAlgn="base" hangingPunct="0">
               <a:spcBef>
                 <a:spcPct val="0"/>
               </a:spcBef>
@@ -3928,7 +4043,7 @@
                 <a:latin typeface="Arial" panose="020B0604020202020204" pitchFamily="34" charset="0"/>
               </a:defRPr>
             </a:lvl7pPr>
-            <a:lvl8pPr marL="3429000" indent="-228600" eaLnBrk="0" fontAlgn="base" hangingPunct="0">
+            <a:lvl8pPr marL="3429343" indent="-228623" eaLnBrk="0" fontAlgn="base" hangingPunct="0">
               <a:spcBef>
                 <a:spcPct val="0"/>
               </a:spcBef>
@@ -3942,7 +4057,7 @@
                 <a:latin typeface="Arial" panose="020B0604020202020204" pitchFamily="34" charset="0"/>
               </a:defRPr>
             </a:lvl8pPr>
-            <a:lvl9pPr marL="3886200" indent="-228600" eaLnBrk="0" fontAlgn="base" hangingPunct="0">
+            <a:lvl9pPr marL="3886589" indent="-228623" eaLnBrk="0" fontAlgn="base" hangingPunct="0">
               <a:spcBef>
                 <a:spcPct val="0"/>
               </a:spcBef>
@@ -3995,7 +4110,7 @@
                 <a:latin typeface="Arial" panose="020B0604020202020204" pitchFamily="34" charset="0"/>
               </a:defRPr>
             </a:lvl1pPr>
-            <a:lvl2pPr marL="742950" indent="-285750">
+            <a:lvl2pPr marL="743024" indent="-285779">
               <a:defRPr>
                 <a:solidFill>
                   <a:schemeClr val="tx1"/>
@@ -4003,7 +4118,7 @@
                 <a:latin typeface="Arial" panose="020B0604020202020204" pitchFamily="34" charset="0"/>
               </a:defRPr>
             </a:lvl2pPr>
-            <a:lvl3pPr marL="1143000" indent="-228600">
+            <a:lvl3pPr marL="1143114" indent="-228623">
               <a:defRPr>
                 <a:solidFill>
                   <a:schemeClr val="tx1"/>
@@ -4011,7 +4126,7 @@
                 <a:latin typeface="Arial" panose="020B0604020202020204" pitchFamily="34" charset="0"/>
               </a:defRPr>
             </a:lvl3pPr>
-            <a:lvl4pPr marL="1600200" indent="-228600">
+            <a:lvl4pPr marL="1600360" indent="-228623">
               <a:defRPr>
                 <a:solidFill>
                   <a:schemeClr val="tx1"/>
@@ -4019,7 +4134,7 @@
                 <a:latin typeface="Arial" panose="020B0604020202020204" pitchFamily="34" charset="0"/>
               </a:defRPr>
             </a:lvl4pPr>
-            <a:lvl5pPr marL="2057400" indent="-228600">
+            <a:lvl5pPr marL="2057606" indent="-228623">
               <a:defRPr>
                 <a:solidFill>
                   <a:schemeClr val="tx1"/>
@@ -4027,7 +4142,7 @@
                 <a:latin typeface="Arial" panose="020B0604020202020204" pitchFamily="34" charset="0"/>
               </a:defRPr>
             </a:lvl5pPr>
-            <a:lvl6pPr marL="2514600" indent="-228600" eaLnBrk="0" fontAlgn="base" hangingPunct="0">
+            <a:lvl6pPr marL="2514851" indent="-228623" eaLnBrk="0" fontAlgn="base" hangingPunct="0">
               <a:spcBef>
                 <a:spcPct val="0"/>
               </a:spcBef>
@@ -4041,7 +4156,7 @@
                 <a:latin typeface="Arial" panose="020B0604020202020204" pitchFamily="34" charset="0"/>
               </a:defRPr>
             </a:lvl6pPr>
-            <a:lvl7pPr marL="2971800" indent="-228600" eaLnBrk="0" fontAlgn="base" hangingPunct="0">
+            <a:lvl7pPr marL="2972097" indent="-228623" eaLnBrk="0" fontAlgn="base" hangingPunct="0">
               <a:spcBef>
                 <a:spcPct val="0"/>
               </a:spcBef>
@@ -4055,7 +4170,7 @@
                 <a:latin typeface="Arial" panose="020B0604020202020204" pitchFamily="34" charset="0"/>
               </a:defRPr>
             </a:lvl7pPr>
-            <a:lvl8pPr marL="3429000" indent="-228600" eaLnBrk="0" fontAlgn="base" hangingPunct="0">
+            <a:lvl8pPr marL="3429343" indent="-228623" eaLnBrk="0" fontAlgn="base" hangingPunct="0">
               <a:spcBef>
                 <a:spcPct val="0"/>
               </a:spcBef>
@@ -4069,7 +4184,7 @@
                 <a:latin typeface="Arial" panose="020B0604020202020204" pitchFamily="34" charset="0"/>
               </a:defRPr>
             </a:lvl8pPr>
-            <a:lvl9pPr marL="3886200" indent="-228600" eaLnBrk="0" fontAlgn="base" hangingPunct="0">
+            <a:lvl9pPr marL="3886589" indent="-228623" eaLnBrk="0" fontAlgn="base" hangingPunct="0">
               <a:spcBef>
                 <a:spcPct val="0"/>
               </a:spcBef>
@@ -4204,7 +4319,7 @@
                 <a:latin typeface="Arial" panose="020B0604020202020204" pitchFamily="34" charset="0"/>
               </a:defRPr>
             </a:lvl1pPr>
-            <a:lvl2pPr marL="742950" indent="-285750">
+            <a:lvl2pPr marL="743024" indent="-285779">
               <a:defRPr>
                 <a:solidFill>
                   <a:schemeClr val="tx1"/>
@@ -4212,7 +4327,7 @@
                 <a:latin typeface="Arial" panose="020B0604020202020204" pitchFamily="34" charset="0"/>
               </a:defRPr>
             </a:lvl2pPr>
-            <a:lvl3pPr marL="1143000" indent="-228600">
+            <a:lvl3pPr marL="1143114" indent="-228623">
               <a:defRPr>
                 <a:solidFill>
                   <a:schemeClr val="tx1"/>
@@ -4220,7 +4335,7 @@
                 <a:latin typeface="Arial" panose="020B0604020202020204" pitchFamily="34" charset="0"/>
               </a:defRPr>
             </a:lvl3pPr>
-            <a:lvl4pPr marL="1600200" indent="-228600">
+            <a:lvl4pPr marL="1600360" indent="-228623">
               <a:defRPr>
                 <a:solidFill>
                   <a:schemeClr val="tx1"/>
@@ -4228,7 +4343,7 @@
                 <a:latin typeface="Arial" panose="020B0604020202020204" pitchFamily="34" charset="0"/>
               </a:defRPr>
             </a:lvl4pPr>
-            <a:lvl5pPr marL="2057400" indent="-228600">
+            <a:lvl5pPr marL="2057606" indent="-228623">
               <a:defRPr>
                 <a:solidFill>
                   <a:schemeClr val="tx1"/>
@@ -4236,7 +4351,7 @@
                 <a:latin typeface="Arial" panose="020B0604020202020204" pitchFamily="34" charset="0"/>
               </a:defRPr>
             </a:lvl5pPr>
-            <a:lvl6pPr marL="2514600" indent="-228600" eaLnBrk="0" fontAlgn="base" hangingPunct="0">
+            <a:lvl6pPr marL="2514851" indent="-228623" eaLnBrk="0" fontAlgn="base" hangingPunct="0">
               <a:spcBef>
                 <a:spcPct val="0"/>
               </a:spcBef>
@@ -4250,7 +4365,7 @@
                 <a:latin typeface="Arial" panose="020B0604020202020204" pitchFamily="34" charset="0"/>
               </a:defRPr>
             </a:lvl6pPr>
-            <a:lvl7pPr marL="2971800" indent="-228600" eaLnBrk="0" fontAlgn="base" hangingPunct="0">
+            <a:lvl7pPr marL="2972097" indent="-228623" eaLnBrk="0" fontAlgn="base" hangingPunct="0">
               <a:spcBef>
                 <a:spcPct val="0"/>
               </a:spcBef>
@@ -4264,7 +4379,7 @@
                 <a:latin typeface="Arial" panose="020B0604020202020204" pitchFamily="34" charset="0"/>
               </a:defRPr>
             </a:lvl7pPr>
-            <a:lvl8pPr marL="3429000" indent="-228600" eaLnBrk="0" fontAlgn="base" hangingPunct="0">
+            <a:lvl8pPr marL="3429343" indent="-228623" eaLnBrk="0" fontAlgn="base" hangingPunct="0">
               <a:spcBef>
                 <a:spcPct val="0"/>
               </a:spcBef>
@@ -4278,7 +4393,7 @@
                 <a:latin typeface="Arial" panose="020B0604020202020204" pitchFamily="34" charset="0"/>
               </a:defRPr>
             </a:lvl8pPr>
-            <a:lvl9pPr marL="3886200" indent="-228600" eaLnBrk="0" fontAlgn="base" hangingPunct="0">
+            <a:lvl9pPr marL="3886589" indent="-228623" eaLnBrk="0" fontAlgn="base" hangingPunct="0">
               <a:spcBef>
                 <a:spcPct val="0"/>
               </a:spcBef>
@@ -4331,7 +4446,7 @@
                 <a:latin typeface="Arial" panose="020B0604020202020204" pitchFamily="34" charset="0"/>
               </a:defRPr>
             </a:lvl1pPr>
-            <a:lvl2pPr marL="742950" indent="-285750">
+            <a:lvl2pPr marL="743024" indent="-285779">
               <a:defRPr>
                 <a:solidFill>
                   <a:schemeClr val="tx1"/>
@@ -4339,7 +4454,7 @@
                 <a:latin typeface="Arial" panose="020B0604020202020204" pitchFamily="34" charset="0"/>
               </a:defRPr>
             </a:lvl2pPr>
-            <a:lvl3pPr marL="1143000" indent="-228600">
+            <a:lvl3pPr marL="1143114" indent="-228623">
               <a:defRPr>
                 <a:solidFill>
                   <a:schemeClr val="tx1"/>
@@ -4347,7 +4462,7 @@
                 <a:latin typeface="Arial" panose="020B0604020202020204" pitchFamily="34" charset="0"/>
               </a:defRPr>
             </a:lvl3pPr>
-            <a:lvl4pPr marL="1600200" indent="-228600">
+            <a:lvl4pPr marL="1600360" indent="-228623">
               <a:defRPr>
                 <a:solidFill>
                   <a:schemeClr val="tx1"/>
@@ -4355,7 +4470,7 @@
                 <a:latin typeface="Arial" panose="020B0604020202020204" pitchFamily="34" charset="0"/>
               </a:defRPr>
             </a:lvl4pPr>
-            <a:lvl5pPr marL="2057400" indent="-228600">
+            <a:lvl5pPr marL="2057606" indent="-228623">
               <a:defRPr>
                 <a:solidFill>
                   <a:schemeClr val="tx1"/>
@@ -4363,7 +4478,7 @@
                 <a:latin typeface="Arial" panose="020B0604020202020204" pitchFamily="34" charset="0"/>
               </a:defRPr>
             </a:lvl5pPr>
-            <a:lvl6pPr marL="2514600" indent="-228600" eaLnBrk="0" fontAlgn="base" hangingPunct="0">
+            <a:lvl6pPr marL="2514851" indent="-228623" eaLnBrk="0" fontAlgn="base" hangingPunct="0">
               <a:spcBef>
                 <a:spcPct val="0"/>
               </a:spcBef>
@@ -4377,7 +4492,7 @@
                 <a:latin typeface="Arial" panose="020B0604020202020204" pitchFamily="34" charset="0"/>
               </a:defRPr>
             </a:lvl6pPr>
-            <a:lvl7pPr marL="2971800" indent="-228600" eaLnBrk="0" fontAlgn="base" hangingPunct="0">
+            <a:lvl7pPr marL="2972097" indent="-228623" eaLnBrk="0" fontAlgn="base" hangingPunct="0">
               <a:spcBef>
                 <a:spcPct val="0"/>
               </a:spcBef>
@@ -4391,7 +4506,7 @@
                 <a:latin typeface="Arial" panose="020B0604020202020204" pitchFamily="34" charset="0"/>
               </a:defRPr>
             </a:lvl7pPr>
-            <a:lvl8pPr marL="3429000" indent="-228600" eaLnBrk="0" fontAlgn="base" hangingPunct="0">
+            <a:lvl8pPr marL="3429343" indent="-228623" eaLnBrk="0" fontAlgn="base" hangingPunct="0">
               <a:spcBef>
                 <a:spcPct val="0"/>
               </a:spcBef>
@@ -4405,7 +4520,7 @@
                 <a:latin typeface="Arial" panose="020B0604020202020204" pitchFamily="34" charset="0"/>
               </a:defRPr>
             </a:lvl8pPr>
-            <a:lvl9pPr marL="3886200" indent="-228600" eaLnBrk="0" fontAlgn="base" hangingPunct="0">
+            <a:lvl9pPr marL="3886589" indent="-228623" eaLnBrk="0" fontAlgn="base" hangingPunct="0">
               <a:spcBef>
                 <a:spcPct val="0"/>
               </a:spcBef>
@@ -4506,7 +4621,32 @@
           <a:p>
             <a:r>
               <a:rPr lang="de-DE" altLang="de-DE" dirty="0"/>
-              <a:t>Was macht es?</a:t>
+              <a:t>Was kann es?</a:t>
+            </a:r>
+          </a:p>
+          <a:p>
+            <a:endParaRPr lang="de-DE" altLang="de-DE" dirty="0"/>
+          </a:p>
+          <a:p>
+            <a:r>
+              <a:rPr lang="de-DE" altLang="de-DE" dirty="0"/>
+              <a:t>Vergleichbares Tool für MAC: </a:t>
+            </a:r>
+            <a:r>
+              <a:rPr lang="de-DE" altLang="de-DE" dirty="0" err="1"/>
+              <a:t>SourceTree</a:t>
+            </a:r>
+            <a:r>
+              <a:rPr lang="de-DE" altLang="de-DE" dirty="0"/>
+              <a:t> oder </a:t>
+            </a:r>
+            <a:r>
+              <a:rPr lang="de-DE" altLang="de-DE" dirty="0" err="1"/>
+              <a:t>GitKraken</a:t>
+            </a:r>
+            <a:r>
+              <a:rPr lang="de-DE" altLang="de-DE" dirty="0"/>
+              <a:t> </a:t>
             </a:r>
           </a:p>
           <a:p>
@@ -4544,7 +4684,7 @@
                 <a:latin typeface="Arial" panose="020B0604020202020204" pitchFamily="34" charset="0"/>
               </a:defRPr>
             </a:lvl1pPr>
-            <a:lvl2pPr marL="803275" indent="-307975">
+            <a:lvl2pPr marL="803355" indent="-308006">
               <a:defRPr>
                 <a:solidFill>
                   <a:schemeClr val="tx1"/>
@@ -4552,7 +4692,7 @@
                 <a:latin typeface="Arial" panose="020B0604020202020204" pitchFamily="34" charset="0"/>
               </a:defRPr>
             </a:lvl2pPr>
-            <a:lvl3pPr marL="1236663" indent="-246063">
+            <a:lvl3pPr marL="1236787" indent="-246088">
               <a:defRPr>
                 <a:solidFill>
                   <a:schemeClr val="tx1"/>
@@ -4560,7 +4700,7 @@
                 <a:latin typeface="Arial" panose="020B0604020202020204" pitchFamily="34" charset="0"/>
               </a:defRPr>
             </a:lvl3pPr>
-            <a:lvl4pPr marL="1731963" indent="-246063">
+            <a:lvl4pPr marL="1732136" indent="-246088">
               <a:defRPr>
                 <a:solidFill>
                   <a:schemeClr val="tx1"/>
@@ -4568,7 +4708,7 @@
                 <a:latin typeface="Arial" panose="020B0604020202020204" pitchFamily="34" charset="0"/>
               </a:defRPr>
             </a:lvl4pPr>
-            <a:lvl5pPr marL="2227263" indent="-246063">
+            <a:lvl5pPr marL="2227486" indent="-246088">
               <a:defRPr>
                 <a:solidFill>
                   <a:schemeClr val="tx1"/>
@@ -4576,7 +4716,7 @@
                 <a:latin typeface="Arial" panose="020B0604020202020204" pitchFamily="34" charset="0"/>
               </a:defRPr>
             </a:lvl5pPr>
-            <a:lvl6pPr marL="2684463" indent="-246063" eaLnBrk="0" fontAlgn="base" hangingPunct="0">
+            <a:lvl6pPr marL="2684731" indent="-246088" eaLnBrk="0" fontAlgn="base" hangingPunct="0">
               <a:spcBef>
                 <a:spcPct val="0"/>
               </a:spcBef>
@@ -4590,7 +4730,7 @@
                 <a:latin typeface="Arial" panose="020B0604020202020204" pitchFamily="34" charset="0"/>
               </a:defRPr>
             </a:lvl6pPr>
-            <a:lvl7pPr marL="3141663" indent="-246063" eaLnBrk="0" fontAlgn="base" hangingPunct="0">
+            <a:lvl7pPr marL="3141977" indent="-246088" eaLnBrk="0" fontAlgn="base" hangingPunct="0">
               <a:spcBef>
                 <a:spcPct val="0"/>
               </a:spcBef>
@@ -4604,7 +4744,7 @@
                 <a:latin typeface="Arial" panose="020B0604020202020204" pitchFamily="34" charset="0"/>
               </a:defRPr>
             </a:lvl7pPr>
-            <a:lvl8pPr marL="3598863" indent="-246063" eaLnBrk="0" fontAlgn="base" hangingPunct="0">
+            <a:lvl8pPr marL="3599223" indent="-246088" eaLnBrk="0" fontAlgn="base" hangingPunct="0">
               <a:spcBef>
                 <a:spcPct val="0"/>
               </a:spcBef>
@@ -4618,7 +4758,7 @@
                 <a:latin typeface="Arial" panose="020B0604020202020204" pitchFamily="34" charset="0"/>
               </a:defRPr>
             </a:lvl8pPr>
-            <a:lvl9pPr marL="4056063" indent="-246063" eaLnBrk="0" fontAlgn="base" hangingPunct="0">
+            <a:lvl9pPr marL="4056469" indent="-246088" eaLnBrk="0" fontAlgn="base" hangingPunct="0">
               <a:spcBef>
                 <a:spcPct val="0"/>
               </a:spcBef>
@@ -4671,7 +4811,7 @@
                 <a:latin typeface="Arial" panose="020B0604020202020204" pitchFamily="34" charset="0"/>
               </a:defRPr>
             </a:lvl1pPr>
-            <a:lvl2pPr marL="803275" indent="-307975">
+            <a:lvl2pPr marL="803355" indent="-308006">
               <a:defRPr>
                 <a:solidFill>
                   <a:schemeClr val="tx1"/>
@@ -4679,7 +4819,7 @@
                 <a:latin typeface="Arial" panose="020B0604020202020204" pitchFamily="34" charset="0"/>
               </a:defRPr>
             </a:lvl2pPr>
-            <a:lvl3pPr marL="1236663" indent="-246063">
+            <a:lvl3pPr marL="1236787" indent="-246088">
               <a:defRPr>
                 <a:solidFill>
                   <a:schemeClr val="tx1"/>
@@ -4687,7 +4827,7 @@
                 <a:latin typeface="Arial" panose="020B0604020202020204" pitchFamily="34" charset="0"/>
               </a:defRPr>
             </a:lvl3pPr>
-            <a:lvl4pPr marL="1731963" indent="-246063">
+            <a:lvl4pPr marL="1732136" indent="-246088">
               <a:defRPr>
                 <a:solidFill>
                   <a:schemeClr val="tx1"/>
@@ -4695,7 +4835,7 @@
                 <a:latin typeface="Arial" panose="020B0604020202020204" pitchFamily="34" charset="0"/>
               </a:defRPr>
             </a:lvl4pPr>
-            <a:lvl5pPr marL="2227263" indent="-246063">
+            <a:lvl5pPr marL="2227486" indent="-246088">
               <a:defRPr>
                 <a:solidFill>
                   <a:schemeClr val="tx1"/>
@@ -4703,7 +4843,7 @@
                 <a:latin typeface="Arial" panose="020B0604020202020204" pitchFamily="34" charset="0"/>
               </a:defRPr>
             </a:lvl5pPr>
-            <a:lvl6pPr marL="2684463" indent="-246063" eaLnBrk="0" fontAlgn="base" hangingPunct="0">
+            <a:lvl6pPr marL="2684731" indent="-246088" eaLnBrk="0" fontAlgn="base" hangingPunct="0">
               <a:spcBef>
                 <a:spcPct val="0"/>
               </a:spcBef>
@@ -4717,7 +4857,7 @@
                 <a:latin typeface="Arial" panose="020B0604020202020204" pitchFamily="34" charset="0"/>
               </a:defRPr>
             </a:lvl6pPr>
-            <a:lvl7pPr marL="3141663" indent="-246063" eaLnBrk="0" fontAlgn="base" hangingPunct="0">
+            <a:lvl7pPr marL="3141977" indent="-246088" eaLnBrk="0" fontAlgn="base" hangingPunct="0">
               <a:spcBef>
                 <a:spcPct val="0"/>
               </a:spcBef>
@@ -4731,7 +4871,7 @@
                 <a:latin typeface="Arial" panose="020B0604020202020204" pitchFamily="34" charset="0"/>
               </a:defRPr>
             </a:lvl7pPr>
-            <a:lvl8pPr marL="3598863" indent="-246063" eaLnBrk="0" fontAlgn="base" hangingPunct="0">
+            <a:lvl8pPr marL="3599223" indent="-246088" eaLnBrk="0" fontAlgn="base" hangingPunct="0">
               <a:spcBef>
                 <a:spcPct val="0"/>
               </a:spcBef>
@@ -4745,7 +4885,7 @@
                 <a:latin typeface="Arial" panose="020B0604020202020204" pitchFamily="34" charset="0"/>
               </a:defRPr>
             </a:lvl8pPr>
-            <a:lvl9pPr marL="4056063" indent="-246063" eaLnBrk="0" fontAlgn="base" hangingPunct="0">
+            <a:lvl9pPr marL="4056469" indent="-246088" eaLnBrk="0" fontAlgn="base" hangingPunct="0">
               <a:spcBef>
                 <a:spcPct val="0"/>
               </a:spcBef>
@@ -4924,7 +5064,7 @@
                 <a:latin typeface="Arial" panose="020B0604020202020204" pitchFamily="34" charset="0"/>
               </a:defRPr>
             </a:lvl1pPr>
-            <a:lvl2pPr marL="803275" indent="-307975">
+            <a:lvl2pPr marL="803355" indent="-308006">
               <a:defRPr>
                 <a:solidFill>
                   <a:schemeClr val="tx1"/>
@@ -4932,7 +5072,7 @@
                 <a:latin typeface="Arial" panose="020B0604020202020204" pitchFamily="34" charset="0"/>
               </a:defRPr>
             </a:lvl2pPr>
-            <a:lvl3pPr marL="1236663" indent="-246063">
+            <a:lvl3pPr marL="1236787" indent="-246088">
               <a:defRPr>
                 <a:solidFill>
                   <a:schemeClr val="tx1"/>
@@ -4940,7 +5080,7 @@
                 <a:latin typeface="Arial" panose="020B0604020202020204" pitchFamily="34" charset="0"/>
               </a:defRPr>
             </a:lvl3pPr>
-            <a:lvl4pPr marL="1731963" indent="-246063">
+            <a:lvl4pPr marL="1732136" indent="-246088">
               <a:defRPr>
                 <a:solidFill>
                   <a:schemeClr val="tx1"/>
@@ -4948,7 +5088,7 @@
                 <a:latin typeface="Arial" panose="020B0604020202020204" pitchFamily="34" charset="0"/>
               </a:defRPr>
             </a:lvl4pPr>
-            <a:lvl5pPr marL="2227263" indent="-246063">
+            <a:lvl5pPr marL="2227486" indent="-246088">
               <a:defRPr>
                 <a:solidFill>
                   <a:schemeClr val="tx1"/>
@@ -4956,7 +5096,7 @@
                 <a:latin typeface="Arial" panose="020B0604020202020204" pitchFamily="34" charset="0"/>
               </a:defRPr>
             </a:lvl5pPr>
-            <a:lvl6pPr marL="2684463" indent="-246063" eaLnBrk="0" fontAlgn="base" hangingPunct="0">
+            <a:lvl6pPr marL="2684731" indent="-246088" eaLnBrk="0" fontAlgn="base" hangingPunct="0">
               <a:spcBef>
                 <a:spcPct val="0"/>
               </a:spcBef>
@@ -4970,7 +5110,7 @@
                 <a:latin typeface="Arial" panose="020B0604020202020204" pitchFamily="34" charset="0"/>
               </a:defRPr>
             </a:lvl6pPr>
-            <a:lvl7pPr marL="3141663" indent="-246063" eaLnBrk="0" fontAlgn="base" hangingPunct="0">
+            <a:lvl7pPr marL="3141977" indent="-246088" eaLnBrk="0" fontAlgn="base" hangingPunct="0">
               <a:spcBef>
                 <a:spcPct val="0"/>
               </a:spcBef>
@@ -4984,7 +5124,7 @@
                 <a:latin typeface="Arial" panose="020B0604020202020204" pitchFamily="34" charset="0"/>
               </a:defRPr>
             </a:lvl7pPr>
-            <a:lvl8pPr marL="3598863" indent="-246063" eaLnBrk="0" fontAlgn="base" hangingPunct="0">
+            <a:lvl8pPr marL="3599223" indent="-246088" eaLnBrk="0" fontAlgn="base" hangingPunct="0">
               <a:spcBef>
                 <a:spcPct val="0"/>
               </a:spcBef>
@@ -4998,7 +5138,7 @@
                 <a:latin typeface="Arial" panose="020B0604020202020204" pitchFamily="34" charset="0"/>
               </a:defRPr>
             </a:lvl8pPr>
-            <a:lvl9pPr marL="4056063" indent="-246063" eaLnBrk="0" fontAlgn="base" hangingPunct="0">
+            <a:lvl9pPr marL="4056469" indent="-246088" eaLnBrk="0" fontAlgn="base" hangingPunct="0">
               <a:spcBef>
                 <a:spcPct val="0"/>
               </a:spcBef>
@@ -5051,7 +5191,7 @@
                 <a:latin typeface="Arial" panose="020B0604020202020204" pitchFamily="34" charset="0"/>
               </a:defRPr>
             </a:lvl1pPr>
-            <a:lvl2pPr marL="803275" indent="-307975">
+            <a:lvl2pPr marL="803355" indent="-308006">
               <a:defRPr>
                 <a:solidFill>
                   <a:schemeClr val="tx1"/>
@@ -5059,7 +5199,7 @@
                 <a:latin typeface="Arial" panose="020B0604020202020204" pitchFamily="34" charset="0"/>
               </a:defRPr>
             </a:lvl2pPr>
-            <a:lvl3pPr marL="1236663" indent="-246063">
+            <a:lvl3pPr marL="1236787" indent="-246088">
               <a:defRPr>
                 <a:solidFill>
                   <a:schemeClr val="tx1"/>
@@ -5067,7 +5207,7 @@
                 <a:latin typeface="Arial" panose="020B0604020202020204" pitchFamily="34" charset="0"/>
               </a:defRPr>
             </a:lvl3pPr>
-            <a:lvl4pPr marL="1731963" indent="-246063">
+            <a:lvl4pPr marL="1732136" indent="-246088">
               <a:defRPr>
                 <a:solidFill>
                   <a:schemeClr val="tx1"/>
@@ -5075,7 +5215,7 @@
                 <a:latin typeface="Arial" panose="020B0604020202020204" pitchFamily="34" charset="0"/>
               </a:defRPr>
             </a:lvl4pPr>
-            <a:lvl5pPr marL="2227263" indent="-246063">
+            <a:lvl5pPr marL="2227486" indent="-246088">
               <a:defRPr>
                 <a:solidFill>
                   <a:schemeClr val="tx1"/>
@@ -5083,7 +5223,7 @@
                 <a:latin typeface="Arial" panose="020B0604020202020204" pitchFamily="34" charset="0"/>
               </a:defRPr>
             </a:lvl5pPr>
-            <a:lvl6pPr marL="2684463" indent="-246063" eaLnBrk="0" fontAlgn="base" hangingPunct="0">
+            <a:lvl6pPr marL="2684731" indent="-246088" eaLnBrk="0" fontAlgn="base" hangingPunct="0">
               <a:spcBef>
                 <a:spcPct val="0"/>
               </a:spcBef>
@@ -5097,7 +5237,7 @@
                 <a:latin typeface="Arial" panose="020B0604020202020204" pitchFamily="34" charset="0"/>
               </a:defRPr>
             </a:lvl6pPr>
-            <a:lvl7pPr marL="3141663" indent="-246063" eaLnBrk="0" fontAlgn="base" hangingPunct="0">
+            <a:lvl7pPr marL="3141977" indent="-246088" eaLnBrk="0" fontAlgn="base" hangingPunct="0">
               <a:spcBef>
                 <a:spcPct val="0"/>
               </a:spcBef>
@@ -5111,7 +5251,7 @@
                 <a:latin typeface="Arial" panose="020B0604020202020204" pitchFamily="34" charset="0"/>
               </a:defRPr>
             </a:lvl7pPr>
-            <a:lvl8pPr marL="3598863" indent="-246063" eaLnBrk="0" fontAlgn="base" hangingPunct="0">
+            <a:lvl8pPr marL="3599223" indent="-246088" eaLnBrk="0" fontAlgn="base" hangingPunct="0">
               <a:spcBef>
                 <a:spcPct val="0"/>
               </a:spcBef>
@@ -5125,7 +5265,7 @@
                 <a:latin typeface="Arial" panose="020B0604020202020204" pitchFamily="34" charset="0"/>
               </a:defRPr>
             </a:lvl8pPr>
-            <a:lvl9pPr marL="4056063" indent="-246063" eaLnBrk="0" fontAlgn="base" hangingPunct="0">
+            <a:lvl9pPr marL="4056469" indent="-246088" eaLnBrk="0" fontAlgn="base" hangingPunct="0">
               <a:spcBef>
                 <a:spcPct val="0"/>
               </a:spcBef>
@@ -5382,7 +5522,7 @@
                 <a:latin typeface="Arial" panose="020B0604020202020204" pitchFamily="34" charset="0"/>
               </a:defRPr>
             </a:lvl1pPr>
-            <a:lvl2pPr marL="803275" indent="-307975">
+            <a:lvl2pPr marL="803355" indent="-308006">
               <a:defRPr>
                 <a:solidFill>
                   <a:schemeClr val="tx1"/>
@@ -5390,7 +5530,7 @@
                 <a:latin typeface="Arial" panose="020B0604020202020204" pitchFamily="34" charset="0"/>
               </a:defRPr>
             </a:lvl2pPr>
-            <a:lvl3pPr marL="1236663" indent="-246063">
+            <a:lvl3pPr marL="1236787" indent="-246088">
               <a:defRPr>
                 <a:solidFill>
                   <a:schemeClr val="tx1"/>
@@ -5398,7 +5538,7 @@
                 <a:latin typeface="Arial" panose="020B0604020202020204" pitchFamily="34" charset="0"/>
               </a:defRPr>
             </a:lvl3pPr>
-            <a:lvl4pPr marL="1731963" indent="-246063">
+            <a:lvl4pPr marL="1732136" indent="-246088">
               <a:defRPr>
                 <a:solidFill>
                   <a:schemeClr val="tx1"/>
@@ -5406,7 +5546,7 @@
                 <a:latin typeface="Arial" panose="020B0604020202020204" pitchFamily="34" charset="0"/>
               </a:defRPr>
             </a:lvl4pPr>
-            <a:lvl5pPr marL="2227263" indent="-246063">
+            <a:lvl5pPr marL="2227486" indent="-246088">
               <a:defRPr>
                 <a:solidFill>
                   <a:schemeClr val="tx1"/>
@@ -5414,7 +5554,7 @@
                 <a:latin typeface="Arial" panose="020B0604020202020204" pitchFamily="34" charset="0"/>
               </a:defRPr>
             </a:lvl5pPr>
-            <a:lvl6pPr marL="2684463" indent="-246063" eaLnBrk="0" fontAlgn="base" hangingPunct="0">
+            <a:lvl6pPr marL="2684731" indent="-246088" eaLnBrk="0" fontAlgn="base" hangingPunct="0">
               <a:spcBef>
                 <a:spcPct val="0"/>
               </a:spcBef>
@@ -5428,7 +5568,7 @@
                 <a:latin typeface="Arial" panose="020B0604020202020204" pitchFamily="34" charset="0"/>
               </a:defRPr>
             </a:lvl6pPr>
-            <a:lvl7pPr marL="3141663" indent="-246063" eaLnBrk="0" fontAlgn="base" hangingPunct="0">
+            <a:lvl7pPr marL="3141977" indent="-246088" eaLnBrk="0" fontAlgn="base" hangingPunct="0">
               <a:spcBef>
                 <a:spcPct val="0"/>
               </a:spcBef>
@@ -5442,7 +5582,7 @@
                 <a:latin typeface="Arial" panose="020B0604020202020204" pitchFamily="34" charset="0"/>
               </a:defRPr>
             </a:lvl7pPr>
-            <a:lvl8pPr marL="3598863" indent="-246063" eaLnBrk="0" fontAlgn="base" hangingPunct="0">
+            <a:lvl8pPr marL="3599223" indent="-246088" eaLnBrk="0" fontAlgn="base" hangingPunct="0">
               <a:spcBef>
                 <a:spcPct val="0"/>
               </a:spcBef>
@@ -5456,7 +5596,7 @@
                 <a:latin typeface="Arial" panose="020B0604020202020204" pitchFamily="34" charset="0"/>
               </a:defRPr>
             </a:lvl8pPr>
-            <a:lvl9pPr marL="4056063" indent="-246063" eaLnBrk="0" fontAlgn="base" hangingPunct="0">
+            <a:lvl9pPr marL="4056469" indent="-246088" eaLnBrk="0" fontAlgn="base" hangingPunct="0">
               <a:spcBef>
                 <a:spcPct val="0"/>
               </a:spcBef>
@@ -5509,7 +5649,7 @@
                 <a:latin typeface="Arial" panose="020B0604020202020204" pitchFamily="34" charset="0"/>
               </a:defRPr>
             </a:lvl1pPr>
-            <a:lvl2pPr marL="803275" indent="-307975">
+            <a:lvl2pPr marL="803355" indent="-308006">
               <a:defRPr>
                 <a:solidFill>
                   <a:schemeClr val="tx1"/>
@@ -5517,7 +5657,7 @@
                 <a:latin typeface="Arial" panose="020B0604020202020204" pitchFamily="34" charset="0"/>
               </a:defRPr>
             </a:lvl2pPr>
-            <a:lvl3pPr marL="1236663" indent="-246063">
+            <a:lvl3pPr marL="1236787" indent="-246088">
               <a:defRPr>
                 <a:solidFill>
                   <a:schemeClr val="tx1"/>
@@ -5525,7 +5665,7 @@
                 <a:latin typeface="Arial" panose="020B0604020202020204" pitchFamily="34" charset="0"/>
               </a:defRPr>
             </a:lvl3pPr>
-            <a:lvl4pPr marL="1731963" indent="-246063">
+            <a:lvl4pPr marL="1732136" indent="-246088">
               <a:defRPr>
                 <a:solidFill>
                   <a:schemeClr val="tx1"/>
@@ -5533,7 +5673,7 @@
                 <a:latin typeface="Arial" panose="020B0604020202020204" pitchFamily="34" charset="0"/>
               </a:defRPr>
             </a:lvl4pPr>
-            <a:lvl5pPr marL="2227263" indent="-246063">
+            <a:lvl5pPr marL="2227486" indent="-246088">
               <a:defRPr>
                 <a:solidFill>
                   <a:schemeClr val="tx1"/>
@@ -5541,7 +5681,7 @@
                 <a:latin typeface="Arial" panose="020B0604020202020204" pitchFamily="34" charset="0"/>
               </a:defRPr>
             </a:lvl5pPr>
-            <a:lvl6pPr marL="2684463" indent="-246063" eaLnBrk="0" fontAlgn="base" hangingPunct="0">
+            <a:lvl6pPr marL="2684731" indent="-246088" eaLnBrk="0" fontAlgn="base" hangingPunct="0">
               <a:spcBef>
                 <a:spcPct val="0"/>
               </a:spcBef>
@@ -5555,7 +5695,7 @@
                 <a:latin typeface="Arial" panose="020B0604020202020204" pitchFamily="34" charset="0"/>
               </a:defRPr>
             </a:lvl6pPr>
-            <a:lvl7pPr marL="3141663" indent="-246063" eaLnBrk="0" fontAlgn="base" hangingPunct="0">
+            <a:lvl7pPr marL="3141977" indent="-246088" eaLnBrk="0" fontAlgn="base" hangingPunct="0">
               <a:spcBef>
                 <a:spcPct val="0"/>
               </a:spcBef>
@@ -5569,7 +5709,7 @@
                 <a:latin typeface="Arial" panose="020B0604020202020204" pitchFamily="34" charset="0"/>
               </a:defRPr>
             </a:lvl7pPr>
-            <a:lvl8pPr marL="3598863" indent="-246063" eaLnBrk="0" fontAlgn="base" hangingPunct="0">
+            <a:lvl8pPr marL="3599223" indent="-246088" eaLnBrk="0" fontAlgn="base" hangingPunct="0">
               <a:spcBef>
                 <a:spcPct val="0"/>
               </a:spcBef>
@@ -5583,7 +5723,7 @@
                 <a:latin typeface="Arial" panose="020B0604020202020204" pitchFamily="34" charset="0"/>
               </a:defRPr>
             </a:lvl8pPr>
-            <a:lvl9pPr marL="4056063" indent="-246063" eaLnBrk="0" fontAlgn="base" hangingPunct="0">
+            <a:lvl9pPr marL="4056469" indent="-246088" eaLnBrk="0" fontAlgn="base" hangingPunct="0">
               <a:spcBef>
                 <a:spcPct val="0"/>
               </a:spcBef>
@@ -5710,7 +5850,7 @@
                 <a:latin typeface="Arial" panose="020B0604020202020204" pitchFamily="34" charset="0"/>
               </a:defRPr>
             </a:lvl1pPr>
-            <a:lvl2pPr marL="803275" indent="-307975">
+            <a:lvl2pPr marL="803355" indent="-308006">
               <a:defRPr>
                 <a:solidFill>
                   <a:schemeClr val="tx1"/>
@@ -5718,7 +5858,7 @@
                 <a:latin typeface="Arial" panose="020B0604020202020204" pitchFamily="34" charset="0"/>
               </a:defRPr>
             </a:lvl2pPr>
-            <a:lvl3pPr marL="1236663" indent="-246063">
+            <a:lvl3pPr marL="1236787" indent="-246088">
               <a:defRPr>
                 <a:solidFill>
                   <a:schemeClr val="tx1"/>
@@ -5726,7 +5866,7 @@
                 <a:latin typeface="Arial" panose="020B0604020202020204" pitchFamily="34" charset="0"/>
               </a:defRPr>
             </a:lvl3pPr>
-            <a:lvl4pPr marL="1731963" indent="-246063">
+            <a:lvl4pPr marL="1732136" indent="-246088">
               <a:defRPr>
                 <a:solidFill>
                   <a:schemeClr val="tx1"/>
@@ -5734,7 +5874,7 @@
                 <a:latin typeface="Arial" panose="020B0604020202020204" pitchFamily="34" charset="0"/>
               </a:defRPr>
             </a:lvl4pPr>
-            <a:lvl5pPr marL="2227263" indent="-246063">
+            <a:lvl5pPr marL="2227486" indent="-246088">
               <a:defRPr>
                 <a:solidFill>
                   <a:schemeClr val="tx1"/>
@@ -5742,7 +5882,7 @@
                 <a:latin typeface="Arial" panose="020B0604020202020204" pitchFamily="34" charset="0"/>
               </a:defRPr>
             </a:lvl5pPr>
-            <a:lvl6pPr marL="2684463" indent="-246063" eaLnBrk="0" fontAlgn="base" hangingPunct="0">
+            <a:lvl6pPr marL="2684731" indent="-246088" eaLnBrk="0" fontAlgn="base" hangingPunct="0">
               <a:spcBef>
                 <a:spcPct val="0"/>
               </a:spcBef>
@@ -5756,7 +5896,7 @@
                 <a:latin typeface="Arial" panose="020B0604020202020204" pitchFamily="34" charset="0"/>
               </a:defRPr>
             </a:lvl6pPr>
-            <a:lvl7pPr marL="3141663" indent="-246063" eaLnBrk="0" fontAlgn="base" hangingPunct="0">
+            <a:lvl7pPr marL="3141977" indent="-246088" eaLnBrk="0" fontAlgn="base" hangingPunct="0">
               <a:spcBef>
                 <a:spcPct val="0"/>
               </a:spcBef>
@@ -5770,7 +5910,7 @@
                 <a:latin typeface="Arial" panose="020B0604020202020204" pitchFamily="34" charset="0"/>
               </a:defRPr>
             </a:lvl7pPr>
-            <a:lvl8pPr marL="3598863" indent="-246063" eaLnBrk="0" fontAlgn="base" hangingPunct="0">
+            <a:lvl8pPr marL="3599223" indent="-246088" eaLnBrk="0" fontAlgn="base" hangingPunct="0">
               <a:spcBef>
                 <a:spcPct val="0"/>
               </a:spcBef>
@@ -5784,7 +5924,7 @@
                 <a:latin typeface="Arial" panose="020B0604020202020204" pitchFamily="34" charset="0"/>
               </a:defRPr>
             </a:lvl8pPr>
-            <a:lvl9pPr marL="4056063" indent="-246063" eaLnBrk="0" fontAlgn="base" hangingPunct="0">
+            <a:lvl9pPr marL="4056469" indent="-246088" eaLnBrk="0" fontAlgn="base" hangingPunct="0">
               <a:spcBef>
                 <a:spcPct val="0"/>
               </a:spcBef>
@@ -5837,7 +5977,7 @@
                 <a:latin typeface="Arial" panose="020B0604020202020204" pitchFamily="34" charset="0"/>
               </a:defRPr>
             </a:lvl1pPr>
-            <a:lvl2pPr marL="803275" indent="-307975">
+            <a:lvl2pPr marL="803355" indent="-308006">
               <a:defRPr>
                 <a:solidFill>
                   <a:schemeClr val="tx1"/>
@@ -5845,7 +5985,7 @@
                 <a:latin typeface="Arial" panose="020B0604020202020204" pitchFamily="34" charset="0"/>
               </a:defRPr>
             </a:lvl2pPr>
-            <a:lvl3pPr marL="1236663" indent="-246063">
+            <a:lvl3pPr marL="1236787" indent="-246088">
               <a:defRPr>
                 <a:solidFill>
                   <a:schemeClr val="tx1"/>
@@ -5853,7 +5993,7 @@
                 <a:latin typeface="Arial" panose="020B0604020202020204" pitchFamily="34" charset="0"/>
               </a:defRPr>
             </a:lvl3pPr>
-            <a:lvl4pPr marL="1731963" indent="-246063">
+            <a:lvl4pPr marL="1732136" indent="-246088">
               <a:defRPr>
                 <a:solidFill>
                   <a:schemeClr val="tx1"/>
@@ -5861,7 +6001,7 @@
                 <a:latin typeface="Arial" panose="020B0604020202020204" pitchFamily="34" charset="0"/>
               </a:defRPr>
             </a:lvl4pPr>
-            <a:lvl5pPr marL="2227263" indent="-246063">
+            <a:lvl5pPr marL="2227486" indent="-246088">
               <a:defRPr>
                 <a:solidFill>
                   <a:schemeClr val="tx1"/>
@@ -5869,7 +6009,7 @@
                 <a:latin typeface="Arial" panose="020B0604020202020204" pitchFamily="34" charset="0"/>
               </a:defRPr>
             </a:lvl5pPr>
-            <a:lvl6pPr marL="2684463" indent="-246063" eaLnBrk="0" fontAlgn="base" hangingPunct="0">
+            <a:lvl6pPr marL="2684731" indent="-246088" eaLnBrk="0" fontAlgn="base" hangingPunct="0">
               <a:spcBef>
                 <a:spcPct val="0"/>
               </a:spcBef>
@@ -5883,7 +6023,7 @@
                 <a:latin typeface="Arial" panose="020B0604020202020204" pitchFamily="34" charset="0"/>
               </a:defRPr>
             </a:lvl6pPr>
-            <a:lvl7pPr marL="3141663" indent="-246063" eaLnBrk="0" fontAlgn="base" hangingPunct="0">
+            <a:lvl7pPr marL="3141977" indent="-246088" eaLnBrk="0" fontAlgn="base" hangingPunct="0">
               <a:spcBef>
                 <a:spcPct val="0"/>
               </a:spcBef>
@@ -5897,7 +6037,7 @@
                 <a:latin typeface="Arial" panose="020B0604020202020204" pitchFamily="34" charset="0"/>
               </a:defRPr>
             </a:lvl7pPr>
-            <a:lvl8pPr marL="3598863" indent="-246063" eaLnBrk="0" fontAlgn="base" hangingPunct="0">
+            <a:lvl8pPr marL="3599223" indent="-246088" eaLnBrk="0" fontAlgn="base" hangingPunct="0">
               <a:spcBef>
                 <a:spcPct val="0"/>
               </a:spcBef>
@@ -5911,7 +6051,7 @@
                 <a:latin typeface="Arial" panose="020B0604020202020204" pitchFamily="34" charset="0"/>
               </a:defRPr>
             </a:lvl8pPr>
-            <a:lvl9pPr marL="4056063" indent="-246063" eaLnBrk="0" fontAlgn="base" hangingPunct="0">
+            <a:lvl9pPr marL="4056469" indent="-246088" eaLnBrk="0" fontAlgn="base" hangingPunct="0">
               <a:spcBef>
                 <a:spcPct val="0"/>
               </a:spcBef>
@@ -6926,12 +7066,9 @@
             <a:pPr>
               <a:defRPr/>
             </a:pPr>
-            <a:fld id="{6008873B-7EC7-4A4C-88A8-3FF2FDE9C5D7}" type="datetime1">
-              <a:rPr lang="de-DE" altLang="de-DE"/>
-              <a:pPr>
-                <a:defRPr/>
-              </a:pPr>
-              <a:t>14.05.2018</a:t>
+            <a:fld id="{1EA32C87-8CF9-412C-ADC1-90FC689F930D}" type="datetime1">
+              <a:rPr lang="de-DE" altLang="de-DE" smtClean="0"/>
+              <a:t>15.05.2018</a:t>
             </a:fld>
             <a:endParaRPr lang="de-DE" altLang="de-DE"/>
           </a:p>
@@ -7158,12 +7295,9 @@
             <a:pPr>
               <a:defRPr/>
             </a:pPr>
-            <a:fld id="{89FBE535-0CA6-4B26-A504-40135ECDEE7B}" type="datetime1">
-              <a:rPr lang="de-DE" altLang="de-DE"/>
-              <a:pPr>
-                <a:defRPr/>
-              </a:pPr>
-              <a:t>14.05.2018</a:t>
+            <a:fld id="{AE0912FE-E0FF-4AAF-88A1-139086839880}" type="datetime1">
+              <a:rPr lang="de-DE" altLang="de-DE" smtClean="0"/>
+              <a:t>15.05.2018</a:t>
             </a:fld>
             <a:endParaRPr lang="de-DE" altLang="de-DE"/>
           </a:p>
@@ -7380,12 +7514,9 @@
             <a:pPr>
               <a:defRPr/>
             </a:pPr>
-            <a:fld id="{ABD3F27C-50A6-4FC9-8DF9-9B0271C0A92F}" type="datetime1">
-              <a:rPr lang="de-DE" altLang="de-DE"/>
-              <a:pPr>
-                <a:defRPr/>
-              </a:pPr>
-              <a:t>14.05.2018</a:t>
+            <a:fld id="{075D3458-5666-4166-A156-06E8D7E04EA6}" type="datetime1">
+              <a:rPr lang="de-DE" altLang="de-DE" smtClean="0"/>
+              <a:t>15.05.2018</a:t>
             </a:fld>
             <a:endParaRPr lang="de-DE" altLang="de-DE"/>
           </a:p>
@@ -7625,12 +7756,9 @@
             <a:pPr>
               <a:defRPr/>
             </a:pPr>
-            <a:fld id="{3E897C97-788C-4F8F-B34B-4696FBBEDC2E}" type="datetime1">
-              <a:rPr lang="de-DE" altLang="de-DE"/>
-              <a:pPr>
-                <a:defRPr/>
-              </a:pPr>
-              <a:t>14.05.2018</a:t>
+            <a:fld id="{76D804CC-E766-4D44-BADB-0D0764F4CF0B}" type="datetime1">
+              <a:rPr lang="de-DE" altLang="de-DE" smtClean="0"/>
+              <a:t>15.05.2018</a:t>
             </a:fld>
             <a:endParaRPr lang="de-DE" altLang="de-DE"/>
           </a:p>
@@ -7908,12 +8036,9 @@
             <a:pPr>
               <a:defRPr/>
             </a:pPr>
-            <a:fld id="{430D643B-ACF5-437E-BA9F-2A814C74231B}" type="datetime1">
-              <a:rPr lang="de-DE" altLang="de-DE"/>
-              <a:pPr>
-                <a:defRPr/>
-              </a:pPr>
-              <a:t>14.05.2018</a:t>
+            <a:fld id="{3914530C-796A-448D-84B2-90560EBE05B1}" type="datetime1">
+              <a:rPr lang="de-DE" altLang="de-DE" smtClean="0"/>
+              <a:t>15.05.2018</a:t>
             </a:fld>
             <a:endParaRPr lang="de-DE" altLang="de-DE"/>
           </a:p>
@@ -8326,12 +8451,9 @@
             <a:pPr>
               <a:defRPr/>
             </a:pPr>
-            <a:fld id="{76E72115-0FA0-41CB-BF08-314ABA05A999}" type="datetime1">
-              <a:rPr lang="de-DE" altLang="de-DE"/>
-              <a:pPr>
-                <a:defRPr/>
-              </a:pPr>
-              <a:t>14.05.2018</a:t>
+            <a:fld id="{1B870086-B5A0-479C-B9E5-209CBE320197}" type="datetime1">
+              <a:rPr lang="de-DE" altLang="de-DE" smtClean="0"/>
+              <a:t>15.05.2018</a:t>
             </a:fld>
             <a:endParaRPr lang="de-DE" altLang="de-DE"/>
           </a:p>
@@ -8497,12 +8619,9 @@
             <a:pPr>
               <a:defRPr/>
             </a:pPr>
-            <a:fld id="{F1142993-FE5C-4BB8-851E-5C421C924594}" type="datetime1">
-              <a:rPr lang="de-DE" altLang="de-DE"/>
-              <a:pPr>
-                <a:defRPr/>
-              </a:pPr>
-              <a:t>14.05.2018</a:t>
+            <a:fld id="{38695BFA-7430-4F08-966E-E43FA7D107F4}" type="datetime1">
+              <a:rPr lang="de-DE" altLang="de-DE" smtClean="0"/>
+              <a:t>15.05.2018</a:t>
             </a:fld>
             <a:endParaRPr lang="de-DE" altLang="de-DE"/>
           </a:p>
@@ -8646,12 +8765,9 @@
             <a:pPr>
               <a:defRPr/>
             </a:pPr>
-            <a:fld id="{96D222CA-DE8E-4EE3-8317-211E3B242801}" type="datetime1">
-              <a:rPr lang="de-DE" altLang="de-DE"/>
-              <a:pPr>
-                <a:defRPr/>
-              </a:pPr>
-              <a:t>14.05.2018</a:t>
+            <a:fld id="{3460A80A-A8DF-4E48-A7A9-4726B71CCF27}" type="datetime1">
+              <a:rPr lang="de-DE" altLang="de-DE" smtClean="0"/>
+              <a:t>15.05.2018</a:t>
             </a:fld>
             <a:endParaRPr lang="de-DE" altLang="de-DE"/>
           </a:p>
@@ -8975,12 +9091,9 @@
             <a:pPr>
               <a:defRPr/>
             </a:pPr>
-            <a:fld id="{7515DCD2-E124-4071-A530-8DD1BA182168}" type="datetime1">
-              <a:rPr lang="de-DE" altLang="de-DE"/>
-              <a:pPr>
-                <a:defRPr/>
-              </a:pPr>
-              <a:t>14.05.2018</a:t>
+            <a:fld id="{E0FBF639-FA07-4BA6-B5C3-C4D60551B1F0}" type="datetime1">
+              <a:rPr lang="de-DE" altLang="de-DE" smtClean="0"/>
+              <a:t>15.05.2018</a:t>
             </a:fld>
             <a:endParaRPr lang="de-DE" altLang="de-DE"/>
           </a:p>
@@ -9282,12 +9395,9 @@
             <a:pPr>
               <a:defRPr/>
             </a:pPr>
-            <a:fld id="{950A1691-C545-45C9-968A-ACE186467940}" type="datetime1">
-              <a:rPr lang="de-DE" altLang="de-DE"/>
-              <a:pPr>
-                <a:defRPr/>
-              </a:pPr>
-              <a:t>14.05.2018</a:t>
+            <a:fld id="{16110299-514F-495A-91DA-F9698E62E589}" type="datetime1">
+              <a:rPr lang="de-DE" altLang="de-DE" smtClean="0"/>
+              <a:t>15.05.2018</a:t>
             </a:fld>
             <a:endParaRPr lang="de-DE" altLang="de-DE"/>
           </a:p>
@@ -9807,12 +9917,9 @@
             <a:pPr>
               <a:defRPr/>
             </a:pPr>
-            <a:fld id="{2CDE4F69-E8D2-487C-B4E3-FCB144626B24}" type="datetime1">
-              <a:rPr lang="de-DE" altLang="de-DE"/>
-              <a:pPr>
-                <a:defRPr/>
-              </a:pPr>
-              <a:t>14.05.2018</a:t>
+            <a:fld id="{3D17645F-204D-4012-9860-DE71C1D1D9C2}" type="datetime1">
+              <a:rPr lang="de-DE" altLang="de-DE" smtClean="0"/>
+              <a:t>15.05.2018</a:t>
             </a:fld>
             <a:endParaRPr lang="de-DE" altLang="de-DE"/>
           </a:p>
@@ -12594,9 +12701,10 @@
               <a:buNone/>
             </a:pPr>
             <a:r>
-              <a:rPr lang="de-DE" altLang="de-DE" sz="900" dirty="0"/>
-              <a:t>Denis Westerheide &amp; Simon Müller: Git &amp; TortoiseGit - Grundlagen und Anwendungsrezepte</a:t>
+              <a:rPr lang="de-DE" altLang="de-DE" sz="900"/>
+              <a:t>Versionsmanagement: Git                                                              - B.Sc. Simon Müller, Denis Westerheide</a:t>
             </a:r>
+            <a:endParaRPr lang="de-DE" altLang="de-DE" sz="900" dirty="0"/>
           </a:p>
         </p:txBody>
       </p:sp>
@@ -12974,17 +13082,9 @@
               <a:buFontTx/>
               <a:buNone/>
             </a:pPr>
-            <a:fld id="{A99182BC-54DA-4055-BBE9-1AB73E79206B}" type="datetime1">
+            <a:fld id="{BC0B5351-706A-4080-AC44-DAE52988E417}" type="datetime1">
               <a:rPr lang="de-DE" altLang="de-DE" sz="900" smtClean="0"/>
-              <a:pPr>
-                <a:spcBef>
-                  <a:spcPct val="0"/>
-                </a:spcBef>
-                <a:buSzTx/>
-                <a:buFontTx/>
-                <a:buNone/>
-              </a:pPr>
-              <a:t>14.05.2018</a:t>
+              <a:t>15.05.2018</a:t>
             </a:fld>
             <a:endParaRPr lang="de-DE" altLang="de-DE" sz="900"/>
           </a:p>
@@ -13902,9 +14002,10 @@
               <a:buNone/>
             </a:pPr>
             <a:r>
-              <a:rPr lang="de-DE" altLang="de-DE" sz="900" dirty="0"/>
-              <a:t>Denis Westerheide &amp; Simon Müller: Git &amp; TortoiseGit - Grundlagen und Anwendungsrezepte</a:t>
+              <a:rPr lang="de-DE" altLang="de-DE" sz="900"/>
+              <a:t>Versionsmanagement: Git                                                              - B.Sc. Simon Müller, Denis Westerheide</a:t>
             </a:r>
+            <a:endParaRPr lang="de-DE" altLang="de-DE" sz="900" dirty="0"/>
           </a:p>
         </p:txBody>
       </p:sp>
@@ -14282,17 +14383,9 @@
               <a:buFontTx/>
               <a:buNone/>
             </a:pPr>
-            <a:fld id="{044A15F6-206A-4039-93B3-4F108038E8E7}" type="datetime1">
+            <a:fld id="{105AEB86-4567-40A1-AD28-732DEBBBE5D7}" type="datetime1">
               <a:rPr lang="de-DE" altLang="de-DE" sz="900" smtClean="0"/>
-              <a:pPr>
-                <a:spcBef>
-                  <a:spcPct val="0"/>
-                </a:spcBef>
-                <a:buSzTx/>
-                <a:buFontTx/>
-                <a:buNone/>
-              </a:pPr>
-              <a:t>14.05.2018</a:t>
+              <a:t>15.05.2018</a:t>
             </a:fld>
             <a:endParaRPr lang="de-DE" altLang="de-DE" sz="900"/>
           </a:p>
@@ -15508,17 +15601,9 @@
               <a:buFontTx/>
               <a:buNone/>
             </a:pPr>
-            <a:fld id="{D6151177-6E05-4C60-8822-2CF511E850BD}" type="datetime1">
+            <a:fld id="{4A394179-6624-4E76-B88B-DF5927C21FA9}" type="datetime1">
               <a:rPr lang="de-DE" altLang="de-DE" sz="900" smtClean="0"/>
-              <a:pPr>
-                <a:spcBef>
-                  <a:spcPct val="0"/>
-                </a:spcBef>
-                <a:buSzTx/>
-                <a:buFontTx/>
-                <a:buNone/>
-              </a:pPr>
-              <a:t>14.05.2018</a:t>
+              <a:t>15.05.2018</a:t>
             </a:fld>
             <a:endParaRPr lang="de-DE" altLang="de-DE" sz="900"/>
           </a:p>
@@ -15704,9 +15789,10 @@
               <a:buNone/>
             </a:pPr>
             <a:r>
-              <a:rPr lang="de-DE" altLang="de-DE" sz="900" dirty="0"/>
-              <a:t>Denis Westerheide &amp; Simon Müller: Git &amp; TortoiseGit - Grundlagen und Anwendungsrezepte</a:t>
+              <a:rPr lang="de-DE" altLang="de-DE" sz="900"/>
+              <a:t>Versionsmanagement: Git                                                              - B.Sc. Simon Müller, Denis Westerheide</a:t>
             </a:r>
+            <a:endParaRPr lang="de-DE" altLang="de-DE" sz="900" dirty="0"/>
           </a:p>
         </p:txBody>
       </p:sp>
@@ -16337,9 +16423,10 @@
               <a:buNone/>
             </a:pPr>
             <a:r>
-              <a:rPr lang="de-DE" altLang="de-DE" sz="900" dirty="0"/>
-              <a:t>Denis Westerheide &amp; Simon Müller: Git &amp; TortoiseGit - Grundlagen und Anwendungsrezepte</a:t>
+              <a:rPr lang="de-DE" altLang="de-DE" sz="900"/>
+              <a:t>Versionsmanagement: Git                                                              - B.Sc. Simon Müller, Denis Westerheide</a:t>
             </a:r>
+            <a:endParaRPr lang="de-DE" altLang="de-DE" sz="900" dirty="0"/>
           </a:p>
         </p:txBody>
       </p:sp>
@@ -16717,17 +16804,9 @@
               <a:buFontTx/>
               <a:buNone/>
             </a:pPr>
-            <a:fld id="{9C1E486C-99FF-4525-BC3B-F34491DF5232}" type="datetime1">
+            <a:fld id="{24BD3819-A414-47B9-BD61-59F6E9446D6B}" type="datetime1">
               <a:rPr lang="de-DE" altLang="de-DE" sz="900" smtClean="0"/>
-              <a:pPr>
-                <a:spcBef>
-                  <a:spcPct val="0"/>
-                </a:spcBef>
-                <a:buSzTx/>
-                <a:buFontTx/>
-                <a:buNone/>
-              </a:pPr>
-              <a:t>14.05.2018</a:t>
+              <a:t>15.05.2018</a:t>
             </a:fld>
             <a:endParaRPr lang="de-DE" altLang="de-DE" sz="900"/>
           </a:p>
@@ -17396,7 +17475,7 @@
               <a:buNone/>
             </a:pPr>
             <a:r>
-              <a:rPr lang="de-DE" altLang="de-DE" sz="900"/>
+              <a:rPr lang="de-DE" altLang="de-DE" sz="900" dirty="0"/>
               <a:t>Versionsmanagement: Git                                                              - B.Sc. Simon Müller, Denis Westerheide</a:t>
             </a:r>
           </a:p>
@@ -17776,17 +17855,9 @@
               <a:buFontTx/>
               <a:buNone/>
             </a:pPr>
-            <a:fld id="{E2601122-D033-4655-899C-9A00044443E0}" type="datetime1">
+            <a:fld id="{A0D393CB-24B0-4249-BF04-1285ECA86595}" type="datetime1">
               <a:rPr lang="de-DE" altLang="de-DE" sz="900" smtClean="0"/>
-              <a:pPr>
-                <a:spcBef>
-                  <a:spcPct val="0"/>
-                </a:spcBef>
-                <a:buSzTx/>
-                <a:buFontTx/>
-                <a:buNone/>
-              </a:pPr>
-              <a:t>14.05.2018</a:t>
+              <a:t>15.05.2018</a:t>
             </a:fld>
             <a:endParaRPr lang="de-DE" altLang="de-DE" sz="900"/>
           </a:p>
@@ -18437,17 +18508,9 @@
               <a:buFontTx/>
               <a:buNone/>
             </a:pPr>
-            <a:fld id="{D5DEAC31-82F3-4DD1-BA2A-1ED26C75C77E}" type="datetime1">
+            <a:fld id="{5CC1D085-D5F0-414F-A797-AE63736B2990}" type="datetime1">
               <a:rPr lang="de-DE" altLang="de-DE" sz="900" smtClean="0"/>
-              <a:pPr>
-                <a:spcBef>
-                  <a:spcPct val="0"/>
-                </a:spcBef>
-                <a:buSzTx/>
-                <a:buFontTx/>
-                <a:buNone/>
-              </a:pPr>
-              <a:t>14.05.2018</a:t>
+              <a:t>15.05.2018</a:t>
             </a:fld>
             <a:endParaRPr lang="de-DE" altLang="de-DE" sz="900"/>
           </a:p>
@@ -18592,15 +18655,7 @@
             </a:pPr>
             <a:r>
               <a:rPr lang="de-DE" altLang="de-DE" dirty="0"/>
-              <a:t>Icon </a:t>
-            </a:r>
-            <a:r>
-              <a:rPr lang="de-DE" altLang="de-DE" dirty="0" err="1"/>
-              <a:t>Overlay‘s</a:t>
-            </a:r>
-            <a:r>
-              <a:rPr lang="de-DE" altLang="de-DE" dirty="0"/>
-              <a:t>,</a:t>
+              <a:t>Icon Overlays,</a:t>
             </a:r>
           </a:p>
           <a:p>
@@ -19925,17 +19980,9 @@
               <a:buFontTx/>
               <a:buNone/>
             </a:pPr>
-            <a:fld id="{7329B030-5F0C-4496-82C6-C19F9099E668}" type="datetime1">
+            <a:fld id="{9A02C22A-6538-4A7F-A8B4-BDBBD51A0FBF}" type="datetime1">
               <a:rPr lang="de-DE" altLang="de-DE" sz="900" smtClean="0"/>
-              <a:pPr>
-                <a:spcBef>
-                  <a:spcPct val="0"/>
-                </a:spcBef>
-                <a:buSzTx/>
-                <a:buFontTx/>
-                <a:buNone/>
-              </a:pPr>
-              <a:t>14.05.2018</a:t>
+              <a:t>15.05.2018</a:t>
             </a:fld>
             <a:endParaRPr lang="de-DE" altLang="de-DE" sz="900"/>
           </a:p>
@@ -21362,17 +21409,9 @@
               <a:buFontTx/>
               <a:buNone/>
             </a:pPr>
-            <a:fld id="{6AE25FEA-CB2C-46B5-93D8-A58E7C806297}" type="datetime1">
+            <a:fld id="{374CE4B6-26F8-46F5-9B6A-F6724E9EEC58}" type="datetime1">
               <a:rPr lang="de-DE" altLang="de-DE" sz="900" smtClean="0"/>
-              <a:pPr>
-                <a:spcBef>
-                  <a:spcPct val="0"/>
-                </a:spcBef>
-                <a:buSzTx/>
-                <a:buFontTx/>
-                <a:buNone/>
-              </a:pPr>
-              <a:t>14.05.2018</a:t>
+              <a:t>15.05.2018</a:t>
             </a:fld>
             <a:endParaRPr lang="de-DE" altLang="de-DE" sz="900"/>
           </a:p>
@@ -22430,17 +22469,9 @@
               <a:buFontTx/>
               <a:buNone/>
             </a:pPr>
-            <a:fld id="{E7DA7295-7A5A-4A51-BE31-D54550A813FA}" type="datetime1">
+            <a:fld id="{169EF325-DC7E-496A-8346-ED4E0B078151}" type="datetime1">
               <a:rPr lang="de-DE" altLang="de-DE" sz="900" smtClean="0"/>
-              <a:pPr>
-                <a:spcBef>
-                  <a:spcPct val="0"/>
-                </a:spcBef>
-                <a:buSzTx/>
-                <a:buFontTx/>
-                <a:buNone/>
-              </a:pPr>
-              <a:t>14.05.2018</a:t>
+              <a:t>15.05.2018</a:t>
             </a:fld>
             <a:endParaRPr lang="de-DE" altLang="de-DE" sz="900"/>
           </a:p>
@@ -22673,30 +22704,21 @@
                             </p:childTnLst>
                           </p:cTn>
                         </p:par>
-                      </p:childTnLst>
-                    </p:cTn>
-                  </p:par>
-                  <p:par>
-                    <p:cTn id="7" fill="hold">
-                      <p:stCondLst>
-                        <p:cond delay="indefinite"/>
-                      </p:stCondLst>
-                      <p:childTnLst>
                         <p:par>
-                          <p:cTn id="8" fill="hold">
+                          <p:cTn id="7" fill="hold">
                             <p:stCondLst>
                               <p:cond delay="0"/>
                             </p:stCondLst>
                             <p:childTnLst>
                               <p:par>
-                                <p:cTn id="9" presetID="1" presetClass="entr" presetSubtype="0" fill="hold" grpId="0" nodeType="clickEffect">
+                                <p:cTn id="8" presetID="1" presetClass="entr" presetSubtype="0" fill="hold" grpId="0" nodeType="afterEffect">
                                   <p:stCondLst>
                                     <p:cond delay="0"/>
                                   </p:stCondLst>
                                   <p:childTnLst>
                                     <p:set>
                                       <p:cBhvr>
-                                        <p:cTn id="10" dur="1" fill="hold">
+                                        <p:cTn id="9" dur="1" fill="hold">
                                           <p:stCondLst>
                                             <p:cond delay="0"/>
                                           </p:stCondLst>
@@ -22719,33 +22741,15 @@
                                   </p:childTnLst>
                                 </p:cTn>
                               </p:par>
-                            </p:childTnLst>
-                          </p:cTn>
-                        </p:par>
-                      </p:childTnLst>
-                    </p:cTn>
-                  </p:par>
-                  <p:par>
-                    <p:cTn id="11" fill="hold">
-                      <p:stCondLst>
-                        <p:cond delay="indefinite"/>
-                      </p:stCondLst>
-                      <p:childTnLst>
-                        <p:par>
-                          <p:cTn id="12" fill="hold">
-                            <p:stCondLst>
-                              <p:cond delay="0"/>
-                            </p:stCondLst>
-                            <p:childTnLst>
                               <p:par>
-                                <p:cTn id="13" presetID="10" presetClass="entr" presetSubtype="0" fill="hold" nodeType="clickEffect">
+                                <p:cTn id="10" presetID="10" presetClass="entr" presetSubtype="0" fill="hold" nodeType="withEffect">
                                   <p:stCondLst>
                                     <p:cond delay="0"/>
                                   </p:stCondLst>
                                   <p:childTnLst>
                                     <p:set>
                                       <p:cBhvr>
-                                        <p:cTn id="14" dur="1" fill="hold">
+                                        <p:cTn id="11" dur="1" fill="hold">
                                           <p:stCondLst>
                                             <p:cond delay="0"/>
                                           </p:stCondLst>
@@ -22763,7 +22767,7 @@
                                     </p:set>
                                     <p:animEffect transition="in" filter="fade">
                                       <p:cBhvr>
-                                        <p:cTn id="15" dur="500"/>
+                                        <p:cTn id="12" dur="500"/>
                                         <p:tgtEl>
                                           <p:spTgt spid="15367"/>
                                         </p:tgtEl>
@@ -22775,30 +22779,21 @@
                             </p:childTnLst>
                           </p:cTn>
                         </p:par>
-                      </p:childTnLst>
-                    </p:cTn>
-                  </p:par>
-                  <p:par>
-                    <p:cTn id="16" fill="hold">
-                      <p:stCondLst>
-                        <p:cond delay="indefinite"/>
-                      </p:stCondLst>
-                      <p:childTnLst>
                         <p:par>
-                          <p:cTn id="17" fill="hold">
+                          <p:cTn id="13" fill="hold">
                             <p:stCondLst>
-                              <p:cond delay="0"/>
+                              <p:cond delay="500"/>
                             </p:stCondLst>
                             <p:childTnLst>
                               <p:par>
-                                <p:cTn id="18" presetID="10" presetClass="entr" presetSubtype="0" fill="hold" grpId="0" nodeType="clickEffect">
+                                <p:cTn id="14" presetID="10" presetClass="entr" presetSubtype="0" fill="hold" grpId="0" nodeType="afterEffect">
                                   <p:stCondLst>
                                     <p:cond delay="0"/>
                                   </p:stCondLst>
                                   <p:childTnLst>
                                     <p:set>
                                       <p:cBhvr>
-                                        <p:cTn id="19" dur="1" fill="hold">
+                                        <p:cTn id="15" dur="1" fill="hold">
                                           <p:stCondLst>
                                             <p:cond delay="0"/>
                                           </p:stCondLst>
@@ -22816,7 +22811,7 @@
                                     </p:set>
                                     <p:animEffect transition="in" filter="fade">
                                       <p:cBhvr>
-                                        <p:cTn id="20" dur="500"/>
+                                        <p:cTn id="16" dur="500"/>
                                         <p:tgtEl>
                                           <p:spTgt spid="11"/>
                                         </p:tgtEl>
@@ -22829,20 +22824,20 @@
                           </p:cTn>
                         </p:par>
                         <p:par>
-                          <p:cTn id="21" fill="hold">
+                          <p:cTn id="17" fill="hold">
                             <p:stCondLst>
-                              <p:cond delay="500"/>
+                              <p:cond delay="1000"/>
                             </p:stCondLst>
                             <p:childTnLst>
                               <p:par>
-                                <p:cTn id="22" presetID="10" presetClass="entr" presetSubtype="0" fill="hold" nodeType="afterEffect">
+                                <p:cTn id="18" presetID="10" presetClass="entr" presetSubtype="0" fill="hold" nodeType="afterEffect">
                                   <p:stCondLst>
                                     <p:cond delay="0"/>
                                   </p:stCondLst>
                                   <p:childTnLst>
                                     <p:set>
                                       <p:cBhvr>
-                                        <p:cTn id="23" dur="1" fill="hold">
+                                        <p:cTn id="19" dur="1" fill="hold">
                                           <p:stCondLst>
                                             <p:cond delay="0"/>
                                           </p:stCondLst>
@@ -22860,7 +22855,7 @@
                                     </p:set>
                                     <p:animEffect transition="in" filter="fade">
                                       <p:cBhvr>
-                                        <p:cTn id="24" dur="1000"/>
+                                        <p:cTn id="20" dur="1000"/>
                                         <p:tgtEl>
                                           <p:spTgt spid="15368"/>
                                         </p:tgtEl>
@@ -23533,17 +23528,9 @@
               <a:buFontTx/>
               <a:buNone/>
             </a:pPr>
-            <a:fld id="{160383F0-BBB1-488A-9C0F-FE3B2EE8FCE9}" type="datetime1">
+            <a:fld id="{701DD3A4-AC0F-435D-85F0-D24FB291D35B}" type="datetime1">
               <a:rPr lang="de-DE" altLang="de-DE" sz="900" smtClean="0"/>
-              <a:pPr>
-                <a:spcBef>
-                  <a:spcPct val="0"/>
-                </a:spcBef>
-                <a:buSzTx/>
-                <a:buFontTx/>
-                <a:buNone/>
-              </a:pPr>
-              <a:t>14.05.2018</a:t>
+              <a:t>15.05.2018</a:t>
             </a:fld>
             <a:endParaRPr lang="de-DE" altLang="de-DE" sz="900"/>
           </a:p>
@@ -24803,7 +24790,7 @@
               <a:buNone/>
             </a:pPr>
             <a:r>
-              <a:rPr lang="de-DE" altLang="de-DE" sz="900"/>
+              <a:rPr lang="de-DE" altLang="de-DE" sz="900" dirty="0"/>
               <a:t>Versionsmanagement: Git                                                              - B.Sc. Simon Müller, Denis Westerheide</a:t>
             </a:r>
           </a:p>
@@ -25183,17 +25170,9 @@
               <a:buFontTx/>
               <a:buNone/>
             </a:pPr>
-            <a:fld id="{8762C0D2-E92B-440F-A1B4-5420C8FF1465}" type="datetime1">
+            <a:fld id="{B80DB17E-E633-4846-BA2D-5D01F85D30A2}" type="datetime1">
               <a:rPr lang="de-DE" altLang="de-DE" sz="900" smtClean="0"/>
-              <a:pPr>
-                <a:spcBef>
-                  <a:spcPct val="0"/>
-                </a:spcBef>
-                <a:buSzTx/>
-                <a:buFontTx/>
-                <a:buNone/>
-              </a:pPr>
-              <a:t>14.05.2018</a:t>
+              <a:t>15.05.2018</a:t>
             </a:fld>
             <a:endParaRPr lang="de-DE" altLang="de-DE" sz="900"/>
           </a:p>
@@ -26406,17 +26385,9 @@
               <a:buFontTx/>
               <a:buNone/>
             </a:pPr>
-            <a:fld id="{80A304D9-BCDE-4BB3-91D7-FCD8D6153C0B}" type="datetime1">
+            <a:fld id="{711185CE-82CF-4108-B918-8CCA8A33D146}" type="datetime1">
               <a:rPr lang="de-DE" altLang="de-DE" sz="900" smtClean="0"/>
-              <a:pPr>
-                <a:spcBef>
-                  <a:spcPct val="0"/>
-                </a:spcBef>
-                <a:buSzTx/>
-                <a:buFontTx/>
-                <a:buNone/>
-              </a:pPr>
-              <a:t>14.05.2018</a:t>
+              <a:t>15.05.2018</a:t>
             </a:fld>
             <a:endParaRPr lang="de-DE" altLang="de-DE" sz="900"/>
           </a:p>
@@ -27557,17 +27528,9 @@
               <a:buFontTx/>
               <a:buNone/>
             </a:pPr>
-            <a:fld id="{F70502CA-6050-447E-84C1-51D9FA1BE3C3}" type="datetime1">
+            <a:fld id="{32BAA812-DEA9-4EB8-AF1E-5BE1B3964F9A}" type="datetime1">
               <a:rPr lang="de-DE" altLang="de-DE" sz="900" smtClean="0"/>
-              <a:pPr>
-                <a:spcBef>
-                  <a:spcPct val="0"/>
-                </a:spcBef>
-                <a:buSzTx/>
-                <a:buFontTx/>
-                <a:buNone/>
-              </a:pPr>
-              <a:t>14.05.2018</a:t>
+              <a:t>15.05.2018</a:t>
             </a:fld>
             <a:endParaRPr lang="de-DE" altLang="de-DE" sz="900"/>
           </a:p>
@@ -28694,17 +28657,9 @@
               <a:buFontTx/>
               <a:buNone/>
             </a:pPr>
-            <a:fld id="{35A6EC72-5CE8-4D90-A77D-891D0F6631F9}" type="datetime1">
+            <a:fld id="{482CB162-3431-41FB-B8EB-8DE7D95E6C5E}" type="datetime1">
               <a:rPr lang="de-DE" altLang="de-DE" sz="900" smtClean="0"/>
-              <a:pPr>
-                <a:spcBef>
-                  <a:spcPct val="0"/>
-                </a:spcBef>
-                <a:buSzTx/>
-                <a:buFontTx/>
-                <a:buNone/>
-              </a:pPr>
-              <a:t>14.05.2018</a:t>
+              <a:t>15.05.2018</a:t>
             </a:fld>
             <a:endParaRPr lang="de-DE" altLang="de-DE" sz="900"/>
           </a:p>
@@ -30637,17 +30592,9 @@
               <a:buFontTx/>
               <a:buNone/>
             </a:pPr>
-            <a:fld id="{3981DE97-8BFF-4F84-9DA0-2A89425AD9F4}" type="datetime1">
+            <a:fld id="{8338D8E8-441E-48C4-AA4C-4F2F0DFEA315}" type="datetime1">
               <a:rPr lang="de-DE" altLang="de-DE" sz="900" smtClean="0"/>
-              <a:pPr>
-                <a:spcBef>
-                  <a:spcPct val="0"/>
-                </a:spcBef>
-                <a:buSzTx/>
-                <a:buFontTx/>
-                <a:buNone/>
-              </a:pPr>
-              <a:t>14.05.2018</a:t>
+              <a:t>15.05.2018</a:t>
             </a:fld>
             <a:endParaRPr lang="de-DE" altLang="de-DE" sz="900"/>
           </a:p>
@@ -31774,17 +31721,9 @@
               <a:buFontTx/>
               <a:buNone/>
             </a:pPr>
-            <a:fld id="{2EF4E548-1FCC-45EA-A2D7-08583C1F26E5}" type="datetime1">
+            <a:fld id="{6CB18EA0-9F3B-496F-82E4-069620EAD668}" type="datetime1">
               <a:rPr lang="de-DE" altLang="de-DE" sz="900" smtClean="0"/>
-              <a:pPr>
-                <a:spcBef>
-                  <a:spcPct val="0"/>
-                </a:spcBef>
-                <a:buSzTx/>
-                <a:buFontTx/>
-                <a:buNone/>
-              </a:pPr>
-              <a:t>14.05.2018</a:t>
+              <a:t>15.05.2018</a:t>
             </a:fld>
             <a:endParaRPr lang="de-DE" altLang="de-DE" sz="900"/>
           </a:p>
@@ -32445,17 +32384,9 @@
               <a:buFontTx/>
               <a:buNone/>
             </a:pPr>
-            <a:fld id="{4B461999-684B-476A-9E71-B5605B7D7499}" type="datetime1">
+            <a:fld id="{939482C1-A814-4E0F-B13B-C2D0BD97A309}" type="datetime1">
               <a:rPr lang="de-DE" altLang="de-DE" sz="900" smtClean="0"/>
-              <a:pPr>
-                <a:spcBef>
-                  <a:spcPct val="0"/>
-                </a:spcBef>
-                <a:buSzTx/>
-                <a:buFontTx/>
-                <a:buNone/>
-              </a:pPr>
-              <a:t>14.05.2018</a:t>
+              <a:t>15.05.2018</a:t>
             </a:fld>
             <a:endParaRPr lang="de-DE" altLang="de-DE" sz="900"/>
           </a:p>
@@ -33106,17 +33037,9 @@
               <a:buFontTx/>
               <a:buNone/>
             </a:pPr>
-            <a:fld id="{C3C15EF0-5A90-4021-8F83-2C4E0E94A1FF}" type="datetime1">
+            <a:fld id="{DE5FEE6B-9601-43EF-A4E3-38B7889FA1AB}" type="datetime1">
               <a:rPr lang="de-DE" altLang="de-DE" sz="900" smtClean="0"/>
-              <a:pPr>
-                <a:spcBef>
-                  <a:spcPct val="0"/>
-                </a:spcBef>
-                <a:buSzTx/>
-                <a:buFontTx/>
-                <a:buNone/>
-              </a:pPr>
-              <a:t>14.05.2018</a:t>
+              <a:t>15.05.2018</a:t>
             </a:fld>
             <a:endParaRPr lang="de-DE" altLang="de-DE" sz="900"/>
           </a:p>
@@ -34414,17 +34337,9 @@
               <a:buFontTx/>
               <a:buNone/>
             </a:pPr>
-            <a:fld id="{66D34FA0-19EA-4885-8DE9-C025401AC08D}" type="datetime1">
+            <a:fld id="{ECD4C18D-75AF-4E35-9F6A-52332AE75653}" type="datetime1">
               <a:rPr lang="de-DE" altLang="de-DE" sz="900" smtClean="0"/>
-              <a:pPr>
-                <a:spcBef>
-                  <a:spcPct val="0"/>
-                </a:spcBef>
-                <a:buSzTx/>
-                <a:buFontTx/>
-                <a:buNone/>
-              </a:pPr>
-              <a:t>14.05.2018</a:t>
+              <a:t>15.05.2018</a:t>
             </a:fld>
             <a:endParaRPr lang="de-DE" altLang="de-DE" sz="900"/>
           </a:p>
@@ -35002,34 +34917,6 @@
       </p:sp>
       <p:sp>
         <p:nvSpPr>
-          <p:cNvPr id="8" name="Textplatzhalter 7">
-            <a:extLst>
-              <a:ext uri="{FF2B5EF4-FFF2-40B4-BE49-F238E27FC236}">
-                <a16:creationId xmlns:a16="http://schemas.microsoft.com/office/drawing/2014/main" id="{FB2F59AB-54DC-4F33-87F9-D3CD50D4AA1E}"/>
-              </a:ext>
-            </a:extLst>
-          </p:cNvPr>
-          <p:cNvSpPr>
-            <a:spLocks noGrp="1"/>
-          </p:cNvSpPr>
-          <p:nvPr>
-            <p:ph type="body" idx="1"/>
-          </p:nvPr>
-        </p:nvSpPr>
-        <p:spPr/>
-        <p:txBody>
-          <a:bodyPr/>
-          <a:lstStyle/>
-          <a:p>
-            <a:r>
-              <a:rPr lang="de-DE" dirty="0"/>
-              <a:t>TortoiseGit &amp; EclipseGit</a:t>
-            </a:r>
-          </a:p>
-        </p:txBody>
-      </p:sp>
-      <p:sp>
-        <p:nvSpPr>
           <p:cNvPr id="4" name="Fußzeilenplatzhalter 3">
             <a:extLst>
               <a:ext uri="{FF2B5EF4-FFF2-40B4-BE49-F238E27FC236}">
@@ -35118,12 +35005,9 @@
             <a:pPr>
               <a:defRPr/>
             </a:pPr>
-            <a:fld id="{ABD3F27C-50A6-4FC9-8DF9-9B0271C0A92F}" type="datetime1">
+            <a:fld id="{B20B3BE7-2286-4B64-A343-408DCD2F3E74}" type="datetime1">
               <a:rPr lang="de-DE" altLang="de-DE" smtClean="0"/>
-              <a:pPr>
-                <a:defRPr/>
-              </a:pPr>
-              <a:t>14.05.2018</a:t>
+              <a:t>15.05.2018</a:t>
             </a:fld>
             <a:endParaRPr lang="de-DE" altLang="de-DE"/>
           </a:p>
@@ -35144,13 +35028,13 @@
           <p:nvPr/>
         </p:nvPicPr>
         <p:blipFill>
-          <a:blip r:embed="rId2">
+          <a:blip r:embed="rId3">
             <a:extLst>
               <a:ext uri="{28A0092B-C50C-407E-A947-70E740481C1C}">
                 <a14:useLocalDpi xmlns:a14="http://schemas.microsoft.com/office/drawing/2010/main" val="0"/>
               </a:ext>
               <a:ext uri="{96DAC541-7B7A-43D3-8B79-37D633B846F1}">
-                <asvg:svgBlip xmlns:asvg="http://schemas.microsoft.com/office/drawing/2016/SVG/main" r:embed="rId3"/>
+                <asvg:svgBlip xmlns:asvg="http://schemas.microsoft.com/office/drawing/2016/SVG/main" r:embed="rId4"/>
               </a:ext>
             </a:extLst>
           </a:blip>
@@ -35840,17 +35724,9 @@
               <a:buFontTx/>
               <a:buNone/>
             </a:pPr>
-            <a:fld id="{2EF4E548-1FCC-45EA-A2D7-08583C1F26E5}" type="datetime1">
+            <a:fld id="{BB8D78E2-BB1B-4A9C-BE73-BBE573B0D44C}" type="datetime1">
               <a:rPr lang="de-DE" altLang="de-DE" sz="900" smtClean="0"/>
-              <a:pPr>
-                <a:spcBef>
-                  <a:spcPct val="0"/>
-                </a:spcBef>
-                <a:buSzTx/>
-                <a:buFontTx/>
-                <a:buNone/>
-              </a:pPr>
-              <a:t>14.05.2018</a:t>
+              <a:t>15.05.2018</a:t>
             </a:fld>
             <a:endParaRPr lang="de-DE" altLang="de-DE" sz="900"/>
           </a:p>
@@ -36125,9 +36001,10 @@
               <a:buNone/>
             </a:pPr>
             <a:r>
-              <a:rPr lang="de-DE" altLang="de-DE" sz="900" dirty="0"/>
-              <a:t>Denis Westerheide &amp; Simon Müller: Git &amp; TortoiseGit - Grundlagen und Anwendungsrezepte</a:t>
+              <a:rPr lang="de-DE" altLang="de-DE" sz="900"/>
+              <a:t>Versionsmanagement: Git                                                              - B.Sc. Simon Müller, Denis Westerheide</a:t>
             </a:r>
+            <a:endParaRPr lang="de-DE" altLang="de-DE" sz="900" dirty="0"/>
           </a:p>
         </p:txBody>
       </p:sp>
@@ -36505,17 +36382,9 @@
               <a:buFontTx/>
               <a:buNone/>
             </a:pPr>
-            <a:fld id="{AAC32575-1F93-4AB2-A9B6-2CF065479598}" type="datetime1">
+            <a:fld id="{A84A9524-8C63-4FBA-9A69-86177BFDE1D9}" type="datetime1">
               <a:rPr lang="de-DE" altLang="de-DE" sz="900" smtClean="0"/>
-              <a:pPr>
-                <a:spcBef>
-                  <a:spcPct val="0"/>
-                </a:spcBef>
-                <a:buSzTx/>
-                <a:buFontTx/>
-                <a:buNone/>
-              </a:pPr>
-              <a:t>14.05.2018</a:t>
+              <a:t>15.05.2018</a:t>
             </a:fld>
             <a:endParaRPr lang="de-DE" altLang="de-DE" sz="900"/>
           </a:p>
@@ -37524,17 +37393,9 @@
               <a:buFontTx/>
               <a:buNone/>
             </a:pPr>
-            <a:fld id="{7D9D10C4-D78B-4950-ACD4-1EE0724B46AD}" type="datetime1">
+            <a:fld id="{05294EAE-428D-45F0-89AF-993D2B573C2C}" type="datetime1">
               <a:rPr lang="de-DE" altLang="de-DE" sz="900" smtClean="0"/>
-              <a:pPr>
-                <a:spcBef>
-                  <a:spcPct val="0"/>
-                </a:spcBef>
-                <a:buSzTx/>
-                <a:buFontTx/>
-                <a:buNone/>
-              </a:pPr>
-              <a:t>14.05.2018</a:t>
+              <a:t>15.05.2018</a:t>
             </a:fld>
             <a:endParaRPr lang="de-DE" altLang="de-DE" sz="900"/>
           </a:p>
@@ -38153,17 +38014,9 @@
               <a:buFontTx/>
               <a:buNone/>
             </a:pPr>
-            <a:fld id="{54266DFA-0439-46AF-9E5D-7B9010DC5916}" type="datetime1">
+            <a:fld id="{76F4E4CE-8708-4F13-B3BF-1F02FF0AA06A}" type="datetime1">
               <a:rPr lang="de-DE" altLang="de-DE" sz="900" smtClean="0"/>
-              <a:pPr>
-                <a:spcBef>
-                  <a:spcPct val="0"/>
-                </a:spcBef>
-                <a:buSzTx/>
-                <a:buFontTx/>
-                <a:buNone/>
-              </a:pPr>
-              <a:t>14.05.2018</a:t>
+              <a:t>15.05.2018</a:t>
             </a:fld>
             <a:endParaRPr lang="de-DE" altLang="de-DE" sz="900"/>
           </a:p>
@@ -38582,9 +38435,10 @@
               <a:buNone/>
             </a:pPr>
             <a:r>
-              <a:rPr lang="de-DE" altLang="de-DE" sz="900" dirty="0"/>
-              <a:t>Denis Westerheide &amp; Simon Müller: Git &amp; TortoiseGit - Grundlagen und Anwendungsrezepte</a:t>
+              <a:rPr lang="de-DE" altLang="de-DE" sz="900"/>
+              <a:t>Versionsmanagement: Git                                                              - B.Sc. Simon Müller, Denis Westerheide</a:t>
             </a:r>
+            <a:endParaRPr lang="de-DE" altLang="de-DE" sz="900" dirty="0"/>
           </a:p>
         </p:txBody>
       </p:sp>
@@ -38962,17 +38816,9 @@
               <a:buFontTx/>
               <a:buNone/>
             </a:pPr>
-            <a:fld id="{EBD09A0A-CCB5-4FA6-AF67-4B4A299FD090}" type="datetime1">
+            <a:fld id="{2855E5B1-6B71-4A89-AB94-28A6160A4B13}" type="datetime1">
               <a:rPr lang="de-DE" altLang="de-DE" sz="900" smtClean="0"/>
-              <a:pPr>
-                <a:spcBef>
-                  <a:spcPct val="0"/>
-                </a:spcBef>
-                <a:buSzTx/>
-                <a:buFontTx/>
-                <a:buNone/>
-              </a:pPr>
-              <a:t>14.05.2018</a:t>
+              <a:t>15.05.2018</a:t>
             </a:fld>
             <a:endParaRPr lang="de-DE" altLang="de-DE" sz="900"/>
           </a:p>
@@ -39551,17 +39397,9 @@
               <a:buFontTx/>
               <a:buNone/>
             </a:pPr>
-            <a:fld id="{7A766DAB-C0E1-4774-8FDE-A4B15840DF70}" type="datetime1">
+            <a:fld id="{6CA322C0-8740-4FE4-A6CF-7C8C72AE0887}" type="datetime1">
               <a:rPr lang="de-DE" altLang="de-DE" sz="900" smtClean="0"/>
-              <a:pPr>
-                <a:spcBef>
-                  <a:spcPct val="0"/>
-                </a:spcBef>
-                <a:buSzTx/>
-                <a:buFontTx/>
-                <a:buNone/>
-              </a:pPr>
-              <a:t>14.05.2018</a:t>
+              <a:t>15.05.2018</a:t>
             </a:fld>
             <a:endParaRPr lang="de-DE" altLang="de-DE" sz="900"/>
           </a:p>
@@ -40663,9 +40501,10 @@
               <a:buNone/>
             </a:pPr>
             <a:r>
-              <a:rPr lang="de-DE" altLang="de-DE" sz="900" dirty="0"/>
-              <a:t>Denis Westerheide &amp; Simon Müller: Git &amp; TortoiseGit - Grundlagen und Anwendungsrezepte</a:t>
+              <a:rPr lang="de-DE" altLang="de-DE" sz="900"/>
+              <a:t>Versionsmanagement: Git                                                              - B.Sc. Simon Müller, Denis Westerheide</a:t>
             </a:r>
+            <a:endParaRPr lang="de-DE" altLang="de-DE" sz="900" dirty="0"/>
           </a:p>
         </p:txBody>
       </p:sp>
@@ -42162,17 +42001,9 @@
               <a:buFontTx/>
               <a:buNone/>
             </a:pPr>
-            <a:fld id="{31E0EAAC-2B10-4B07-A96A-8DFD5E260FDB}" type="datetime1">
+            <a:fld id="{4D98E26D-90F7-458E-A41A-9BBBD99A1D9F}" type="datetime1">
               <a:rPr lang="de-DE" altLang="de-DE" sz="900" smtClean="0"/>
-              <a:pPr>
-                <a:spcBef>
-                  <a:spcPct val="0"/>
-                </a:spcBef>
-                <a:buSzTx/>
-                <a:buFontTx/>
-                <a:buNone/>
-              </a:pPr>
-              <a:t>14.05.2018</a:t>
+              <a:t>15.05.2018</a:t>
             </a:fld>
             <a:endParaRPr lang="de-DE" altLang="de-DE" sz="900"/>
           </a:p>
@@ -42918,9 +42749,10 @@
               <a:buNone/>
             </a:pPr>
             <a:r>
-              <a:rPr lang="de-DE" altLang="de-DE" sz="900" dirty="0"/>
-              <a:t>Denis Westerheide &amp; Simon Müller: Git &amp; TortoiseGit - Grundlagen und Anwendungsrezepte</a:t>
+              <a:rPr lang="de-DE" altLang="de-DE" sz="900"/>
+              <a:t>Versionsmanagement: Git                                                              - B.Sc. Simon Müller, Denis Westerheide</a:t>
             </a:r>
+            <a:endParaRPr lang="de-DE" altLang="de-DE" sz="900" dirty="0"/>
           </a:p>
         </p:txBody>
       </p:sp>
@@ -43913,9 +43745,10 @@
               <a:buNone/>
             </a:pPr>
             <a:r>
-              <a:rPr lang="de-DE" altLang="de-DE" sz="900" dirty="0"/>
-              <a:t>Denis Westerheide &amp; Simon Müller: Git &amp; TortoiseGit - Grundlagen und Anwendungsrezepte</a:t>
+              <a:rPr lang="de-DE" altLang="de-DE" sz="900"/>
+              <a:t>Versionsmanagement: Git                                                              - B.Sc. Simon Müller, Denis Westerheide</a:t>
             </a:r>
+            <a:endParaRPr lang="de-DE" altLang="de-DE" sz="900" dirty="0"/>
           </a:p>
         </p:txBody>
       </p:sp>
@@ -44293,17 +44126,9 @@
               <a:buFontTx/>
               <a:buNone/>
             </a:pPr>
-            <a:fld id="{763F4C3D-D5FE-4740-9937-1B968C6687F7}" type="datetime1">
+            <a:fld id="{299218CC-33EB-4365-8B94-B461C7C39B9D}" type="datetime1">
               <a:rPr lang="de-DE" altLang="de-DE" sz="900" smtClean="0"/>
-              <a:pPr>
-                <a:spcBef>
-                  <a:spcPct val="0"/>
-                </a:spcBef>
-                <a:buSzTx/>
-                <a:buFontTx/>
-                <a:buNone/>
-              </a:pPr>
-              <a:t>14.05.2018</a:t>
+              <a:t>15.05.2018</a:t>
             </a:fld>
             <a:endParaRPr lang="de-DE" altLang="de-DE" sz="900"/>
           </a:p>
@@ -45120,9 +44945,10 @@
           </a:lstStyle>
           <a:p>
             <a:r>
-              <a:rPr lang="de-DE" altLang="de-DE" dirty="0"/>
-              <a:t>Denis Westerheide &amp; Simon Müller: Git &amp; TortoiseGit - Grundlagen und Anwendungsrezepte</a:t>
+              <a:rPr lang="de-DE" altLang="de-DE"/>
+              <a:t>Versionsmanagement: Git                                                              - B.Sc. Simon Müller, Denis Westerheide</a:t>
             </a:r>
+            <a:endParaRPr lang="de-DE" altLang="de-DE" dirty="0"/>
           </a:p>
         </p:txBody>
       </p:sp>
@@ -45375,10 +45201,9 @@
             </a:lvl9pPr>
           </a:lstStyle>
           <a:p>
-            <a:fld id="{41FF10CA-D7BF-4E94-AD88-3E264F8AC370}" type="datetime1">
+            <a:fld id="{234C3233-B089-4FEE-AB01-18497452024C}" type="datetime1">
               <a:rPr lang="de-DE" altLang="de-DE" smtClean="0"/>
-              <a:pPr/>
-              <a:t>14.05.2018</a:t>
+              <a:t>15.05.2018</a:t>
             </a:fld>
             <a:endParaRPr lang="de-DE" altLang="de-DE"/>
           </a:p>
@@ -46313,9 +46138,10 @@
               <a:buNone/>
             </a:pPr>
             <a:r>
-              <a:rPr lang="de-DE" altLang="de-DE" sz="900" dirty="0"/>
-              <a:t>Denis Westerheide &amp; Simon Müller: Git &amp; TortoiseGit - Grundlagen und Anwendungsrezepte</a:t>
+              <a:rPr lang="de-DE" altLang="de-DE" sz="900"/>
+              <a:t>Versionsmanagement: Git                                                              - B.Sc. Simon Müller, Denis Westerheide</a:t>
             </a:r>
+            <a:endParaRPr lang="de-DE" altLang="de-DE" sz="900" dirty="0"/>
           </a:p>
         </p:txBody>
       </p:sp>
@@ -46693,17 +46519,9 @@
               <a:buFontTx/>
               <a:buNone/>
             </a:pPr>
-            <a:fld id="{C11438EC-2A1C-4F8D-A8D5-F5938EE8166E}" type="datetime1">
+            <a:fld id="{B8F742FC-EE18-44A1-BECD-0D601113AA62}" type="datetime1">
               <a:rPr lang="de-DE" altLang="de-DE" sz="900" smtClean="0"/>
-              <a:pPr>
-                <a:spcBef>
-                  <a:spcPct val="0"/>
-                </a:spcBef>
-                <a:buSzTx/>
-                <a:buFontTx/>
-                <a:buNone/>
-              </a:pPr>
-              <a:t>14.05.2018</a:t>
+              <a:t>15.05.2018</a:t>
             </a:fld>
             <a:endParaRPr lang="de-DE" altLang="de-DE" sz="900"/>
           </a:p>
@@ -47741,9 +47559,10 @@
               <a:buNone/>
             </a:pPr>
             <a:r>
-              <a:rPr lang="de-DE" altLang="de-DE" sz="900" dirty="0"/>
-              <a:t>Denis Westerheide &amp; Simon Müller: Git &amp; TortoiseGit - Grundlagen und Anwendungsrezepte</a:t>
+              <a:rPr lang="de-DE" altLang="de-DE" sz="900"/>
+              <a:t>Versionsmanagement: Git                                                              - B.Sc. Simon Müller, Denis Westerheide</a:t>
             </a:r>
+            <a:endParaRPr lang="de-DE" altLang="de-DE" sz="900" dirty="0"/>
           </a:p>
         </p:txBody>
       </p:sp>
@@ -48121,17 +47940,9 @@
               <a:buFontTx/>
               <a:buNone/>
             </a:pPr>
-            <a:fld id="{54926845-184F-4F7A-A205-C19F080DCE33}" type="datetime1">
+            <a:fld id="{99F89A8D-4277-404D-9C04-A544066723E9}" type="datetime1">
               <a:rPr lang="de-DE" altLang="de-DE" sz="900" smtClean="0"/>
-              <a:pPr>
-                <a:spcBef>
-                  <a:spcPct val="0"/>
-                </a:spcBef>
-                <a:buSzTx/>
-                <a:buFontTx/>
-                <a:buNone/>
-              </a:pPr>
-              <a:t>14.05.2018</a:t>
+              <a:t>15.05.2018</a:t>
             </a:fld>
             <a:endParaRPr lang="de-DE" altLang="de-DE" sz="900"/>
           </a:p>
